--- a/slides/Framework_presentatie.pptx
+++ b/slides/Framework_presentatie.pptx
@@ -7263,7 +7263,7 @@
                   <a:schemeClr val="bg1"/>
                 </a:solidFill>
               </a:rPr>
-              <a:t>Duplicatie data access logica</a:t>
+              <a:t>Voorkomt duplicatie data access logica</a:t>
             </a:r>
           </a:p>
           <a:p>
@@ -7288,37 +7288,8 @@
                   <a:schemeClr val="bg1"/>
                 </a:solidFill>
               </a:rPr>
-              <a:t>Ontkoppelt applicatie van </a:t>
-            </a:r>
-            <a:r>
-              <a:rPr lang="nl-NL" dirty="0" err="1">
-                <a:solidFill>
-                  <a:schemeClr val="bg1"/>
-                </a:solidFill>
-              </a:rPr>
-              <a:t>persistence</a:t>
-            </a:r>
-            <a:r>
-              <a:rPr lang="nl-NL" dirty="0">
-                <a:solidFill>
-                  <a:schemeClr val="bg1"/>
-                </a:solidFill>
-              </a:rPr>
-              <a:t> </a:t>
-            </a:r>
-            <a:r>
-              <a:rPr lang="nl-NL" dirty="0" err="1">
-                <a:solidFill>
-                  <a:schemeClr val="bg1"/>
-                </a:solidFill>
-              </a:rPr>
-              <a:t>frameworks</a:t>
-            </a:r>
-            <a:endParaRPr lang="nl-NL" dirty="0">
-              <a:solidFill>
-                <a:schemeClr val="bg1"/>
-              </a:solidFill>
-            </a:endParaRPr>
+              <a:t>Ontkoppelt applicatie van ORM</a:t>
+            </a:r>
           </a:p>
           <a:p>
             <a:pPr marL="342900" indent="-342900" algn="l">
@@ -7342,7 +7313,7 @@
                   <a:schemeClr val="bg1"/>
                 </a:solidFill>
               </a:rPr>
-              <a:t>Beter </a:t>
+              <a:t>Applicatie beter </a:t>
             </a:r>
             <a:r>
               <a:rPr lang="nl-NL" dirty="0" err="1">
@@ -7701,39 +7672,45 @@
             </a:lvl9pPr>
           </a:lstStyle>
           <a:p>
+            <a:pPr algn="l"/>
+            <a:r>
+              <a:rPr lang="nl-NL" dirty="0">
+                <a:solidFill>
+                  <a:schemeClr val="bg1"/>
+                </a:solidFill>
+              </a:rPr>
+              <a:t>-    Een extra abstracte laag over de data access laag (</a:t>
+            </a:r>
+            <a:r>
+              <a:rPr lang="nl-NL" dirty="0" err="1">
+                <a:solidFill>
+                  <a:schemeClr val="bg1"/>
+                </a:solidFill>
+              </a:rPr>
+              <a:t>Entity</a:t>
+            </a:r>
+            <a:r>
+              <a:rPr lang="nl-NL" dirty="0">
+                <a:solidFill>
+                  <a:schemeClr val="bg1"/>
+                </a:solidFill>
+              </a:rPr>
+              <a:t> Framework) </a:t>
+            </a:r>
+          </a:p>
+          <a:p>
             <a:pPr marL="342900" indent="-342900" algn="l">
               <a:buFontTx/>
               <a:buChar char="-"/>
             </a:pPr>
             <a:r>
-              <a:rPr lang="nl-NL" dirty="0" err="1">
+              <a:rPr lang="nl-NL" dirty="0">
                 <a:solidFill>
                   <a:schemeClr val="bg1"/>
                 </a:solidFill>
               </a:rPr>
-              <a:t>Persistence</a:t>
-            </a:r>
-            <a:r>
-              <a:rPr lang="nl-NL" dirty="0">
-                <a:solidFill>
-                  <a:schemeClr val="bg1"/>
-                </a:solidFill>
-              </a:rPr>
-              <a:t> </a:t>
-            </a:r>
-            <a:r>
-              <a:rPr lang="nl-NL" dirty="0" err="1">
-                <a:solidFill>
-                  <a:schemeClr val="bg1"/>
-                </a:solidFill>
-              </a:rPr>
-              <a:t>framework</a:t>
-            </a:r>
-            <a:endParaRPr lang="nl-NL" dirty="0">
-              <a:solidFill>
-                <a:schemeClr val="bg1"/>
-              </a:solidFill>
-            </a:endParaRPr>
+              <a:t>ORM kan gemakkelijk vervangen worden</a:t>
+            </a:r>
           </a:p>
           <a:p>
             <a:pPr marL="342900" indent="-342900" algn="l">
@@ -7746,84 +7723,6 @@
               </a:solidFill>
             </a:endParaRPr>
           </a:p>
-          <a:p>
-            <a:pPr marL="342900" indent="-342900" algn="l">
-              <a:buFontTx/>
-              <a:buChar char="-"/>
-            </a:pPr>
-            <a:r>
-              <a:rPr lang="nl-NL" dirty="0">
-                <a:solidFill>
-                  <a:schemeClr val="bg1"/>
-                </a:solidFill>
-              </a:rPr>
-              <a:t>Tijd besparen</a:t>
-            </a:r>
-          </a:p>
-          <a:p>
-            <a:pPr marL="342900" indent="-342900" algn="l">
-              <a:buFontTx/>
-              <a:buChar char="-"/>
-            </a:pPr>
-            <a:endParaRPr lang="nl-NL" dirty="0">
-              <a:solidFill>
-                <a:schemeClr val="bg1"/>
-              </a:solidFill>
-            </a:endParaRPr>
-          </a:p>
-          <a:p>
-            <a:pPr marL="342900" indent="-342900" algn="l">
-              <a:buFontTx/>
-              <a:buChar char="-"/>
-            </a:pPr>
-            <a:r>
-              <a:rPr lang="nl-NL" dirty="0">
-                <a:solidFill>
-                  <a:schemeClr val="bg1"/>
-                </a:solidFill>
-              </a:rPr>
-              <a:t>Object </a:t>
-            </a:r>
-            <a:r>
-              <a:rPr lang="nl-NL" dirty="0" err="1">
-                <a:solidFill>
-                  <a:schemeClr val="bg1"/>
-                </a:solidFill>
-              </a:rPr>
-              <a:t>Role</a:t>
-            </a:r>
-            <a:r>
-              <a:rPr lang="nl-NL" dirty="0">
-                <a:solidFill>
-                  <a:schemeClr val="bg1"/>
-                </a:solidFill>
-              </a:rPr>
-              <a:t> </a:t>
-            </a:r>
-            <a:r>
-              <a:rPr lang="nl-NL" dirty="0" err="1">
-                <a:solidFill>
-                  <a:schemeClr val="bg1"/>
-                </a:solidFill>
-              </a:rPr>
-              <a:t>Modeling</a:t>
-            </a:r>
-            <a:r>
-              <a:rPr lang="nl-NL" dirty="0">
-                <a:solidFill>
-                  <a:schemeClr val="bg1"/>
-                </a:solidFill>
-              </a:rPr>
-              <a:t> Framework</a:t>
-            </a:r>
-          </a:p>
-          <a:p>
-            <a:endParaRPr lang="nl-NL" dirty="0">
-              <a:solidFill>
-                <a:schemeClr val="bg1"/>
-              </a:solidFill>
-            </a:endParaRPr>
-          </a:p>
         </p:txBody>
       </p:sp>
       <p:sp>
@@ -7896,10 +7795,10 @@
       </p:sp>
       <p:pic>
         <p:nvPicPr>
-          <p:cNvPr id="3" name="Afbeelding 2">
-            <a:extLst>
-              <a:ext uri="{FF2B5EF4-FFF2-40B4-BE49-F238E27FC236}">
-                <a16:creationId xmlns:a16="http://schemas.microsoft.com/office/drawing/2014/main" id="{F4A04E81-CD8A-4039-B6B9-E709AF68B9D8}"/>
+          <p:cNvPr id="4" name="Afbeelding 3">
+            <a:extLst>
+              <a:ext uri="{FF2B5EF4-FFF2-40B4-BE49-F238E27FC236}">
+                <a16:creationId xmlns:a16="http://schemas.microsoft.com/office/drawing/2014/main" id="{9E16554D-B87D-4077-A250-FFD08F2DB3E1}"/>
               </a:ext>
             </a:extLst>
           </p:cNvPr>
@@ -7922,8 +7821,8 @@
         </p:blipFill>
         <p:spPr>
           <a:xfrm>
-            <a:off x="6615023" y="1886719"/>
-            <a:ext cx="5212892" cy="2767012"/>
+            <a:off x="1386413" y="3228552"/>
+            <a:ext cx="9428548" cy="3349805"/>
           </a:xfrm>
           <a:prstGeom prst="rect">
             <a:avLst/>

--- a/slides/Framework_presentatie.pptx
+++ b/slides/Framework_presentatie.pptx
@@ -5509,7 +5509,7 @@
                   <a:schemeClr val="bg1"/>
                 </a:solidFill>
               </a:rPr>
-              <a:t>Role</a:t>
+              <a:t>Relational</a:t>
             </a:r>
             <a:r>
               <a:rPr lang="nl-NL" dirty="0">
@@ -5525,7 +5525,7 @@
                   <a:schemeClr val="bg1"/>
                 </a:solidFill>
               </a:rPr>
-              <a:t>Modeling</a:t>
+              <a:t>Mapping</a:t>
             </a:r>
             <a:r>
               <a:rPr lang="nl-NL" dirty="0">

--- a/slides/Framework_presentatie.pptx
+++ b/slides/Framework_presentatie.pptx
@@ -5105,13 +5105,18 @@
           </a:p>
           <a:p>
             <a:r>
-              <a:rPr lang="nl-NL" dirty="0">
+              <a:rPr lang="nl-NL">
                 <a:solidFill>
                   <a:schemeClr val="bg1"/>
                 </a:solidFill>
               </a:rPr>
-              <a:t>{Link}</a:t>
-            </a:r>
+              <a:t>http://tiny.cc/DataWorkshop</a:t>
+            </a:r>
+            <a:endParaRPr lang="nl-NL" dirty="0">
+              <a:solidFill>
+                <a:schemeClr val="bg1"/>
+              </a:solidFill>
+            </a:endParaRPr>
           </a:p>
         </p:txBody>
       </p:sp>
@@ -5455,6 +5460,60 @@
             </a:endParaRPr>
           </a:p>
           <a:p>
+            <a:pPr algn="l"/>
+            <a:endParaRPr lang="nl-NL" dirty="0">
+              <a:solidFill>
+                <a:schemeClr val="bg1"/>
+              </a:solidFill>
+            </a:endParaRPr>
+          </a:p>
+          <a:p>
+            <a:pPr marL="342900" indent="-342900" algn="l">
+              <a:buFontTx/>
+              <a:buChar char="-"/>
+            </a:pPr>
+            <a:r>
+              <a:rPr lang="nl-NL" dirty="0">
+                <a:solidFill>
+                  <a:schemeClr val="bg1"/>
+                </a:solidFill>
+              </a:rPr>
+              <a:t>Object </a:t>
+            </a:r>
+            <a:r>
+              <a:rPr lang="nl-NL" dirty="0" err="1">
+                <a:solidFill>
+                  <a:schemeClr val="bg1"/>
+                </a:solidFill>
+              </a:rPr>
+              <a:t>Relational</a:t>
+            </a:r>
+            <a:r>
+              <a:rPr lang="nl-NL" dirty="0">
+                <a:solidFill>
+                  <a:schemeClr val="bg1"/>
+                </a:solidFill>
+              </a:rPr>
+              <a:t> </a:t>
+            </a:r>
+            <a:r>
+              <a:rPr lang="nl-NL" dirty="0" err="1">
+                <a:solidFill>
+                  <a:schemeClr val="bg1"/>
+                </a:solidFill>
+              </a:rPr>
+              <a:t>Mapping</a:t>
+            </a:r>
+            <a:r>
+              <a:rPr lang="nl-NL" dirty="0">
+                <a:solidFill>
+                  <a:schemeClr val="bg1"/>
+                </a:solidFill>
+              </a:rPr>
+              <a:t> Framework</a:t>
+            </a:r>
+          </a:p>
+          <a:p>
             <a:pPr marL="342900" indent="-342900" algn="l">
               <a:buFontTx/>
               <a:buChar char="-"/>
@@ -5476,6 +5535,20 @@
                   <a:schemeClr val="bg1"/>
                 </a:solidFill>
               </a:rPr>
+              <a:t>ADO.NET</a:t>
+            </a:r>
+          </a:p>
+          <a:p>
+            <a:pPr marL="342900" indent="-342900" algn="l">
+              <a:buFontTx/>
+              <a:buChar char="-"/>
+            </a:pPr>
+            <a:r>
+              <a:rPr lang="nl-NL" dirty="0">
+                <a:solidFill>
+                  <a:schemeClr val="bg1"/>
+                </a:solidFill>
+              </a:rPr>
               <a:t>Tijd besparen</a:t>
             </a:r>
           </a:p>
@@ -5489,52 +5562,6 @@
                 <a:schemeClr val="bg1"/>
               </a:solidFill>
             </a:endParaRPr>
-          </a:p>
-          <a:p>
-            <a:pPr marL="342900" indent="-342900" algn="l">
-              <a:buFontTx/>
-              <a:buChar char="-"/>
-            </a:pPr>
-            <a:r>
-              <a:rPr lang="nl-NL" dirty="0">
-                <a:solidFill>
-                  <a:schemeClr val="bg1"/>
-                </a:solidFill>
-              </a:rPr>
-              <a:t>Object </a:t>
-            </a:r>
-            <a:r>
-              <a:rPr lang="nl-NL" dirty="0" err="1">
-                <a:solidFill>
-                  <a:schemeClr val="bg1"/>
-                </a:solidFill>
-              </a:rPr>
-              <a:t>Relational</a:t>
-            </a:r>
-            <a:r>
-              <a:rPr lang="nl-NL" dirty="0">
-                <a:solidFill>
-                  <a:schemeClr val="bg1"/>
-                </a:solidFill>
-              </a:rPr>
-              <a:t> </a:t>
-            </a:r>
-            <a:r>
-              <a:rPr lang="nl-NL" dirty="0" err="1">
-                <a:solidFill>
-                  <a:schemeClr val="bg1"/>
-                </a:solidFill>
-              </a:rPr>
-              <a:t>Mapping</a:t>
-            </a:r>
-            <a:r>
-              <a:rPr lang="nl-NL" dirty="0">
-                <a:solidFill>
-                  <a:schemeClr val="bg1"/>
-                </a:solidFill>
-              </a:rPr>
-              <a:t> Framework</a:t>
-            </a:r>
           </a:p>
           <a:p>
             <a:endParaRPr lang="nl-NL" dirty="0">
@@ -6830,7 +6857,7 @@
                   <a:schemeClr val="bg1"/>
                 </a:solidFill>
               </a:rPr>
-              <a:t>{Link}</a:t>
+              <a:t>http://tiny.cc/EntityWorkshop</a:t>
             </a:r>
           </a:p>
         </p:txBody>
@@ -8183,7 +8210,7 @@
                   <a:schemeClr val="bg1"/>
                 </a:solidFill>
               </a:rPr>
-              <a:t>{Link}</a:t>
+              <a:t>http://tiny.cc/RepositoryWorkshop</a:t>
             </a:r>
           </a:p>
         </p:txBody>

--- a/slides/Framework_presentatie.pptx
+++ b/slides/Framework_presentatie.pptx
@@ -5105,18 +5105,13 @@
           </a:p>
           <a:p>
             <a:r>
-              <a:rPr lang="nl-NL">
+              <a:rPr lang="nl-NL" sz="4000" dirty="0">
                 <a:solidFill>
                   <a:schemeClr val="bg1"/>
                 </a:solidFill>
               </a:rPr>
               <a:t>http://tiny.cc/DataWorkshop</a:t>
             </a:r>
-            <a:endParaRPr lang="nl-NL" dirty="0">
-              <a:solidFill>
-                <a:schemeClr val="bg1"/>
-              </a:solidFill>
-            </a:endParaRPr>
           </a:p>
         </p:txBody>
       </p:sp>
@@ -6852,7 +6847,7 @@
           </a:p>
           <a:p>
             <a:r>
-              <a:rPr lang="nl-NL" dirty="0">
+              <a:rPr lang="nl-NL" sz="4000" dirty="0">
                 <a:solidFill>
                   <a:schemeClr val="bg1"/>
                 </a:solidFill>
@@ -8205,7 +8200,7 @@
           </a:p>
           <a:p>
             <a:r>
-              <a:rPr lang="nl-NL" dirty="0">
+              <a:rPr lang="nl-NL" sz="4000" dirty="0">
                 <a:solidFill>
                   <a:schemeClr val="bg1"/>
                 </a:solidFill>

--- a/slides/Framework_presentatie.pptx
+++ b/slides/Framework_presentatie.pptx
@@ -5,20 +5,23 @@
     <p:sldMasterId id="2147483648" r:id="rId1"/>
   </p:sldMasterIdLst>
   <p:sldIdLst>
-    <p:sldId id="256" r:id="rId2"/>
-    <p:sldId id="264" r:id="rId3"/>
-    <p:sldId id="265" r:id="rId4"/>
-    <p:sldId id="269" r:id="rId5"/>
-    <p:sldId id="266" r:id="rId6"/>
-    <p:sldId id="258" r:id="rId7"/>
-    <p:sldId id="270" r:id="rId8"/>
-    <p:sldId id="271" r:id="rId9"/>
-    <p:sldId id="272" r:id="rId10"/>
-    <p:sldId id="260" r:id="rId11"/>
-    <p:sldId id="273" r:id="rId12"/>
-    <p:sldId id="274" r:id="rId13"/>
-    <p:sldId id="276" r:id="rId14"/>
-    <p:sldId id="275" r:id="rId15"/>
+    <p:sldId id="277" r:id="rId2"/>
+    <p:sldId id="278" r:id="rId3"/>
+    <p:sldId id="279" r:id="rId4"/>
+    <p:sldId id="256" r:id="rId5"/>
+    <p:sldId id="264" r:id="rId6"/>
+    <p:sldId id="265" r:id="rId7"/>
+    <p:sldId id="269" r:id="rId8"/>
+    <p:sldId id="266" r:id="rId9"/>
+    <p:sldId id="258" r:id="rId10"/>
+    <p:sldId id="270" r:id="rId11"/>
+    <p:sldId id="271" r:id="rId12"/>
+    <p:sldId id="272" r:id="rId13"/>
+    <p:sldId id="260" r:id="rId14"/>
+    <p:sldId id="273" r:id="rId15"/>
+    <p:sldId id="274" r:id="rId16"/>
+    <p:sldId id="276" r:id="rId17"/>
+    <p:sldId id="275" r:id="rId18"/>
   </p:sldIdLst>
   <p:sldSz cx="12192000" cy="6858000"/>
   <p:notesSz cx="6858000" cy="9144000"/>
@@ -3598,20 +3601,12 @@
           <a:lstStyle/>
           <a:p>
             <a:r>
-              <a:rPr lang="nl-NL" dirty="0" err="1">
-                <a:solidFill>
-                  <a:schemeClr val="bg1"/>
-                </a:solidFill>
-              </a:rPr>
-              <a:t>Entity</a:t>
-            </a:r>
-            <a:r>
               <a:rPr lang="nl-NL" dirty="0">
                 <a:solidFill>
                   <a:schemeClr val="bg1"/>
                 </a:solidFill>
               </a:rPr>
-              <a:t> Framework</a:t>
+              <a:t>Workshop</a:t>
             </a:r>
           </a:p>
         </p:txBody>
@@ -3619,7 +3614,7 @@
     </p:spTree>
     <p:extLst>
       <p:ext uri="{BB962C8B-B14F-4D97-AF65-F5344CB8AC3E}">
-        <p14:creationId xmlns:p14="http://schemas.microsoft.com/office/powerpoint/2010/main" val="3895889470"/>
+        <p14:creationId xmlns:p14="http://schemas.microsoft.com/office/powerpoint/2010/main" val="2457576166"/>
       </p:ext>
     </p:extLst>
   </p:cSld>
@@ -3654,31 +3649,6 @@
           <a:chExt cx="0" cy="0"/>
         </a:xfrm>
       </p:grpSpPr>
-      <p:sp>
-        <p:nvSpPr>
-          <p:cNvPr id="3" name="Ondertitel 2">
-            <a:extLst>
-              <a:ext uri="{FF2B5EF4-FFF2-40B4-BE49-F238E27FC236}">
-                <a16:creationId xmlns:a16="http://schemas.microsoft.com/office/drawing/2014/main" id="{E33BA47F-E0B6-48B8-9B6E-CE089A774A2F}"/>
-              </a:ext>
-            </a:extLst>
-          </p:cNvPr>
-          <p:cNvSpPr>
-            <a:spLocks noGrp="1"/>
-          </p:cNvSpPr>
-          <p:nvPr>
-            <p:ph type="subTitle" idx="1"/>
-          </p:nvPr>
-        </p:nvSpPr>
-        <p:spPr/>
-        <p:txBody>
-          <a:bodyPr/>
-          <a:lstStyle/>
-          <a:p>
-            <a:endParaRPr lang="nl-NL"/>
-          </a:p>
-        </p:txBody>
-      </p:sp>
       <p:pic>
         <p:nvPicPr>
           <p:cNvPr id="6" name="Afbeelding 5">
@@ -3717,10 +3687,287 @@
       </p:pic>
       <p:sp>
         <p:nvSpPr>
-          <p:cNvPr id="2" name="Titel 1">
-            <a:extLst>
-              <a:ext uri="{FF2B5EF4-FFF2-40B4-BE49-F238E27FC236}">
-                <a16:creationId xmlns:a16="http://schemas.microsoft.com/office/drawing/2014/main" id="{D3C07CC0-B426-4FA1-ACA6-C10A83758EA0}"/>
+          <p:cNvPr id="7" name="Ondertitel 2">
+            <a:extLst>
+              <a:ext uri="{FF2B5EF4-FFF2-40B4-BE49-F238E27FC236}">
+                <a16:creationId xmlns:a16="http://schemas.microsoft.com/office/drawing/2014/main" id="{C8A7217A-CA09-4F92-BB8B-040FAE5EF125}"/>
+              </a:ext>
+            </a:extLst>
+          </p:cNvPr>
+          <p:cNvSpPr txBox="1">
+            <a:spLocks/>
+          </p:cNvSpPr>
+          <p:nvPr/>
+        </p:nvSpPr>
+        <p:spPr>
+          <a:xfrm>
+            <a:off x="1524000" y="2127380"/>
+            <a:ext cx="9144000" cy="3107093"/>
+          </a:xfrm>
+          <a:prstGeom prst="rect">
+            <a:avLst/>
+          </a:prstGeom>
+        </p:spPr>
+        <p:txBody>
+          <a:bodyPr vert="horz" lIns="91440" tIns="45720" rIns="91440" bIns="45720" rtlCol="0">
+            <a:normAutofit/>
+          </a:bodyPr>
+          <a:lstStyle>
+            <a:lvl1pPr marL="0" indent="0" algn="ctr" defTabSz="914400" rtl="0" eaLnBrk="1" latinLnBrk="0" hangingPunct="1">
+              <a:lnSpc>
+                <a:spcPct val="90000"/>
+              </a:lnSpc>
+              <a:spcBef>
+                <a:spcPts val="1000"/>
+              </a:spcBef>
+              <a:buFont typeface="Arial" panose="020B0604020202020204" pitchFamily="34" charset="0"/>
+              <a:buNone/>
+              <a:defRPr sz="2400" kern="1200">
+                <a:solidFill>
+                  <a:schemeClr val="tx1"/>
+                </a:solidFill>
+                <a:latin typeface="+mn-lt"/>
+                <a:ea typeface="+mn-ea"/>
+                <a:cs typeface="+mn-cs"/>
+              </a:defRPr>
+            </a:lvl1pPr>
+            <a:lvl2pPr marL="457200" indent="0" algn="ctr" defTabSz="914400" rtl="0" eaLnBrk="1" latinLnBrk="0" hangingPunct="1">
+              <a:lnSpc>
+                <a:spcPct val="90000"/>
+              </a:lnSpc>
+              <a:spcBef>
+                <a:spcPts val="500"/>
+              </a:spcBef>
+              <a:buFont typeface="Arial" panose="020B0604020202020204" pitchFamily="34" charset="0"/>
+              <a:buNone/>
+              <a:defRPr sz="2000" kern="1200">
+                <a:solidFill>
+                  <a:schemeClr val="tx1"/>
+                </a:solidFill>
+                <a:latin typeface="+mn-lt"/>
+                <a:ea typeface="+mn-ea"/>
+                <a:cs typeface="+mn-cs"/>
+              </a:defRPr>
+            </a:lvl2pPr>
+            <a:lvl3pPr marL="914400" indent="0" algn="ctr" defTabSz="914400" rtl="0" eaLnBrk="1" latinLnBrk="0" hangingPunct="1">
+              <a:lnSpc>
+                <a:spcPct val="90000"/>
+              </a:lnSpc>
+              <a:spcBef>
+                <a:spcPts val="500"/>
+              </a:spcBef>
+              <a:buFont typeface="Arial" panose="020B0604020202020204" pitchFamily="34" charset="0"/>
+              <a:buNone/>
+              <a:defRPr sz="1800" kern="1200">
+                <a:solidFill>
+                  <a:schemeClr val="tx1"/>
+                </a:solidFill>
+                <a:latin typeface="+mn-lt"/>
+                <a:ea typeface="+mn-ea"/>
+                <a:cs typeface="+mn-cs"/>
+              </a:defRPr>
+            </a:lvl3pPr>
+            <a:lvl4pPr marL="1371600" indent="0" algn="ctr" defTabSz="914400" rtl="0" eaLnBrk="1" latinLnBrk="0" hangingPunct="1">
+              <a:lnSpc>
+                <a:spcPct val="90000"/>
+              </a:lnSpc>
+              <a:spcBef>
+                <a:spcPts val="500"/>
+              </a:spcBef>
+              <a:buFont typeface="Arial" panose="020B0604020202020204" pitchFamily="34" charset="0"/>
+              <a:buNone/>
+              <a:defRPr sz="1600" kern="1200">
+                <a:solidFill>
+                  <a:schemeClr val="tx1"/>
+                </a:solidFill>
+                <a:latin typeface="+mn-lt"/>
+                <a:ea typeface="+mn-ea"/>
+                <a:cs typeface="+mn-cs"/>
+              </a:defRPr>
+            </a:lvl4pPr>
+            <a:lvl5pPr marL="1828800" indent="0" algn="ctr" defTabSz="914400" rtl="0" eaLnBrk="1" latinLnBrk="0" hangingPunct="1">
+              <a:lnSpc>
+                <a:spcPct val="90000"/>
+              </a:lnSpc>
+              <a:spcBef>
+                <a:spcPts val="500"/>
+              </a:spcBef>
+              <a:buFont typeface="Arial" panose="020B0604020202020204" pitchFamily="34" charset="0"/>
+              <a:buNone/>
+              <a:defRPr sz="1600" kern="1200">
+                <a:solidFill>
+                  <a:schemeClr val="tx1"/>
+                </a:solidFill>
+                <a:latin typeface="+mn-lt"/>
+                <a:ea typeface="+mn-ea"/>
+                <a:cs typeface="+mn-cs"/>
+              </a:defRPr>
+            </a:lvl5pPr>
+            <a:lvl6pPr marL="2286000" indent="0" algn="ctr" defTabSz="914400" rtl="0" eaLnBrk="1" latinLnBrk="0" hangingPunct="1">
+              <a:lnSpc>
+                <a:spcPct val="90000"/>
+              </a:lnSpc>
+              <a:spcBef>
+                <a:spcPts val="500"/>
+              </a:spcBef>
+              <a:buFont typeface="Arial" panose="020B0604020202020204" pitchFamily="34" charset="0"/>
+              <a:buNone/>
+              <a:defRPr sz="1600" kern="1200">
+                <a:solidFill>
+                  <a:schemeClr val="tx1"/>
+                </a:solidFill>
+                <a:latin typeface="+mn-lt"/>
+                <a:ea typeface="+mn-ea"/>
+                <a:cs typeface="+mn-cs"/>
+              </a:defRPr>
+            </a:lvl6pPr>
+            <a:lvl7pPr marL="2743200" indent="0" algn="ctr" defTabSz="914400" rtl="0" eaLnBrk="1" latinLnBrk="0" hangingPunct="1">
+              <a:lnSpc>
+                <a:spcPct val="90000"/>
+              </a:lnSpc>
+              <a:spcBef>
+                <a:spcPts val="500"/>
+              </a:spcBef>
+              <a:buFont typeface="Arial" panose="020B0604020202020204" pitchFamily="34" charset="0"/>
+              <a:buNone/>
+              <a:defRPr sz="1600" kern="1200">
+                <a:solidFill>
+                  <a:schemeClr val="tx1"/>
+                </a:solidFill>
+                <a:latin typeface="+mn-lt"/>
+                <a:ea typeface="+mn-ea"/>
+                <a:cs typeface="+mn-cs"/>
+              </a:defRPr>
+            </a:lvl7pPr>
+            <a:lvl8pPr marL="3200400" indent="0" algn="ctr" defTabSz="914400" rtl="0" eaLnBrk="1" latinLnBrk="0" hangingPunct="1">
+              <a:lnSpc>
+                <a:spcPct val="90000"/>
+              </a:lnSpc>
+              <a:spcBef>
+                <a:spcPts val="500"/>
+              </a:spcBef>
+              <a:buFont typeface="Arial" panose="020B0604020202020204" pitchFamily="34" charset="0"/>
+              <a:buNone/>
+              <a:defRPr sz="1600" kern="1200">
+                <a:solidFill>
+                  <a:schemeClr val="tx1"/>
+                </a:solidFill>
+                <a:latin typeface="+mn-lt"/>
+                <a:ea typeface="+mn-ea"/>
+                <a:cs typeface="+mn-cs"/>
+              </a:defRPr>
+            </a:lvl8pPr>
+            <a:lvl9pPr marL="3657600" indent="0" algn="ctr" defTabSz="914400" rtl="0" eaLnBrk="1" latinLnBrk="0" hangingPunct="1">
+              <a:lnSpc>
+                <a:spcPct val="90000"/>
+              </a:lnSpc>
+              <a:spcBef>
+                <a:spcPts val="500"/>
+              </a:spcBef>
+              <a:buFont typeface="Arial" panose="020B0604020202020204" pitchFamily="34" charset="0"/>
+              <a:buNone/>
+              <a:defRPr sz="1600" kern="1200">
+                <a:solidFill>
+                  <a:schemeClr val="tx1"/>
+                </a:solidFill>
+                <a:latin typeface="+mn-lt"/>
+                <a:ea typeface="+mn-ea"/>
+                <a:cs typeface="+mn-cs"/>
+              </a:defRPr>
+            </a:lvl9pPr>
+          </a:lstStyle>
+          <a:p>
+            <a:pPr marL="342900" indent="-342900" algn="l">
+              <a:buFontTx/>
+              <a:buChar char="-"/>
+            </a:pPr>
+            <a:r>
+              <a:rPr lang="nl-NL" dirty="0">
+                <a:solidFill>
+                  <a:schemeClr val="bg1"/>
+                </a:solidFill>
+              </a:rPr>
+              <a:t>Voorkomt duplicatie data access logica</a:t>
+            </a:r>
+          </a:p>
+          <a:p>
+            <a:pPr marL="342900" indent="-342900" algn="l">
+              <a:buFontTx/>
+              <a:buChar char="-"/>
+            </a:pPr>
+            <a:endParaRPr lang="nl-NL" dirty="0">
+              <a:solidFill>
+                <a:schemeClr val="bg1"/>
+              </a:solidFill>
+            </a:endParaRPr>
+          </a:p>
+          <a:p>
+            <a:pPr marL="342900" indent="-342900" algn="l">
+              <a:buFontTx/>
+              <a:buChar char="-"/>
+            </a:pPr>
+            <a:r>
+              <a:rPr lang="nl-NL" dirty="0">
+                <a:solidFill>
+                  <a:schemeClr val="bg1"/>
+                </a:solidFill>
+              </a:rPr>
+              <a:t>Ontkoppelt applicatie van ORM</a:t>
+            </a:r>
+          </a:p>
+          <a:p>
+            <a:pPr marL="342900" indent="-342900" algn="l">
+              <a:buFontTx/>
+              <a:buChar char="-"/>
+            </a:pPr>
+            <a:endParaRPr lang="nl-NL" dirty="0">
+              <a:solidFill>
+                <a:schemeClr val="bg1"/>
+              </a:solidFill>
+            </a:endParaRPr>
+          </a:p>
+          <a:p>
+            <a:pPr marL="342900" indent="-342900" algn="l">
+              <a:buFontTx/>
+              <a:buChar char="-"/>
+            </a:pPr>
+            <a:r>
+              <a:rPr lang="nl-NL" dirty="0">
+                <a:solidFill>
+                  <a:schemeClr val="bg1"/>
+                </a:solidFill>
+              </a:rPr>
+              <a:t>Applicatie beter </a:t>
+            </a:r>
+            <a:r>
+              <a:rPr lang="nl-NL" dirty="0" err="1">
+                <a:solidFill>
+                  <a:schemeClr val="bg1"/>
+                </a:solidFill>
+              </a:rPr>
+              <a:t>testbaar</a:t>
+            </a:r>
+            <a:endParaRPr lang="nl-NL" dirty="0">
+              <a:solidFill>
+                <a:schemeClr val="bg1"/>
+              </a:solidFill>
+            </a:endParaRPr>
+          </a:p>
+          <a:p>
+            <a:endParaRPr lang="nl-NL" dirty="0">
+              <a:solidFill>
+                <a:schemeClr val="bg1"/>
+              </a:solidFill>
+            </a:endParaRPr>
+          </a:p>
+        </p:txBody>
+      </p:sp>
+      <p:sp>
+        <p:nvSpPr>
+          <p:cNvPr id="10" name="Titel 1">
+            <a:extLst>
+              <a:ext uri="{FF2B5EF4-FFF2-40B4-BE49-F238E27FC236}">
+                <a16:creationId xmlns:a16="http://schemas.microsoft.com/office/drawing/2014/main" id="{F5A54F81-B54C-4D4D-BD79-C7DB99EFF519}"/>
               </a:ext>
             </a:extLst>
           </p:cNvPr>
@@ -3731,26 +3978,62 @@
             <p:ph type="ctrTitle"/>
           </p:nvPr>
         </p:nvSpPr>
-        <p:spPr/>
-        <p:txBody>
-          <a:bodyPr/>
+        <p:spPr>
+          <a:xfrm>
+            <a:off x="1524000" y="1122363"/>
+            <a:ext cx="9144000" cy="137270"/>
+          </a:xfrm>
+        </p:spPr>
+        <p:txBody>
+          <a:bodyPr>
+            <a:noAutofit/>
+          </a:bodyPr>
           <a:lstStyle/>
           <a:p>
             <a:r>
-              <a:rPr lang="nl-NL" dirty="0">
-                <a:solidFill>
-                  <a:schemeClr val="bg1"/>
-                </a:solidFill>
-              </a:rPr>
-              <a:t>Sensitive Data Exposure</a:t>
-            </a:r>
+              <a:rPr lang="nl-NL" sz="3600" dirty="0">
+                <a:solidFill>
+                  <a:schemeClr val="bg1"/>
+                </a:solidFill>
+              </a:rPr>
+              <a:t>Wat is het </a:t>
+            </a:r>
+            <a:r>
+              <a:rPr lang="nl-NL" sz="3600" dirty="0" err="1">
+                <a:solidFill>
+                  <a:schemeClr val="bg1"/>
+                </a:solidFill>
+              </a:rPr>
+              <a:t>Repository</a:t>
+            </a:r>
+            <a:r>
+              <a:rPr lang="nl-NL" sz="3600" dirty="0">
+                <a:solidFill>
+                  <a:schemeClr val="bg1"/>
+                </a:solidFill>
+              </a:rPr>
+              <a:t> </a:t>
+            </a:r>
+            <a:r>
+              <a:rPr lang="nl-NL" sz="3600" dirty="0" err="1">
+                <a:solidFill>
+                  <a:schemeClr val="bg1"/>
+                </a:solidFill>
+              </a:rPr>
+              <a:t>Pattern</a:t>
+            </a:r>
+            <a:endParaRPr lang="nl-NL" sz="3600" dirty="0">
+              <a:solidFill>
+                <a:schemeClr val="bg1"/>
+              </a:solidFill>
+            </a:endParaRPr>
           </a:p>
         </p:txBody>
       </p:sp>
     </p:spTree>
     <p:extLst>
       <p:ext uri="{BB962C8B-B14F-4D97-AF65-F5344CB8AC3E}">
-        <p14:creationId xmlns:p14="http://schemas.microsoft.com/office/powerpoint/2010/main" val="3864993119"/>
+        <p14:creationId xmlns:p14="http://schemas.microsoft.com/office/powerpoint/2010/main" val="2679252519"/>
       </p:ext>
     </p:extLst>
   </p:cSld>
@@ -4013,6 +4296,33 @@
             </a:lvl9pPr>
           </a:lstStyle>
           <a:p>
+            <a:pPr algn="l"/>
+            <a:r>
+              <a:rPr lang="nl-NL" dirty="0">
+                <a:solidFill>
+                  <a:schemeClr val="bg1"/>
+                </a:solidFill>
+              </a:rPr>
+              <a:t>-    Een extra abstracte laag over de data access laag (</a:t>
+            </a:r>
+            <a:r>
+              <a:rPr lang="nl-NL" dirty="0" err="1">
+                <a:solidFill>
+                  <a:schemeClr val="bg1"/>
+                </a:solidFill>
+              </a:rPr>
+              <a:t>Entity</a:t>
+            </a:r>
+            <a:r>
+              <a:rPr lang="nl-NL" dirty="0">
+                <a:solidFill>
+                  <a:schemeClr val="bg1"/>
+                </a:solidFill>
+              </a:rPr>
+              <a:t> Framework) </a:t>
+            </a:r>
+          </a:p>
+          <a:p>
             <a:pPr marL="342900" indent="-342900" algn="l">
               <a:buFontTx/>
               <a:buChar char="-"/>
@@ -4023,7 +4333,7 @@
                   <a:schemeClr val="bg1"/>
                 </a:solidFill>
               </a:rPr>
-              <a:t>Beveiligingskwetsbaarheid</a:t>
+              <a:t>ORM kan gemakkelijk vervangen worden</a:t>
             </a:r>
           </a:p>
           <a:p>
@@ -4037,52 +4347,6 @@
               </a:solidFill>
             </a:endParaRPr>
           </a:p>
-          <a:p>
-            <a:pPr marL="342900" indent="-342900" algn="l">
-              <a:buFontTx/>
-              <a:buChar char="-"/>
-            </a:pPr>
-            <a:r>
-              <a:rPr lang="nl-NL" dirty="0">
-                <a:solidFill>
-                  <a:schemeClr val="bg1"/>
-                </a:solidFill>
-              </a:rPr>
-              <a:t>Probleem: Gevoelige data opslaan in plaintext</a:t>
-            </a:r>
-          </a:p>
-          <a:p>
-            <a:pPr marL="342900" indent="-342900" algn="l">
-              <a:buFontTx/>
-              <a:buChar char="-"/>
-            </a:pPr>
-            <a:endParaRPr lang="nl-NL" dirty="0">
-              <a:solidFill>
-                <a:schemeClr val="bg1"/>
-              </a:solidFill>
-            </a:endParaRPr>
-          </a:p>
-          <a:p>
-            <a:pPr marL="342900" indent="-342900" algn="l">
-              <a:buFontTx/>
-              <a:buChar char="-"/>
-            </a:pPr>
-            <a:r>
-              <a:rPr lang="nl-NL" dirty="0">
-                <a:solidFill>
-                  <a:schemeClr val="bg1"/>
-                </a:solidFill>
-              </a:rPr>
-              <a:t>Oplossing: Encryptie</a:t>
-            </a:r>
-          </a:p>
-          <a:p>
-            <a:endParaRPr lang="nl-NL" dirty="0">
-              <a:solidFill>
-                <a:schemeClr val="bg1"/>
-              </a:solidFill>
-            </a:endParaRPr>
-          </a:p>
         </p:txBody>
       </p:sp>
       <p:sp>
@@ -4119,15 +4383,80 @@
                   <a:schemeClr val="bg1"/>
                 </a:solidFill>
               </a:rPr>
-              <a:t>Wat is Sensitive Data Exposure?</a:t>
-            </a:r>
-          </a:p>
-        </p:txBody>
-      </p:sp>
+              <a:t>Hoe werkt het </a:t>
+            </a:r>
+            <a:r>
+              <a:rPr lang="nl-NL" sz="3600" dirty="0" err="1">
+                <a:solidFill>
+                  <a:schemeClr val="bg1"/>
+                </a:solidFill>
+              </a:rPr>
+              <a:t>Repository</a:t>
+            </a:r>
+            <a:r>
+              <a:rPr lang="nl-NL" sz="3600" dirty="0">
+                <a:solidFill>
+                  <a:schemeClr val="bg1"/>
+                </a:solidFill>
+              </a:rPr>
+              <a:t> </a:t>
+            </a:r>
+            <a:r>
+              <a:rPr lang="nl-NL" sz="3600" dirty="0" err="1">
+                <a:solidFill>
+                  <a:schemeClr val="bg1"/>
+                </a:solidFill>
+              </a:rPr>
+              <a:t>Pattern</a:t>
+            </a:r>
+            <a:endParaRPr lang="nl-NL" sz="3600" dirty="0">
+              <a:solidFill>
+                <a:schemeClr val="bg1"/>
+              </a:solidFill>
+            </a:endParaRPr>
+          </a:p>
+        </p:txBody>
+      </p:sp>
+      <p:pic>
+        <p:nvPicPr>
+          <p:cNvPr id="4" name="Afbeelding 3">
+            <a:extLst>
+              <a:ext uri="{FF2B5EF4-FFF2-40B4-BE49-F238E27FC236}">
+                <a16:creationId xmlns:a16="http://schemas.microsoft.com/office/drawing/2014/main" id="{9E16554D-B87D-4077-A250-FFD08F2DB3E1}"/>
+              </a:ext>
+            </a:extLst>
+          </p:cNvPr>
+          <p:cNvPicPr>
+            <a:picLocks noChangeAspect="1"/>
+          </p:cNvPicPr>
+          <p:nvPr/>
+        </p:nvPicPr>
+        <p:blipFill>
+          <a:blip r:embed="rId3">
+            <a:extLst>
+              <a:ext uri="{28A0092B-C50C-407E-A947-70E740481C1C}">
+                <a14:useLocalDpi xmlns:a14="http://schemas.microsoft.com/office/drawing/2010/main" val="0"/>
+              </a:ext>
+            </a:extLst>
+          </a:blip>
+          <a:stretch>
+            <a:fillRect/>
+          </a:stretch>
+        </p:blipFill>
+        <p:spPr>
+          <a:xfrm>
+            <a:off x="1386413" y="3228552"/>
+            <a:ext cx="9428548" cy="3349805"/>
+          </a:xfrm>
+          <a:prstGeom prst="rect">
+            <a:avLst/>
+          </a:prstGeom>
+        </p:spPr>
+      </p:pic>
     </p:spTree>
     <p:extLst>
       <p:ext uri="{BB962C8B-B14F-4D97-AF65-F5344CB8AC3E}">
-        <p14:creationId xmlns:p14="http://schemas.microsoft.com/office/powerpoint/2010/main" val="3182496379"/>
+        <p14:creationId xmlns:p14="http://schemas.microsoft.com/office/powerpoint/2010/main" val="3356779962"/>
       </p:ext>
     </p:extLst>
   </p:cSld>
@@ -4200,10 +4529,78 @@
       </p:pic>
       <p:sp>
         <p:nvSpPr>
-          <p:cNvPr id="7" name="Ondertitel 2">
-            <a:extLst>
-              <a:ext uri="{FF2B5EF4-FFF2-40B4-BE49-F238E27FC236}">
-                <a16:creationId xmlns:a16="http://schemas.microsoft.com/office/drawing/2014/main" id="{C8A7217A-CA09-4F92-BB8B-040FAE5EF125}"/>
+          <p:cNvPr id="10" name="Titel 1">
+            <a:extLst>
+              <a:ext uri="{FF2B5EF4-FFF2-40B4-BE49-F238E27FC236}">
+                <a16:creationId xmlns:a16="http://schemas.microsoft.com/office/drawing/2014/main" id="{F5A54F81-B54C-4D4D-BD79-C7DB99EFF519}"/>
+              </a:ext>
+            </a:extLst>
+          </p:cNvPr>
+          <p:cNvSpPr>
+            <a:spLocks noGrp="1"/>
+          </p:cNvSpPr>
+          <p:nvPr>
+            <p:ph type="ctrTitle"/>
+          </p:nvPr>
+        </p:nvSpPr>
+        <p:spPr>
+          <a:xfrm>
+            <a:off x="1524000" y="1122363"/>
+            <a:ext cx="9144000" cy="137270"/>
+          </a:xfrm>
+        </p:spPr>
+        <p:txBody>
+          <a:bodyPr>
+            <a:noAutofit/>
+          </a:bodyPr>
+          <a:lstStyle/>
+          <a:p>
+            <a:r>
+              <a:rPr lang="nl-NL" sz="3600" dirty="0">
+                <a:solidFill>
+                  <a:schemeClr val="bg1"/>
+                </a:solidFill>
+              </a:rPr>
+              <a:t>Workshop </a:t>
+            </a:r>
+            <a:r>
+              <a:rPr lang="nl-NL" sz="3600" dirty="0" err="1">
+                <a:solidFill>
+                  <a:schemeClr val="bg1"/>
+                </a:solidFill>
+              </a:rPr>
+              <a:t>Repository</a:t>
+            </a:r>
+            <a:r>
+              <a:rPr lang="nl-NL" sz="3600" dirty="0">
+                <a:solidFill>
+                  <a:schemeClr val="bg1"/>
+                </a:solidFill>
+              </a:rPr>
+              <a:t> </a:t>
+            </a:r>
+            <a:r>
+              <a:rPr lang="nl-NL" sz="3600" dirty="0" err="1">
+                <a:solidFill>
+                  <a:schemeClr val="bg1"/>
+                </a:solidFill>
+              </a:rPr>
+              <a:t>Pattern</a:t>
+            </a:r>
+            <a:endParaRPr lang="nl-NL" sz="3600" dirty="0">
+              <a:solidFill>
+                <a:schemeClr val="bg1"/>
+              </a:solidFill>
+            </a:endParaRPr>
+          </a:p>
+        </p:txBody>
+      </p:sp>
+      <p:sp>
+        <p:nvSpPr>
+          <p:cNvPr id="8" name="Ondertitel 2">
+            <a:extLst>
+              <a:ext uri="{FF2B5EF4-FFF2-40B4-BE49-F238E27FC236}">
+                <a16:creationId xmlns:a16="http://schemas.microsoft.com/office/drawing/2014/main" id="{FE99BAE3-324F-4920-97B9-054AF50D2EAD}"/>
               </a:ext>
             </a:extLst>
           </p:cNvPr>
@@ -4390,102 +4787,27 @@
             </a:lvl9pPr>
           </a:lstStyle>
           <a:p>
-            <a:pPr marL="342900" indent="-342900" algn="l">
-              <a:buFontTx/>
-              <a:buChar char="-"/>
-            </a:pPr>
-            <a:r>
-              <a:rPr lang="nl-NL" dirty="0">
-                <a:solidFill>
-                  <a:schemeClr val="bg1"/>
-                </a:solidFill>
-              </a:rPr>
-              <a:t>Man-in-</a:t>
-            </a:r>
-            <a:r>
-              <a:rPr lang="nl-NL" dirty="0" err="1">
-                <a:solidFill>
-                  <a:schemeClr val="bg1"/>
-                </a:solidFill>
-              </a:rPr>
-              <a:t>the</a:t>
-            </a:r>
-            <a:r>
-              <a:rPr lang="nl-NL" dirty="0">
-                <a:solidFill>
-                  <a:schemeClr val="bg1"/>
-                </a:solidFill>
-              </a:rPr>
-              <a:t>-</a:t>
-            </a:r>
-            <a:r>
-              <a:rPr lang="nl-NL" dirty="0" err="1">
-                <a:solidFill>
-                  <a:schemeClr val="bg1"/>
-                </a:solidFill>
-              </a:rPr>
-              <a:t>middle</a:t>
-            </a:r>
-            <a:r>
-              <a:rPr lang="nl-NL" dirty="0">
-                <a:solidFill>
-                  <a:schemeClr val="bg1"/>
-                </a:solidFill>
-              </a:rPr>
-              <a:t>-aanval</a:t>
-            </a:r>
-          </a:p>
-          <a:p>
-            <a:pPr marL="342900" indent="-342900" algn="l">
-              <a:buFontTx/>
-              <a:buChar char="-"/>
-            </a:pPr>
-            <a:r>
-              <a:rPr lang="nl-NL" dirty="0">
-                <a:solidFill>
-                  <a:schemeClr val="bg1"/>
-                </a:solidFill>
-              </a:rPr>
-              <a:t>SQL-injectie</a:t>
-            </a:r>
-          </a:p>
-        </p:txBody>
-      </p:sp>
-      <p:sp>
-        <p:nvSpPr>
-          <p:cNvPr id="10" name="Titel 1">
-            <a:extLst>
-              <a:ext uri="{FF2B5EF4-FFF2-40B4-BE49-F238E27FC236}">
-                <a16:creationId xmlns:a16="http://schemas.microsoft.com/office/drawing/2014/main" id="{F5A54F81-B54C-4D4D-BD79-C7DB99EFF519}"/>
-              </a:ext>
-            </a:extLst>
-          </p:cNvPr>
-          <p:cNvSpPr>
-            <a:spLocks noGrp="1"/>
-          </p:cNvSpPr>
-          <p:nvPr>
-            <p:ph type="ctrTitle"/>
-          </p:nvPr>
-        </p:nvSpPr>
-        <p:spPr>
-          <a:xfrm>
-            <a:off x="1524000" y="1122363"/>
-            <a:ext cx="9144000" cy="137270"/>
-          </a:xfrm>
-        </p:spPr>
-        <p:txBody>
-          <a:bodyPr>
-            <a:noAutofit/>
-          </a:bodyPr>
-          <a:lstStyle/>
-          <a:p>
-            <a:r>
-              <a:rPr lang="nl-NL" sz="3600" dirty="0">
-                <a:solidFill>
-                  <a:schemeClr val="bg1"/>
-                </a:solidFill>
-              </a:rPr>
-              <a:t>Hoe werkt Sensitive Data Exposure?</a:t>
+            <a:endParaRPr lang="nl-NL" dirty="0">
+              <a:solidFill>
+                <a:schemeClr val="bg1"/>
+              </a:solidFill>
+            </a:endParaRPr>
+          </a:p>
+          <a:p>
+            <a:endParaRPr lang="nl-NL" dirty="0">
+              <a:solidFill>
+                <a:schemeClr val="bg1"/>
+              </a:solidFill>
+            </a:endParaRPr>
+          </a:p>
+          <a:p>
+            <a:r>
+              <a:rPr lang="nl-NL" sz="4000" dirty="0">
+                <a:solidFill>
+                  <a:schemeClr val="bg1"/>
+                </a:solidFill>
+              </a:rPr>
+              <a:t>http://tiny.cc/RepositoryWorkshop</a:t>
             </a:r>
           </a:p>
         </p:txBody>
@@ -4493,7 +4815,7 @@
     </p:spTree>
     <p:extLst>
       <p:ext uri="{BB962C8B-B14F-4D97-AF65-F5344CB8AC3E}">
-        <p14:creationId xmlns:p14="http://schemas.microsoft.com/office/powerpoint/2010/main" val="4266624498"/>
+        <p14:creationId xmlns:p14="http://schemas.microsoft.com/office/powerpoint/2010/main" val="3361551235"/>
       </p:ext>
     </p:extLst>
   </p:cSld>
@@ -4528,6 +4850,31 @@
           <a:chExt cx="0" cy="0"/>
         </a:xfrm>
       </p:grpSpPr>
+      <p:sp>
+        <p:nvSpPr>
+          <p:cNvPr id="3" name="Ondertitel 2">
+            <a:extLst>
+              <a:ext uri="{FF2B5EF4-FFF2-40B4-BE49-F238E27FC236}">
+                <a16:creationId xmlns:a16="http://schemas.microsoft.com/office/drawing/2014/main" id="{E33BA47F-E0B6-48B8-9B6E-CE089A774A2F}"/>
+              </a:ext>
+            </a:extLst>
+          </p:cNvPr>
+          <p:cNvSpPr>
+            <a:spLocks noGrp="1"/>
+          </p:cNvSpPr>
+          <p:nvPr>
+            <p:ph type="subTitle" idx="1"/>
+          </p:nvPr>
+        </p:nvSpPr>
+        <p:spPr/>
+        <p:txBody>
+          <a:bodyPr/>
+          <a:lstStyle/>
+          <a:p>
+            <a:endParaRPr lang="nl-NL"/>
+          </a:p>
+        </p:txBody>
+      </p:sp>
       <p:pic>
         <p:nvPicPr>
           <p:cNvPr id="6" name="Afbeelding 5">
@@ -4566,6 +4913,855 @@
       </p:pic>
       <p:sp>
         <p:nvSpPr>
+          <p:cNvPr id="2" name="Titel 1">
+            <a:extLst>
+              <a:ext uri="{FF2B5EF4-FFF2-40B4-BE49-F238E27FC236}">
+                <a16:creationId xmlns:a16="http://schemas.microsoft.com/office/drawing/2014/main" id="{D3C07CC0-B426-4FA1-ACA6-C10A83758EA0}"/>
+              </a:ext>
+            </a:extLst>
+          </p:cNvPr>
+          <p:cNvSpPr>
+            <a:spLocks noGrp="1"/>
+          </p:cNvSpPr>
+          <p:nvPr>
+            <p:ph type="ctrTitle"/>
+          </p:nvPr>
+        </p:nvSpPr>
+        <p:spPr/>
+        <p:txBody>
+          <a:bodyPr/>
+          <a:lstStyle/>
+          <a:p>
+            <a:r>
+              <a:rPr lang="nl-NL" dirty="0">
+                <a:solidFill>
+                  <a:schemeClr val="bg1"/>
+                </a:solidFill>
+              </a:rPr>
+              <a:t>Sensitive Data Exposure</a:t>
+            </a:r>
+          </a:p>
+        </p:txBody>
+      </p:sp>
+    </p:spTree>
+    <p:extLst>
+      <p:ext uri="{BB962C8B-B14F-4D97-AF65-F5344CB8AC3E}">
+        <p14:creationId xmlns:p14="http://schemas.microsoft.com/office/powerpoint/2010/main" val="3864993119"/>
+      </p:ext>
+    </p:extLst>
+  </p:cSld>
+  <p:clrMapOvr>
+    <a:masterClrMapping/>
+  </p:clrMapOvr>
+</p:sld>
+</file>
+
+<file path=ppt/slides/slide14.xml><?xml version="1.0" encoding="utf-8"?>
+<p:sld xmlns:a="http://schemas.openxmlformats.org/drawingml/2006/main" xmlns:r="http://schemas.openxmlformats.org/officeDocument/2006/relationships" xmlns:p="http://schemas.openxmlformats.org/presentationml/2006/main">
+  <p:cSld>
+    <p:bg>
+      <p:bgPr>
+        <a:solidFill>
+          <a:schemeClr val="tx1"/>
+        </a:solidFill>
+        <a:effectLst/>
+      </p:bgPr>
+    </p:bg>
+    <p:spTree>
+      <p:nvGrpSpPr>
+        <p:cNvPr id="1" name=""/>
+        <p:cNvGrpSpPr/>
+        <p:nvPr/>
+      </p:nvGrpSpPr>
+      <p:grpSpPr>
+        <a:xfrm>
+          <a:off x="0" y="0"/>
+          <a:ext cx="0" cy="0"/>
+          <a:chOff x="0" y="0"/>
+          <a:chExt cx="0" cy="0"/>
+        </a:xfrm>
+      </p:grpSpPr>
+      <p:pic>
+        <p:nvPicPr>
+          <p:cNvPr id="6" name="Afbeelding 5">
+            <a:extLst>
+              <a:ext uri="{FF2B5EF4-FFF2-40B4-BE49-F238E27FC236}">
+                <a16:creationId xmlns:a16="http://schemas.microsoft.com/office/drawing/2014/main" id="{8178632D-F84D-4FF1-A186-5B7529242082}"/>
+              </a:ext>
+            </a:extLst>
+          </p:cNvPr>
+          <p:cNvPicPr>
+            <a:picLocks noChangeAspect="1"/>
+          </p:cNvPicPr>
+          <p:nvPr/>
+        </p:nvPicPr>
+        <p:blipFill rotWithShape="1">
+          <a:blip r:embed="rId2">
+            <a:alphaModFix amt="50000"/>
+            <a:extLst>
+              <a:ext uri="{28A0092B-C50C-407E-A947-70E740481C1C}">
+                <a14:useLocalDpi xmlns:a14="http://schemas.microsoft.com/office/drawing/2010/main" val="0"/>
+              </a:ext>
+            </a:extLst>
+          </a:blip>
+          <a:srcRect t="5" b="15844"/>
+          <a:stretch/>
+        </p:blipFill>
+        <p:spPr>
+          <a:xfrm>
+            <a:off x="0" y="0"/>
+            <a:ext cx="12192000" cy="6840000"/>
+          </a:xfrm>
+          <a:prstGeom prst="rect">
+            <a:avLst/>
+          </a:prstGeom>
+        </p:spPr>
+      </p:pic>
+      <p:sp>
+        <p:nvSpPr>
+          <p:cNvPr id="7" name="Ondertitel 2">
+            <a:extLst>
+              <a:ext uri="{FF2B5EF4-FFF2-40B4-BE49-F238E27FC236}">
+                <a16:creationId xmlns:a16="http://schemas.microsoft.com/office/drawing/2014/main" id="{C8A7217A-CA09-4F92-BB8B-040FAE5EF125}"/>
+              </a:ext>
+            </a:extLst>
+          </p:cNvPr>
+          <p:cNvSpPr txBox="1">
+            <a:spLocks/>
+          </p:cNvSpPr>
+          <p:nvPr/>
+        </p:nvSpPr>
+        <p:spPr>
+          <a:xfrm>
+            <a:off x="1524000" y="2127380"/>
+            <a:ext cx="9144000" cy="3107093"/>
+          </a:xfrm>
+          <a:prstGeom prst="rect">
+            <a:avLst/>
+          </a:prstGeom>
+        </p:spPr>
+        <p:txBody>
+          <a:bodyPr vert="horz" lIns="91440" tIns="45720" rIns="91440" bIns="45720" rtlCol="0">
+            <a:normAutofit/>
+          </a:bodyPr>
+          <a:lstStyle>
+            <a:lvl1pPr marL="0" indent="0" algn="ctr" defTabSz="914400" rtl="0" eaLnBrk="1" latinLnBrk="0" hangingPunct="1">
+              <a:lnSpc>
+                <a:spcPct val="90000"/>
+              </a:lnSpc>
+              <a:spcBef>
+                <a:spcPts val="1000"/>
+              </a:spcBef>
+              <a:buFont typeface="Arial" panose="020B0604020202020204" pitchFamily="34" charset="0"/>
+              <a:buNone/>
+              <a:defRPr sz="2400" kern="1200">
+                <a:solidFill>
+                  <a:schemeClr val="tx1"/>
+                </a:solidFill>
+                <a:latin typeface="+mn-lt"/>
+                <a:ea typeface="+mn-ea"/>
+                <a:cs typeface="+mn-cs"/>
+              </a:defRPr>
+            </a:lvl1pPr>
+            <a:lvl2pPr marL="457200" indent="0" algn="ctr" defTabSz="914400" rtl="0" eaLnBrk="1" latinLnBrk="0" hangingPunct="1">
+              <a:lnSpc>
+                <a:spcPct val="90000"/>
+              </a:lnSpc>
+              <a:spcBef>
+                <a:spcPts val="500"/>
+              </a:spcBef>
+              <a:buFont typeface="Arial" panose="020B0604020202020204" pitchFamily="34" charset="0"/>
+              <a:buNone/>
+              <a:defRPr sz="2000" kern="1200">
+                <a:solidFill>
+                  <a:schemeClr val="tx1"/>
+                </a:solidFill>
+                <a:latin typeface="+mn-lt"/>
+                <a:ea typeface="+mn-ea"/>
+                <a:cs typeface="+mn-cs"/>
+              </a:defRPr>
+            </a:lvl2pPr>
+            <a:lvl3pPr marL="914400" indent="0" algn="ctr" defTabSz="914400" rtl="0" eaLnBrk="1" latinLnBrk="0" hangingPunct="1">
+              <a:lnSpc>
+                <a:spcPct val="90000"/>
+              </a:lnSpc>
+              <a:spcBef>
+                <a:spcPts val="500"/>
+              </a:spcBef>
+              <a:buFont typeface="Arial" panose="020B0604020202020204" pitchFamily="34" charset="0"/>
+              <a:buNone/>
+              <a:defRPr sz="1800" kern="1200">
+                <a:solidFill>
+                  <a:schemeClr val="tx1"/>
+                </a:solidFill>
+                <a:latin typeface="+mn-lt"/>
+                <a:ea typeface="+mn-ea"/>
+                <a:cs typeface="+mn-cs"/>
+              </a:defRPr>
+            </a:lvl3pPr>
+            <a:lvl4pPr marL="1371600" indent="0" algn="ctr" defTabSz="914400" rtl="0" eaLnBrk="1" latinLnBrk="0" hangingPunct="1">
+              <a:lnSpc>
+                <a:spcPct val="90000"/>
+              </a:lnSpc>
+              <a:spcBef>
+                <a:spcPts val="500"/>
+              </a:spcBef>
+              <a:buFont typeface="Arial" panose="020B0604020202020204" pitchFamily="34" charset="0"/>
+              <a:buNone/>
+              <a:defRPr sz="1600" kern="1200">
+                <a:solidFill>
+                  <a:schemeClr val="tx1"/>
+                </a:solidFill>
+                <a:latin typeface="+mn-lt"/>
+                <a:ea typeface="+mn-ea"/>
+                <a:cs typeface="+mn-cs"/>
+              </a:defRPr>
+            </a:lvl4pPr>
+            <a:lvl5pPr marL="1828800" indent="0" algn="ctr" defTabSz="914400" rtl="0" eaLnBrk="1" latinLnBrk="0" hangingPunct="1">
+              <a:lnSpc>
+                <a:spcPct val="90000"/>
+              </a:lnSpc>
+              <a:spcBef>
+                <a:spcPts val="500"/>
+              </a:spcBef>
+              <a:buFont typeface="Arial" panose="020B0604020202020204" pitchFamily="34" charset="0"/>
+              <a:buNone/>
+              <a:defRPr sz="1600" kern="1200">
+                <a:solidFill>
+                  <a:schemeClr val="tx1"/>
+                </a:solidFill>
+                <a:latin typeface="+mn-lt"/>
+                <a:ea typeface="+mn-ea"/>
+                <a:cs typeface="+mn-cs"/>
+              </a:defRPr>
+            </a:lvl5pPr>
+            <a:lvl6pPr marL="2286000" indent="0" algn="ctr" defTabSz="914400" rtl="0" eaLnBrk="1" latinLnBrk="0" hangingPunct="1">
+              <a:lnSpc>
+                <a:spcPct val="90000"/>
+              </a:lnSpc>
+              <a:spcBef>
+                <a:spcPts val="500"/>
+              </a:spcBef>
+              <a:buFont typeface="Arial" panose="020B0604020202020204" pitchFamily="34" charset="0"/>
+              <a:buNone/>
+              <a:defRPr sz="1600" kern="1200">
+                <a:solidFill>
+                  <a:schemeClr val="tx1"/>
+                </a:solidFill>
+                <a:latin typeface="+mn-lt"/>
+                <a:ea typeface="+mn-ea"/>
+                <a:cs typeface="+mn-cs"/>
+              </a:defRPr>
+            </a:lvl6pPr>
+            <a:lvl7pPr marL="2743200" indent="0" algn="ctr" defTabSz="914400" rtl="0" eaLnBrk="1" latinLnBrk="0" hangingPunct="1">
+              <a:lnSpc>
+                <a:spcPct val="90000"/>
+              </a:lnSpc>
+              <a:spcBef>
+                <a:spcPts val="500"/>
+              </a:spcBef>
+              <a:buFont typeface="Arial" panose="020B0604020202020204" pitchFamily="34" charset="0"/>
+              <a:buNone/>
+              <a:defRPr sz="1600" kern="1200">
+                <a:solidFill>
+                  <a:schemeClr val="tx1"/>
+                </a:solidFill>
+                <a:latin typeface="+mn-lt"/>
+                <a:ea typeface="+mn-ea"/>
+                <a:cs typeface="+mn-cs"/>
+              </a:defRPr>
+            </a:lvl7pPr>
+            <a:lvl8pPr marL="3200400" indent="0" algn="ctr" defTabSz="914400" rtl="0" eaLnBrk="1" latinLnBrk="0" hangingPunct="1">
+              <a:lnSpc>
+                <a:spcPct val="90000"/>
+              </a:lnSpc>
+              <a:spcBef>
+                <a:spcPts val="500"/>
+              </a:spcBef>
+              <a:buFont typeface="Arial" panose="020B0604020202020204" pitchFamily="34" charset="0"/>
+              <a:buNone/>
+              <a:defRPr sz="1600" kern="1200">
+                <a:solidFill>
+                  <a:schemeClr val="tx1"/>
+                </a:solidFill>
+                <a:latin typeface="+mn-lt"/>
+                <a:ea typeface="+mn-ea"/>
+                <a:cs typeface="+mn-cs"/>
+              </a:defRPr>
+            </a:lvl8pPr>
+            <a:lvl9pPr marL="3657600" indent="0" algn="ctr" defTabSz="914400" rtl="0" eaLnBrk="1" latinLnBrk="0" hangingPunct="1">
+              <a:lnSpc>
+                <a:spcPct val="90000"/>
+              </a:lnSpc>
+              <a:spcBef>
+                <a:spcPts val="500"/>
+              </a:spcBef>
+              <a:buFont typeface="Arial" panose="020B0604020202020204" pitchFamily="34" charset="0"/>
+              <a:buNone/>
+              <a:defRPr sz="1600" kern="1200">
+                <a:solidFill>
+                  <a:schemeClr val="tx1"/>
+                </a:solidFill>
+                <a:latin typeface="+mn-lt"/>
+                <a:ea typeface="+mn-ea"/>
+                <a:cs typeface="+mn-cs"/>
+              </a:defRPr>
+            </a:lvl9pPr>
+          </a:lstStyle>
+          <a:p>
+            <a:pPr marL="342900" indent="-342900" algn="l">
+              <a:buFontTx/>
+              <a:buChar char="-"/>
+            </a:pPr>
+            <a:r>
+              <a:rPr lang="nl-NL" dirty="0">
+                <a:solidFill>
+                  <a:schemeClr val="bg1"/>
+                </a:solidFill>
+              </a:rPr>
+              <a:t>Beveiligingskwetsbaarheid</a:t>
+            </a:r>
+          </a:p>
+          <a:p>
+            <a:pPr marL="342900" indent="-342900" algn="l">
+              <a:buFontTx/>
+              <a:buChar char="-"/>
+            </a:pPr>
+            <a:endParaRPr lang="nl-NL" dirty="0">
+              <a:solidFill>
+                <a:schemeClr val="bg1"/>
+              </a:solidFill>
+            </a:endParaRPr>
+          </a:p>
+          <a:p>
+            <a:pPr marL="342900" indent="-342900" algn="l">
+              <a:buFontTx/>
+              <a:buChar char="-"/>
+            </a:pPr>
+            <a:r>
+              <a:rPr lang="nl-NL" dirty="0">
+                <a:solidFill>
+                  <a:schemeClr val="bg1"/>
+                </a:solidFill>
+              </a:rPr>
+              <a:t>Probleem: Gevoelige data opslaan in plaintext</a:t>
+            </a:r>
+          </a:p>
+          <a:p>
+            <a:pPr marL="342900" indent="-342900" algn="l">
+              <a:buFontTx/>
+              <a:buChar char="-"/>
+            </a:pPr>
+            <a:endParaRPr lang="nl-NL" dirty="0">
+              <a:solidFill>
+                <a:schemeClr val="bg1"/>
+              </a:solidFill>
+            </a:endParaRPr>
+          </a:p>
+          <a:p>
+            <a:pPr marL="342900" indent="-342900" algn="l">
+              <a:buFontTx/>
+              <a:buChar char="-"/>
+            </a:pPr>
+            <a:r>
+              <a:rPr lang="nl-NL" dirty="0">
+                <a:solidFill>
+                  <a:schemeClr val="bg1"/>
+                </a:solidFill>
+              </a:rPr>
+              <a:t>Oplossing: Encryptie</a:t>
+            </a:r>
+          </a:p>
+          <a:p>
+            <a:endParaRPr lang="nl-NL" dirty="0">
+              <a:solidFill>
+                <a:schemeClr val="bg1"/>
+              </a:solidFill>
+            </a:endParaRPr>
+          </a:p>
+        </p:txBody>
+      </p:sp>
+      <p:sp>
+        <p:nvSpPr>
+          <p:cNvPr id="10" name="Titel 1">
+            <a:extLst>
+              <a:ext uri="{FF2B5EF4-FFF2-40B4-BE49-F238E27FC236}">
+                <a16:creationId xmlns:a16="http://schemas.microsoft.com/office/drawing/2014/main" id="{F5A54F81-B54C-4D4D-BD79-C7DB99EFF519}"/>
+              </a:ext>
+            </a:extLst>
+          </p:cNvPr>
+          <p:cNvSpPr>
+            <a:spLocks noGrp="1"/>
+          </p:cNvSpPr>
+          <p:nvPr>
+            <p:ph type="ctrTitle"/>
+          </p:nvPr>
+        </p:nvSpPr>
+        <p:spPr>
+          <a:xfrm>
+            <a:off x="1524000" y="1122363"/>
+            <a:ext cx="9144000" cy="137270"/>
+          </a:xfrm>
+        </p:spPr>
+        <p:txBody>
+          <a:bodyPr>
+            <a:noAutofit/>
+          </a:bodyPr>
+          <a:lstStyle/>
+          <a:p>
+            <a:r>
+              <a:rPr lang="nl-NL" sz="3600" dirty="0">
+                <a:solidFill>
+                  <a:schemeClr val="bg1"/>
+                </a:solidFill>
+              </a:rPr>
+              <a:t>Wat is Sensitive Data Exposure?</a:t>
+            </a:r>
+          </a:p>
+        </p:txBody>
+      </p:sp>
+    </p:spTree>
+    <p:extLst>
+      <p:ext uri="{BB962C8B-B14F-4D97-AF65-F5344CB8AC3E}">
+        <p14:creationId xmlns:p14="http://schemas.microsoft.com/office/powerpoint/2010/main" val="3182496379"/>
+      </p:ext>
+    </p:extLst>
+  </p:cSld>
+  <p:clrMapOvr>
+    <a:masterClrMapping/>
+  </p:clrMapOvr>
+</p:sld>
+</file>
+
+<file path=ppt/slides/slide15.xml><?xml version="1.0" encoding="utf-8"?>
+<p:sld xmlns:a="http://schemas.openxmlformats.org/drawingml/2006/main" xmlns:r="http://schemas.openxmlformats.org/officeDocument/2006/relationships" xmlns:p="http://schemas.openxmlformats.org/presentationml/2006/main">
+  <p:cSld>
+    <p:bg>
+      <p:bgPr>
+        <a:solidFill>
+          <a:schemeClr val="tx1"/>
+        </a:solidFill>
+        <a:effectLst/>
+      </p:bgPr>
+    </p:bg>
+    <p:spTree>
+      <p:nvGrpSpPr>
+        <p:cNvPr id="1" name=""/>
+        <p:cNvGrpSpPr/>
+        <p:nvPr/>
+      </p:nvGrpSpPr>
+      <p:grpSpPr>
+        <a:xfrm>
+          <a:off x="0" y="0"/>
+          <a:ext cx="0" cy="0"/>
+          <a:chOff x="0" y="0"/>
+          <a:chExt cx="0" cy="0"/>
+        </a:xfrm>
+      </p:grpSpPr>
+      <p:pic>
+        <p:nvPicPr>
+          <p:cNvPr id="6" name="Afbeelding 5">
+            <a:extLst>
+              <a:ext uri="{FF2B5EF4-FFF2-40B4-BE49-F238E27FC236}">
+                <a16:creationId xmlns:a16="http://schemas.microsoft.com/office/drawing/2014/main" id="{8178632D-F84D-4FF1-A186-5B7529242082}"/>
+              </a:ext>
+            </a:extLst>
+          </p:cNvPr>
+          <p:cNvPicPr>
+            <a:picLocks noChangeAspect="1"/>
+          </p:cNvPicPr>
+          <p:nvPr/>
+        </p:nvPicPr>
+        <p:blipFill rotWithShape="1">
+          <a:blip r:embed="rId2">
+            <a:alphaModFix amt="50000"/>
+            <a:extLst>
+              <a:ext uri="{28A0092B-C50C-407E-A947-70E740481C1C}">
+                <a14:useLocalDpi xmlns:a14="http://schemas.microsoft.com/office/drawing/2010/main" val="0"/>
+              </a:ext>
+            </a:extLst>
+          </a:blip>
+          <a:srcRect t="5" b="15844"/>
+          <a:stretch/>
+        </p:blipFill>
+        <p:spPr>
+          <a:xfrm>
+            <a:off x="0" y="0"/>
+            <a:ext cx="12192000" cy="6840000"/>
+          </a:xfrm>
+          <a:prstGeom prst="rect">
+            <a:avLst/>
+          </a:prstGeom>
+        </p:spPr>
+      </p:pic>
+      <p:sp>
+        <p:nvSpPr>
+          <p:cNvPr id="7" name="Ondertitel 2">
+            <a:extLst>
+              <a:ext uri="{FF2B5EF4-FFF2-40B4-BE49-F238E27FC236}">
+                <a16:creationId xmlns:a16="http://schemas.microsoft.com/office/drawing/2014/main" id="{C8A7217A-CA09-4F92-BB8B-040FAE5EF125}"/>
+              </a:ext>
+            </a:extLst>
+          </p:cNvPr>
+          <p:cNvSpPr txBox="1">
+            <a:spLocks/>
+          </p:cNvSpPr>
+          <p:nvPr/>
+        </p:nvSpPr>
+        <p:spPr>
+          <a:xfrm>
+            <a:off x="1524000" y="2127380"/>
+            <a:ext cx="9144000" cy="3107093"/>
+          </a:xfrm>
+          <a:prstGeom prst="rect">
+            <a:avLst/>
+          </a:prstGeom>
+        </p:spPr>
+        <p:txBody>
+          <a:bodyPr vert="horz" lIns="91440" tIns="45720" rIns="91440" bIns="45720" rtlCol="0">
+            <a:normAutofit/>
+          </a:bodyPr>
+          <a:lstStyle>
+            <a:lvl1pPr marL="0" indent="0" algn="ctr" defTabSz="914400" rtl="0" eaLnBrk="1" latinLnBrk="0" hangingPunct="1">
+              <a:lnSpc>
+                <a:spcPct val="90000"/>
+              </a:lnSpc>
+              <a:spcBef>
+                <a:spcPts val="1000"/>
+              </a:spcBef>
+              <a:buFont typeface="Arial" panose="020B0604020202020204" pitchFamily="34" charset="0"/>
+              <a:buNone/>
+              <a:defRPr sz="2400" kern="1200">
+                <a:solidFill>
+                  <a:schemeClr val="tx1"/>
+                </a:solidFill>
+                <a:latin typeface="+mn-lt"/>
+                <a:ea typeface="+mn-ea"/>
+                <a:cs typeface="+mn-cs"/>
+              </a:defRPr>
+            </a:lvl1pPr>
+            <a:lvl2pPr marL="457200" indent="0" algn="ctr" defTabSz="914400" rtl="0" eaLnBrk="1" latinLnBrk="0" hangingPunct="1">
+              <a:lnSpc>
+                <a:spcPct val="90000"/>
+              </a:lnSpc>
+              <a:spcBef>
+                <a:spcPts val="500"/>
+              </a:spcBef>
+              <a:buFont typeface="Arial" panose="020B0604020202020204" pitchFamily="34" charset="0"/>
+              <a:buNone/>
+              <a:defRPr sz="2000" kern="1200">
+                <a:solidFill>
+                  <a:schemeClr val="tx1"/>
+                </a:solidFill>
+                <a:latin typeface="+mn-lt"/>
+                <a:ea typeface="+mn-ea"/>
+                <a:cs typeface="+mn-cs"/>
+              </a:defRPr>
+            </a:lvl2pPr>
+            <a:lvl3pPr marL="914400" indent="0" algn="ctr" defTabSz="914400" rtl="0" eaLnBrk="1" latinLnBrk="0" hangingPunct="1">
+              <a:lnSpc>
+                <a:spcPct val="90000"/>
+              </a:lnSpc>
+              <a:spcBef>
+                <a:spcPts val="500"/>
+              </a:spcBef>
+              <a:buFont typeface="Arial" panose="020B0604020202020204" pitchFamily="34" charset="0"/>
+              <a:buNone/>
+              <a:defRPr sz="1800" kern="1200">
+                <a:solidFill>
+                  <a:schemeClr val="tx1"/>
+                </a:solidFill>
+                <a:latin typeface="+mn-lt"/>
+                <a:ea typeface="+mn-ea"/>
+                <a:cs typeface="+mn-cs"/>
+              </a:defRPr>
+            </a:lvl3pPr>
+            <a:lvl4pPr marL="1371600" indent="0" algn="ctr" defTabSz="914400" rtl="0" eaLnBrk="1" latinLnBrk="0" hangingPunct="1">
+              <a:lnSpc>
+                <a:spcPct val="90000"/>
+              </a:lnSpc>
+              <a:spcBef>
+                <a:spcPts val="500"/>
+              </a:spcBef>
+              <a:buFont typeface="Arial" panose="020B0604020202020204" pitchFamily="34" charset="0"/>
+              <a:buNone/>
+              <a:defRPr sz="1600" kern="1200">
+                <a:solidFill>
+                  <a:schemeClr val="tx1"/>
+                </a:solidFill>
+                <a:latin typeface="+mn-lt"/>
+                <a:ea typeface="+mn-ea"/>
+                <a:cs typeface="+mn-cs"/>
+              </a:defRPr>
+            </a:lvl4pPr>
+            <a:lvl5pPr marL="1828800" indent="0" algn="ctr" defTabSz="914400" rtl="0" eaLnBrk="1" latinLnBrk="0" hangingPunct="1">
+              <a:lnSpc>
+                <a:spcPct val="90000"/>
+              </a:lnSpc>
+              <a:spcBef>
+                <a:spcPts val="500"/>
+              </a:spcBef>
+              <a:buFont typeface="Arial" panose="020B0604020202020204" pitchFamily="34" charset="0"/>
+              <a:buNone/>
+              <a:defRPr sz="1600" kern="1200">
+                <a:solidFill>
+                  <a:schemeClr val="tx1"/>
+                </a:solidFill>
+                <a:latin typeface="+mn-lt"/>
+                <a:ea typeface="+mn-ea"/>
+                <a:cs typeface="+mn-cs"/>
+              </a:defRPr>
+            </a:lvl5pPr>
+            <a:lvl6pPr marL="2286000" indent="0" algn="ctr" defTabSz="914400" rtl="0" eaLnBrk="1" latinLnBrk="0" hangingPunct="1">
+              <a:lnSpc>
+                <a:spcPct val="90000"/>
+              </a:lnSpc>
+              <a:spcBef>
+                <a:spcPts val="500"/>
+              </a:spcBef>
+              <a:buFont typeface="Arial" panose="020B0604020202020204" pitchFamily="34" charset="0"/>
+              <a:buNone/>
+              <a:defRPr sz="1600" kern="1200">
+                <a:solidFill>
+                  <a:schemeClr val="tx1"/>
+                </a:solidFill>
+                <a:latin typeface="+mn-lt"/>
+                <a:ea typeface="+mn-ea"/>
+                <a:cs typeface="+mn-cs"/>
+              </a:defRPr>
+            </a:lvl6pPr>
+            <a:lvl7pPr marL="2743200" indent="0" algn="ctr" defTabSz="914400" rtl="0" eaLnBrk="1" latinLnBrk="0" hangingPunct="1">
+              <a:lnSpc>
+                <a:spcPct val="90000"/>
+              </a:lnSpc>
+              <a:spcBef>
+                <a:spcPts val="500"/>
+              </a:spcBef>
+              <a:buFont typeface="Arial" panose="020B0604020202020204" pitchFamily="34" charset="0"/>
+              <a:buNone/>
+              <a:defRPr sz="1600" kern="1200">
+                <a:solidFill>
+                  <a:schemeClr val="tx1"/>
+                </a:solidFill>
+                <a:latin typeface="+mn-lt"/>
+                <a:ea typeface="+mn-ea"/>
+                <a:cs typeface="+mn-cs"/>
+              </a:defRPr>
+            </a:lvl7pPr>
+            <a:lvl8pPr marL="3200400" indent="0" algn="ctr" defTabSz="914400" rtl="0" eaLnBrk="1" latinLnBrk="0" hangingPunct="1">
+              <a:lnSpc>
+                <a:spcPct val="90000"/>
+              </a:lnSpc>
+              <a:spcBef>
+                <a:spcPts val="500"/>
+              </a:spcBef>
+              <a:buFont typeface="Arial" panose="020B0604020202020204" pitchFamily="34" charset="0"/>
+              <a:buNone/>
+              <a:defRPr sz="1600" kern="1200">
+                <a:solidFill>
+                  <a:schemeClr val="tx1"/>
+                </a:solidFill>
+                <a:latin typeface="+mn-lt"/>
+                <a:ea typeface="+mn-ea"/>
+                <a:cs typeface="+mn-cs"/>
+              </a:defRPr>
+            </a:lvl8pPr>
+            <a:lvl9pPr marL="3657600" indent="0" algn="ctr" defTabSz="914400" rtl="0" eaLnBrk="1" latinLnBrk="0" hangingPunct="1">
+              <a:lnSpc>
+                <a:spcPct val="90000"/>
+              </a:lnSpc>
+              <a:spcBef>
+                <a:spcPts val="500"/>
+              </a:spcBef>
+              <a:buFont typeface="Arial" panose="020B0604020202020204" pitchFamily="34" charset="0"/>
+              <a:buNone/>
+              <a:defRPr sz="1600" kern="1200">
+                <a:solidFill>
+                  <a:schemeClr val="tx1"/>
+                </a:solidFill>
+                <a:latin typeface="+mn-lt"/>
+                <a:ea typeface="+mn-ea"/>
+                <a:cs typeface="+mn-cs"/>
+              </a:defRPr>
+            </a:lvl9pPr>
+          </a:lstStyle>
+          <a:p>
+            <a:pPr marL="342900" indent="-342900" algn="l">
+              <a:buFontTx/>
+              <a:buChar char="-"/>
+            </a:pPr>
+            <a:r>
+              <a:rPr lang="nl-NL" dirty="0">
+                <a:solidFill>
+                  <a:schemeClr val="bg1"/>
+                </a:solidFill>
+              </a:rPr>
+              <a:t>Man-in-</a:t>
+            </a:r>
+            <a:r>
+              <a:rPr lang="nl-NL" dirty="0" err="1">
+                <a:solidFill>
+                  <a:schemeClr val="bg1"/>
+                </a:solidFill>
+              </a:rPr>
+              <a:t>the</a:t>
+            </a:r>
+            <a:r>
+              <a:rPr lang="nl-NL" dirty="0">
+                <a:solidFill>
+                  <a:schemeClr val="bg1"/>
+                </a:solidFill>
+              </a:rPr>
+              <a:t>-</a:t>
+            </a:r>
+            <a:r>
+              <a:rPr lang="nl-NL" dirty="0" err="1">
+                <a:solidFill>
+                  <a:schemeClr val="bg1"/>
+                </a:solidFill>
+              </a:rPr>
+              <a:t>middle</a:t>
+            </a:r>
+            <a:r>
+              <a:rPr lang="nl-NL" dirty="0">
+                <a:solidFill>
+                  <a:schemeClr val="bg1"/>
+                </a:solidFill>
+              </a:rPr>
+              <a:t>-aanval</a:t>
+            </a:r>
+          </a:p>
+          <a:p>
+            <a:pPr marL="342900" indent="-342900" algn="l">
+              <a:buFontTx/>
+              <a:buChar char="-"/>
+            </a:pPr>
+            <a:r>
+              <a:rPr lang="nl-NL" dirty="0">
+                <a:solidFill>
+                  <a:schemeClr val="bg1"/>
+                </a:solidFill>
+              </a:rPr>
+              <a:t>SQL-injectie</a:t>
+            </a:r>
+          </a:p>
+        </p:txBody>
+      </p:sp>
+      <p:sp>
+        <p:nvSpPr>
+          <p:cNvPr id="10" name="Titel 1">
+            <a:extLst>
+              <a:ext uri="{FF2B5EF4-FFF2-40B4-BE49-F238E27FC236}">
+                <a16:creationId xmlns:a16="http://schemas.microsoft.com/office/drawing/2014/main" id="{F5A54F81-B54C-4D4D-BD79-C7DB99EFF519}"/>
+              </a:ext>
+            </a:extLst>
+          </p:cNvPr>
+          <p:cNvSpPr>
+            <a:spLocks noGrp="1"/>
+          </p:cNvSpPr>
+          <p:nvPr>
+            <p:ph type="ctrTitle"/>
+          </p:nvPr>
+        </p:nvSpPr>
+        <p:spPr>
+          <a:xfrm>
+            <a:off x="1524000" y="1122363"/>
+            <a:ext cx="9144000" cy="137270"/>
+          </a:xfrm>
+        </p:spPr>
+        <p:txBody>
+          <a:bodyPr>
+            <a:noAutofit/>
+          </a:bodyPr>
+          <a:lstStyle/>
+          <a:p>
+            <a:r>
+              <a:rPr lang="nl-NL" sz="3600" dirty="0">
+                <a:solidFill>
+                  <a:schemeClr val="bg1"/>
+                </a:solidFill>
+              </a:rPr>
+              <a:t>Hoe werkt Sensitive Data Exposure?</a:t>
+            </a:r>
+          </a:p>
+        </p:txBody>
+      </p:sp>
+    </p:spTree>
+    <p:extLst>
+      <p:ext uri="{BB962C8B-B14F-4D97-AF65-F5344CB8AC3E}">
+        <p14:creationId xmlns:p14="http://schemas.microsoft.com/office/powerpoint/2010/main" val="4266624498"/>
+      </p:ext>
+    </p:extLst>
+  </p:cSld>
+  <p:clrMapOvr>
+    <a:masterClrMapping/>
+  </p:clrMapOvr>
+</p:sld>
+</file>
+
+<file path=ppt/slides/slide16.xml><?xml version="1.0" encoding="utf-8"?>
+<p:sld xmlns:a="http://schemas.openxmlformats.org/drawingml/2006/main" xmlns:r="http://schemas.openxmlformats.org/officeDocument/2006/relationships" xmlns:p="http://schemas.openxmlformats.org/presentationml/2006/main">
+  <p:cSld>
+    <p:bg>
+      <p:bgPr>
+        <a:solidFill>
+          <a:schemeClr val="tx1"/>
+        </a:solidFill>
+        <a:effectLst/>
+      </p:bgPr>
+    </p:bg>
+    <p:spTree>
+      <p:nvGrpSpPr>
+        <p:cNvPr id="1" name=""/>
+        <p:cNvGrpSpPr/>
+        <p:nvPr/>
+      </p:nvGrpSpPr>
+      <p:grpSpPr>
+        <a:xfrm>
+          <a:off x="0" y="0"/>
+          <a:ext cx="0" cy="0"/>
+          <a:chOff x="0" y="0"/>
+          <a:chExt cx="0" cy="0"/>
+        </a:xfrm>
+      </p:grpSpPr>
+      <p:pic>
+        <p:nvPicPr>
+          <p:cNvPr id="6" name="Afbeelding 5">
+            <a:extLst>
+              <a:ext uri="{FF2B5EF4-FFF2-40B4-BE49-F238E27FC236}">
+                <a16:creationId xmlns:a16="http://schemas.microsoft.com/office/drawing/2014/main" id="{8178632D-F84D-4FF1-A186-5B7529242082}"/>
+              </a:ext>
+            </a:extLst>
+          </p:cNvPr>
+          <p:cNvPicPr>
+            <a:picLocks noChangeAspect="1"/>
+          </p:cNvPicPr>
+          <p:nvPr/>
+        </p:nvPicPr>
+        <p:blipFill rotWithShape="1">
+          <a:blip r:embed="rId2">
+            <a:alphaModFix amt="50000"/>
+            <a:extLst>
+              <a:ext uri="{28A0092B-C50C-407E-A947-70E740481C1C}">
+                <a14:useLocalDpi xmlns:a14="http://schemas.microsoft.com/office/drawing/2010/main" val="0"/>
+              </a:ext>
+            </a:extLst>
+          </a:blip>
+          <a:srcRect t="5" b="15844"/>
+          <a:stretch/>
+        </p:blipFill>
+        <p:spPr>
+          <a:xfrm>
+            <a:off x="0" y="0"/>
+            <a:ext cx="12192000" cy="6840000"/>
+          </a:xfrm>
+          <a:prstGeom prst="rect">
+            <a:avLst/>
+          </a:prstGeom>
+        </p:spPr>
+      </p:pic>
+      <p:sp>
+        <p:nvSpPr>
           <p:cNvPr id="7" name="Ondertitel 2">
             <a:extLst>
               <a:ext uri="{FF2B5EF4-FFF2-40B4-BE49-F238E27FC236}">
@@ -4837,7 +6033,7 @@
 </p:sld>
 </file>
 
-<file path=ppt/slides/slide14.xml><?xml version="1.0" encoding="utf-8"?>
+<file path=ppt/slides/slide17.xml><?xml version="1.0" encoding="utf-8"?>
 <p:sld xmlns:a="http://schemas.openxmlformats.org/drawingml/2006/main" xmlns:r="http://schemas.openxmlformats.org/officeDocument/2006/relationships" xmlns:p="http://schemas.openxmlformats.org/presentationml/2006/main">
   <p:cSld>
     <p:bg>
@@ -5192,6 +6388,36 @@
           <a:chExt cx="0" cy="0"/>
         </a:xfrm>
       </p:grpSpPr>
+      <p:sp>
+        <p:nvSpPr>
+          <p:cNvPr id="3" name="Ondertitel 2">
+            <a:extLst>
+              <a:ext uri="{FF2B5EF4-FFF2-40B4-BE49-F238E27FC236}">
+                <a16:creationId xmlns:a16="http://schemas.microsoft.com/office/drawing/2014/main" id="{E33BA47F-E0B6-48B8-9B6E-CE089A774A2F}"/>
+              </a:ext>
+            </a:extLst>
+          </p:cNvPr>
+          <p:cNvSpPr>
+            <a:spLocks noGrp="1"/>
+          </p:cNvSpPr>
+          <p:nvPr>
+            <p:ph type="subTitle" idx="1"/>
+          </p:nvPr>
+        </p:nvSpPr>
+        <p:spPr>
+          <a:xfrm>
+            <a:off x="1524000" y="3602038"/>
+            <a:ext cx="9144000" cy="1655762"/>
+          </a:xfrm>
+        </p:spPr>
+        <p:txBody>
+          <a:bodyPr/>
+          <a:lstStyle/>
+          <a:p>
+            <a:endParaRPr lang="nl-NL"/>
+          </a:p>
+        </p:txBody>
+      </p:sp>
       <p:pic>
         <p:nvPicPr>
           <p:cNvPr id="6" name="Afbeelding 5">
@@ -5230,207 +6456,124 @@
       </p:pic>
       <p:sp>
         <p:nvSpPr>
-          <p:cNvPr id="7" name="Ondertitel 2">
-            <a:extLst>
-              <a:ext uri="{FF2B5EF4-FFF2-40B4-BE49-F238E27FC236}">
-                <a16:creationId xmlns:a16="http://schemas.microsoft.com/office/drawing/2014/main" id="{C8A7217A-CA09-4F92-BB8B-040FAE5EF125}"/>
-              </a:ext>
-            </a:extLst>
-          </p:cNvPr>
-          <p:cNvSpPr txBox="1">
-            <a:spLocks/>
-          </p:cNvSpPr>
-          <p:nvPr/>
+          <p:cNvPr id="2" name="Titel 1">
+            <a:extLst>
+              <a:ext uri="{FF2B5EF4-FFF2-40B4-BE49-F238E27FC236}">
+                <a16:creationId xmlns:a16="http://schemas.microsoft.com/office/drawing/2014/main" id="{D3C07CC0-B426-4FA1-ACA6-C10A83758EA0}"/>
+              </a:ext>
+            </a:extLst>
+          </p:cNvPr>
+          <p:cNvSpPr>
+            <a:spLocks noGrp="1"/>
+          </p:cNvSpPr>
+          <p:nvPr>
+            <p:ph type="ctrTitle"/>
+          </p:nvPr>
         </p:nvSpPr>
         <p:spPr>
           <a:xfrm>
-            <a:off x="1524000" y="2127380"/>
-            <a:ext cx="9144000" cy="3107093"/>
+            <a:off x="1524000" y="607219"/>
+            <a:ext cx="9144000" cy="2387600"/>
+          </a:xfrm>
+        </p:spPr>
+        <p:txBody>
+          <a:bodyPr/>
+          <a:lstStyle/>
+          <a:p>
+            <a:r>
+              <a:rPr lang="nl-NL" dirty="0">
+                <a:solidFill>
+                  <a:schemeClr val="bg1"/>
+                </a:solidFill>
+              </a:rPr>
+              <a:t>Doelen</a:t>
+            </a:r>
+          </a:p>
+        </p:txBody>
+      </p:sp>
+      <p:sp>
+        <p:nvSpPr>
+          <p:cNvPr id="4" name="Tekstvak 3">
+            <a:extLst>
+              <a:ext uri="{FF2B5EF4-FFF2-40B4-BE49-F238E27FC236}">
+                <a16:creationId xmlns:a16="http://schemas.microsoft.com/office/drawing/2014/main" id="{489E2ABD-4449-4674-9407-12EC98C5BA5D}"/>
+              </a:ext>
+            </a:extLst>
+          </p:cNvPr>
+          <p:cNvSpPr txBox="1"/>
+          <p:nvPr/>
+        </p:nvSpPr>
+        <p:spPr>
+          <a:xfrm>
+            <a:off x="1524000" y="3602038"/>
+            <a:ext cx="9144000" cy="1508105"/>
           </a:xfrm>
           <a:prstGeom prst="rect">
             <a:avLst/>
           </a:prstGeom>
+          <a:noFill/>
         </p:spPr>
         <p:txBody>
-          <a:bodyPr vert="horz" lIns="91440" tIns="45720" rIns="91440" bIns="45720" rtlCol="0">
-            <a:normAutofit/>
+          <a:bodyPr wrap="square" rtlCol="0">
+            <a:spAutoFit/>
           </a:bodyPr>
-          <a:lstStyle>
-            <a:lvl1pPr marL="0" indent="0" algn="ctr" defTabSz="914400" rtl="0" eaLnBrk="1" latinLnBrk="0" hangingPunct="1">
-              <a:lnSpc>
-                <a:spcPct val="90000"/>
-              </a:lnSpc>
-              <a:spcBef>
-                <a:spcPts val="1000"/>
-              </a:spcBef>
-              <a:buFont typeface="Arial" panose="020B0604020202020204" pitchFamily="34" charset="0"/>
-              <a:buNone/>
-              <a:defRPr sz="2400" kern="1200">
-                <a:solidFill>
-                  <a:schemeClr val="tx1"/>
-                </a:solidFill>
-                <a:latin typeface="+mn-lt"/>
-                <a:ea typeface="+mn-ea"/>
-                <a:cs typeface="+mn-cs"/>
-              </a:defRPr>
-            </a:lvl1pPr>
-            <a:lvl2pPr marL="457200" indent="0" algn="ctr" defTabSz="914400" rtl="0" eaLnBrk="1" latinLnBrk="0" hangingPunct="1">
-              <a:lnSpc>
-                <a:spcPct val="90000"/>
-              </a:lnSpc>
-              <a:spcBef>
-                <a:spcPts val="500"/>
-              </a:spcBef>
-              <a:buFont typeface="Arial" panose="020B0604020202020204" pitchFamily="34" charset="0"/>
-              <a:buNone/>
-              <a:defRPr sz="2000" kern="1200">
-                <a:solidFill>
-                  <a:schemeClr val="tx1"/>
-                </a:solidFill>
-                <a:latin typeface="+mn-lt"/>
-                <a:ea typeface="+mn-ea"/>
-                <a:cs typeface="+mn-cs"/>
-              </a:defRPr>
-            </a:lvl2pPr>
-            <a:lvl3pPr marL="914400" indent="0" algn="ctr" defTabSz="914400" rtl="0" eaLnBrk="1" latinLnBrk="0" hangingPunct="1">
-              <a:lnSpc>
-                <a:spcPct val="90000"/>
-              </a:lnSpc>
-              <a:spcBef>
-                <a:spcPts val="500"/>
-              </a:spcBef>
-              <a:buFont typeface="Arial" panose="020B0604020202020204" pitchFamily="34" charset="0"/>
-              <a:buNone/>
-              <a:defRPr sz="1800" kern="1200">
-                <a:solidFill>
-                  <a:schemeClr val="tx1"/>
-                </a:solidFill>
-                <a:latin typeface="+mn-lt"/>
-                <a:ea typeface="+mn-ea"/>
-                <a:cs typeface="+mn-cs"/>
-              </a:defRPr>
-            </a:lvl3pPr>
-            <a:lvl4pPr marL="1371600" indent="0" algn="ctr" defTabSz="914400" rtl="0" eaLnBrk="1" latinLnBrk="0" hangingPunct="1">
-              <a:lnSpc>
-                <a:spcPct val="90000"/>
-              </a:lnSpc>
-              <a:spcBef>
-                <a:spcPts val="500"/>
-              </a:spcBef>
-              <a:buFont typeface="Arial" panose="020B0604020202020204" pitchFamily="34" charset="0"/>
-              <a:buNone/>
-              <a:defRPr sz="1600" kern="1200">
-                <a:solidFill>
-                  <a:schemeClr val="tx1"/>
-                </a:solidFill>
-                <a:latin typeface="+mn-lt"/>
-                <a:ea typeface="+mn-ea"/>
-                <a:cs typeface="+mn-cs"/>
-              </a:defRPr>
-            </a:lvl4pPr>
-            <a:lvl5pPr marL="1828800" indent="0" algn="ctr" defTabSz="914400" rtl="0" eaLnBrk="1" latinLnBrk="0" hangingPunct="1">
-              <a:lnSpc>
-                <a:spcPct val="90000"/>
-              </a:lnSpc>
-              <a:spcBef>
-                <a:spcPts val="500"/>
-              </a:spcBef>
-              <a:buFont typeface="Arial" panose="020B0604020202020204" pitchFamily="34" charset="0"/>
-              <a:buNone/>
-              <a:defRPr sz="1600" kern="1200">
-                <a:solidFill>
-                  <a:schemeClr val="tx1"/>
-                </a:solidFill>
-                <a:latin typeface="+mn-lt"/>
-                <a:ea typeface="+mn-ea"/>
-                <a:cs typeface="+mn-cs"/>
-              </a:defRPr>
-            </a:lvl5pPr>
-            <a:lvl6pPr marL="2286000" indent="0" algn="ctr" defTabSz="914400" rtl="0" eaLnBrk="1" latinLnBrk="0" hangingPunct="1">
-              <a:lnSpc>
-                <a:spcPct val="90000"/>
-              </a:lnSpc>
-              <a:spcBef>
-                <a:spcPts val="500"/>
-              </a:spcBef>
-              <a:buFont typeface="Arial" panose="020B0604020202020204" pitchFamily="34" charset="0"/>
-              <a:buNone/>
-              <a:defRPr sz="1600" kern="1200">
-                <a:solidFill>
-                  <a:schemeClr val="tx1"/>
-                </a:solidFill>
-                <a:latin typeface="+mn-lt"/>
-                <a:ea typeface="+mn-ea"/>
-                <a:cs typeface="+mn-cs"/>
-              </a:defRPr>
-            </a:lvl6pPr>
-            <a:lvl7pPr marL="2743200" indent="0" algn="ctr" defTabSz="914400" rtl="0" eaLnBrk="1" latinLnBrk="0" hangingPunct="1">
-              <a:lnSpc>
-                <a:spcPct val="90000"/>
-              </a:lnSpc>
-              <a:spcBef>
-                <a:spcPts val="500"/>
-              </a:spcBef>
-              <a:buFont typeface="Arial" panose="020B0604020202020204" pitchFamily="34" charset="0"/>
-              <a:buNone/>
-              <a:defRPr sz="1600" kern="1200">
-                <a:solidFill>
-                  <a:schemeClr val="tx1"/>
-                </a:solidFill>
-                <a:latin typeface="+mn-lt"/>
-                <a:ea typeface="+mn-ea"/>
-                <a:cs typeface="+mn-cs"/>
-              </a:defRPr>
-            </a:lvl7pPr>
-            <a:lvl8pPr marL="3200400" indent="0" algn="ctr" defTabSz="914400" rtl="0" eaLnBrk="1" latinLnBrk="0" hangingPunct="1">
-              <a:lnSpc>
-                <a:spcPct val="90000"/>
-              </a:lnSpc>
-              <a:spcBef>
-                <a:spcPts val="500"/>
-              </a:spcBef>
-              <a:buFont typeface="Arial" panose="020B0604020202020204" pitchFamily="34" charset="0"/>
-              <a:buNone/>
-              <a:defRPr sz="1600" kern="1200">
-                <a:solidFill>
-                  <a:schemeClr val="tx1"/>
-                </a:solidFill>
-                <a:latin typeface="+mn-lt"/>
-                <a:ea typeface="+mn-ea"/>
-                <a:cs typeface="+mn-cs"/>
-              </a:defRPr>
-            </a:lvl8pPr>
-            <a:lvl9pPr marL="3657600" indent="0" algn="ctr" defTabSz="914400" rtl="0" eaLnBrk="1" latinLnBrk="0" hangingPunct="1">
-              <a:lnSpc>
-                <a:spcPct val="90000"/>
-              </a:lnSpc>
-              <a:spcBef>
-                <a:spcPts val="500"/>
-              </a:spcBef>
-              <a:buFont typeface="Arial" panose="020B0604020202020204" pitchFamily="34" charset="0"/>
-              <a:buNone/>
-              <a:defRPr sz="1600" kern="1200">
-                <a:solidFill>
-                  <a:schemeClr val="tx1"/>
-                </a:solidFill>
-                <a:latin typeface="+mn-lt"/>
-                <a:ea typeface="+mn-ea"/>
-                <a:cs typeface="+mn-cs"/>
-              </a:defRPr>
-            </a:lvl9pPr>
-          </a:lstStyle>
-          <a:p>
-            <a:pPr marL="342900" indent="-342900" algn="l">
-              <a:buFontTx/>
-              <a:buChar char="-"/>
-            </a:pPr>
-            <a:r>
-              <a:rPr lang="nl-NL" dirty="0" err="1">
-                <a:solidFill>
-                  <a:schemeClr val="bg1"/>
-                </a:solidFill>
-              </a:rPr>
-              <a:t>Persistence</a:t>
+          <a:lstStyle/>
+          <a:p>
+            <a:r>
+              <a:rPr lang="nl-NL" sz="2000" dirty="0" err="1">
+                <a:solidFill>
+                  <a:schemeClr val="bg1"/>
+                </a:solidFill>
+              </a:rPr>
+              <a:t>Entity</a:t>
+            </a:r>
+            <a:r>
+              <a:rPr lang="nl-NL" sz="2000" dirty="0">
+                <a:solidFill>
+                  <a:schemeClr val="bg1"/>
+                </a:solidFill>
+              </a:rPr>
+              <a:t> </a:t>
+            </a:r>
+            <a:r>
+              <a:rPr lang="nl-NL" sz="2000" dirty="0" err="1">
+                <a:solidFill>
+                  <a:schemeClr val="bg1"/>
+                </a:solidFill>
+              </a:rPr>
+              <a:t>framework</a:t>
+            </a:r>
+            <a:r>
+              <a:rPr lang="nl-NL" sz="2000" dirty="0">
+                <a:solidFill>
+                  <a:schemeClr val="bg1"/>
+                </a:solidFill>
+              </a:rPr>
+              <a:t> &amp; </a:t>
+            </a:r>
+            <a:r>
+              <a:rPr lang="nl-NL" sz="2000" dirty="0" err="1">
+                <a:solidFill>
+                  <a:schemeClr val="bg1"/>
+                </a:solidFill>
+              </a:rPr>
+              <a:t>Repository</a:t>
+            </a:r>
+            <a:r>
+              <a:rPr lang="nl-NL" sz="2000" dirty="0">
+                <a:solidFill>
+                  <a:schemeClr val="bg1"/>
+                </a:solidFill>
+              </a:rPr>
+              <a:t> </a:t>
+            </a:r>
+            <a:r>
+              <a:rPr lang="nl-NL" sz="2000" dirty="0" err="1">
+                <a:solidFill>
+                  <a:schemeClr val="bg1"/>
+                </a:solidFill>
+              </a:rPr>
+              <a:t>pattern</a:t>
             </a:r>
             <a:r>
               <a:rPr lang="nl-NL" dirty="0">
@@ -5438,16 +6581,10 @@
                   <a:schemeClr val="bg1"/>
                 </a:solidFill>
               </a:rPr>
-              <a:t> </a:t>
-            </a:r>
-            <a:r>
-              <a:rPr lang="nl-NL" dirty="0" err="1">
-                <a:solidFill>
-                  <a:schemeClr val="bg1"/>
-                </a:solidFill>
-              </a:rPr>
-              <a:t>framework</a:t>
-            </a:r>
+              <a:t>	</a:t>
+            </a:r>
+          </a:p>
+          <a:p>
             <a:endParaRPr lang="nl-NL" dirty="0">
               <a:solidFill>
                 <a:schemeClr val="bg1"/>
@@ -5455,213 +6592,89 @@
             </a:endParaRPr>
           </a:p>
           <a:p>
-            <a:pPr algn="l"/>
-            <a:endParaRPr lang="nl-NL" dirty="0">
-              <a:solidFill>
-                <a:schemeClr val="bg1"/>
-              </a:solidFill>
-            </a:endParaRPr>
-          </a:p>
-          <a:p>
-            <a:pPr marL="342900" indent="-342900" algn="l">
-              <a:buFontTx/>
-              <a:buChar char="-"/>
-            </a:pPr>
             <a:r>
               <a:rPr lang="nl-NL" dirty="0">
                 <a:solidFill>
                   <a:schemeClr val="bg1"/>
                 </a:solidFill>
               </a:rPr>
-              <a:t>Object </a:t>
-            </a:r>
-            <a:r>
-              <a:rPr lang="nl-NL" dirty="0" err="1">
-                <a:solidFill>
-                  <a:schemeClr val="bg1"/>
-                </a:solidFill>
-              </a:rPr>
-              <a:t>Relational</a:t>
-            </a:r>
+              <a:t>              Wat zijn deze onderwerpen				Wat is dit</a:t>
+            </a:r>
+          </a:p>
+          <a:p>
             <a:r>
               <a:rPr lang="nl-NL" dirty="0">
                 <a:solidFill>
                   <a:schemeClr val="bg1"/>
                 </a:solidFill>
               </a:rPr>
-              <a:t> </a:t>
-            </a:r>
-            <a:r>
-              <a:rPr lang="nl-NL" dirty="0" err="1">
-                <a:solidFill>
-                  <a:schemeClr val="bg1"/>
-                </a:solidFill>
-              </a:rPr>
-              <a:t>Mapping</a:t>
-            </a:r>
+              <a:t>	                  &amp;					       &amp;</a:t>
+            </a:r>
+          </a:p>
+          <a:p>
             <a:r>
               <a:rPr lang="nl-NL" dirty="0">
                 <a:solidFill>
                   <a:schemeClr val="bg1"/>
                 </a:solidFill>
               </a:rPr>
-              <a:t> Framework</a:t>
-            </a:r>
-          </a:p>
-          <a:p>
-            <a:pPr marL="342900" indent="-342900" algn="l">
-              <a:buFontTx/>
-              <a:buChar char="-"/>
-            </a:pPr>
-            <a:endParaRPr lang="nl-NL" dirty="0">
-              <a:solidFill>
-                <a:schemeClr val="bg1"/>
-              </a:solidFill>
-            </a:endParaRPr>
-          </a:p>
-          <a:p>
-            <a:pPr marL="342900" indent="-342900" algn="l">
-              <a:buFontTx/>
-              <a:buChar char="-"/>
-            </a:pPr>
-            <a:r>
-              <a:rPr lang="nl-NL" dirty="0">
-                <a:solidFill>
-                  <a:schemeClr val="bg1"/>
-                </a:solidFill>
-              </a:rPr>
-              <a:t>ADO.NET</a:t>
-            </a:r>
-          </a:p>
-          <a:p>
-            <a:pPr marL="342900" indent="-342900" algn="l">
-              <a:buFontTx/>
-              <a:buChar char="-"/>
-            </a:pPr>
-            <a:r>
-              <a:rPr lang="nl-NL" dirty="0">
-                <a:solidFill>
-                  <a:schemeClr val="bg1"/>
-                </a:solidFill>
-              </a:rPr>
-              <a:t>Tijd besparen</a:t>
-            </a:r>
-          </a:p>
-          <a:p>
-            <a:pPr marL="342900" indent="-342900" algn="l">
-              <a:buFontTx/>
-              <a:buChar char="-"/>
-            </a:pPr>
-            <a:endParaRPr lang="nl-NL" dirty="0">
-              <a:solidFill>
-                <a:schemeClr val="bg1"/>
-              </a:solidFill>
-            </a:endParaRPr>
-          </a:p>
-          <a:p>
-            <a:endParaRPr lang="nl-NL" dirty="0">
-              <a:solidFill>
-                <a:schemeClr val="bg1"/>
-              </a:solidFill>
-            </a:endParaRPr>
-          </a:p>
-        </p:txBody>
-      </p:sp>
-      <p:sp>
-        <p:nvSpPr>
-          <p:cNvPr id="10" name="Titel 1">
-            <a:extLst>
-              <a:ext uri="{FF2B5EF4-FFF2-40B4-BE49-F238E27FC236}">
-                <a16:creationId xmlns:a16="http://schemas.microsoft.com/office/drawing/2014/main" id="{F5A54F81-B54C-4D4D-BD79-C7DB99EFF519}"/>
-              </a:ext>
-            </a:extLst>
-          </p:cNvPr>
-          <p:cNvSpPr>
-            <a:spLocks noGrp="1"/>
-          </p:cNvSpPr>
-          <p:nvPr>
-            <p:ph type="ctrTitle"/>
-          </p:nvPr>
+              <a:t>               Hoe implementeer ik deze			          Hoe voorkom ik dit</a:t>
+            </a:r>
+          </a:p>
+        </p:txBody>
+      </p:sp>
+      <p:sp>
+        <p:nvSpPr>
+          <p:cNvPr id="7" name="Tekstvak 6">
+            <a:extLst>
+              <a:ext uri="{FF2B5EF4-FFF2-40B4-BE49-F238E27FC236}">
+                <a16:creationId xmlns:a16="http://schemas.microsoft.com/office/drawing/2014/main" id="{52FA46D1-5F5E-45F6-97A5-5D4EC36A8921}"/>
+              </a:ext>
+            </a:extLst>
+          </p:cNvPr>
+          <p:cNvSpPr txBox="1"/>
+          <p:nvPr/>
         </p:nvSpPr>
         <p:spPr>
           <a:xfrm>
-            <a:off x="1524000" y="1122363"/>
-            <a:ext cx="9144000" cy="137270"/>
-          </a:xfrm>
-        </p:spPr>
-        <p:txBody>
-          <a:bodyPr>
-            <a:noAutofit/>
-          </a:bodyPr>
-          <a:lstStyle/>
-          <a:p>
-            <a:r>
-              <a:rPr lang="nl-NL" sz="3600" dirty="0">
-                <a:solidFill>
-                  <a:schemeClr val="bg1"/>
-                </a:solidFill>
-              </a:rPr>
-              <a:t>Wat is het </a:t>
-            </a:r>
-            <a:r>
-              <a:rPr lang="nl-NL" sz="3600" dirty="0" err="1">
-                <a:solidFill>
-                  <a:schemeClr val="bg1"/>
-                </a:solidFill>
-              </a:rPr>
-              <a:t>Entity</a:t>
-            </a:r>
-            <a:r>
-              <a:rPr lang="nl-NL" sz="3600" dirty="0">
-                <a:solidFill>
-                  <a:schemeClr val="bg1"/>
-                </a:solidFill>
-              </a:rPr>
-              <a:t> Framework</a:t>
-            </a:r>
-          </a:p>
-        </p:txBody>
-      </p:sp>
-      <p:pic>
-        <p:nvPicPr>
-          <p:cNvPr id="12" name="Afbeelding 11">
-            <a:extLst>
-              <a:ext uri="{FF2B5EF4-FFF2-40B4-BE49-F238E27FC236}">
-                <a16:creationId xmlns:a16="http://schemas.microsoft.com/office/drawing/2014/main" id="{F4178FC4-C44A-4953-938A-14FD69D7388E}"/>
-              </a:ext>
-            </a:extLst>
-          </p:cNvPr>
-          <p:cNvPicPr>
-            <a:picLocks noChangeAspect="1"/>
-          </p:cNvPicPr>
-          <p:nvPr/>
-        </p:nvPicPr>
-        <p:blipFill>
-          <a:blip r:embed="rId3">
-            <a:extLst>
-              <a:ext uri="{28A0092B-C50C-407E-A947-70E740481C1C}">
-                <a14:useLocalDpi xmlns:a14="http://schemas.microsoft.com/office/drawing/2010/main" val="0"/>
-              </a:ext>
-            </a:extLst>
-          </a:blip>
-          <a:stretch>
-            <a:fillRect/>
-          </a:stretch>
-        </p:blipFill>
-        <p:spPr>
-          <a:xfrm>
-            <a:off x="8043785" y="1623527"/>
-            <a:ext cx="3139712" cy="3612193"/>
+            <a:off x="1524000" y="3602038"/>
+            <a:ext cx="8478253" cy="461665"/>
           </a:xfrm>
           <a:prstGeom prst="rect">
             <a:avLst/>
           </a:prstGeom>
+          <a:noFill/>
         </p:spPr>
-      </p:pic>
+        <p:txBody>
+          <a:bodyPr wrap="square" rtlCol="0">
+            <a:spAutoFit/>
+          </a:bodyPr>
+          <a:lstStyle/>
+          <a:p>
+            <a:pPr algn="r"/>
+            <a:r>
+              <a:rPr lang="nl-NL" sz="2400" dirty="0" err="1">
+                <a:solidFill>
+                  <a:schemeClr val="bg1"/>
+                </a:solidFill>
+              </a:rPr>
+              <a:t>Sensitive</a:t>
+            </a:r>
+            <a:r>
+              <a:rPr lang="nl-NL" sz="2400" dirty="0">
+                <a:solidFill>
+                  <a:schemeClr val="bg1"/>
+                </a:solidFill>
+              </a:rPr>
+              <a:t> Data Exposure</a:t>
+            </a:r>
+          </a:p>
+        </p:txBody>
+      </p:sp>
     </p:spTree>
     <p:extLst>
       <p:ext uri="{BB962C8B-B14F-4D97-AF65-F5344CB8AC3E}">
-        <p14:creationId xmlns:p14="http://schemas.microsoft.com/office/powerpoint/2010/main" val="3290435246"/>
+        <p14:creationId xmlns:p14="http://schemas.microsoft.com/office/powerpoint/2010/main" val="4129991484"/>
       </p:ext>
     </p:extLst>
   </p:cSld>
@@ -5925,22 +6938,30 @@
           </a:lstStyle>
           <a:p>
             <a:pPr marL="342900" indent="-342900" algn="l">
-              <a:buFontTx/>
-              <a:buChar char="-"/>
+              <a:buFont typeface="Arial" panose="020B0604020202020204" pitchFamily="34" charset="0"/>
+              <a:buChar char="•"/>
             </a:pPr>
             <a:r>
+              <a:rPr lang="nl-NL" dirty="0" err="1">
+                <a:solidFill>
+                  <a:schemeClr val="bg1"/>
+                </a:solidFill>
+              </a:rPr>
+              <a:t>Entity</a:t>
+            </a:r>
+            <a:r>
               <a:rPr lang="nl-NL" dirty="0">
                 <a:solidFill>
                   <a:schemeClr val="bg1"/>
                 </a:solidFill>
               </a:rPr>
-              <a:t>Context classes mappen</a:t>
+              <a:t> Framework</a:t>
             </a:r>
           </a:p>
           <a:p>
             <a:pPr marL="342900" indent="-342900" algn="l">
-              <a:buFontTx/>
-              <a:buChar char="-"/>
+              <a:buFont typeface="Arial" panose="020B0604020202020204" pitchFamily="34" charset="0"/>
+              <a:buChar char="•"/>
             </a:pPr>
             <a:endParaRPr lang="nl-NL" dirty="0">
               <a:solidFill>
@@ -5950,8 +6971,8 @@
           </a:p>
           <a:p>
             <a:pPr marL="342900" indent="-342900" algn="l">
-              <a:buFontTx/>
-              <a:buChar char="-"/>
+              <a:buFont typeface="Arial" panose="020B0604020202020204" pitchFamily="34" charset="0"/>
+              <a:buChar char="•"/>
             </a:pPr>
             <a:r>
               <a:rPr lang="nl-NL" dirty="0" err="1">
@@ -5959,7 +6980,23 @@
                   <a:schemeClr val="bg1"/>
                 </a:solidFill>
               </a:rPr>
-              <a:t>Entity</a:t>
+              <a:t>Repository</a:t>
+            </a:r>
+            <a:r>
+              <a:rPr lang="nl-NL" dirty="0">
+                <a:solidFill>
+                  <a:schemeClr val="bg1"/>
+                </a:solidFill>
+              </a:rPr>
+              <a:t> </a:t>
+            </a:r>
+            <a:r>
+              <a:rPr lang="nl-NL" dirty="0" err="1">
+                <a:solidFill>
+                  <a:schemeClr val="bg1"/>
+                </a:solidFill>
+              </a:rPr>
+              <a:t>pattern</a:t>
             </a:r>
             <a:endParaRPr lang="nl-NL" dirty="0">
               <a:solidFill>
@@ -5969,8 +7006,8 @@
           </a:p>
           <a:p>
             <a:pPr marL="342900" indent="-342900" algn="l">
-              <a:buFontTx/>
-              <a:buChar char="-"/>
+              <a:buFont typeface="Arial" panose="020B0604020202020204" pitchFamily="34" charset="0"/>
+              <a:buChar char="•"/>
             </a:pPr>
             <a:endParaRPr lang="nl-NL" dirty="0">
               <a:solidFill>
@@ -5980,8 +7017,8 @@
           </a:p>
           <a:p>
             <a:pPr marL="342900" indent="-342900" algn="l">
-              <a:buFontTx/>
-              <a:buChar char="-"/>
+              <a:buFont typeface="Arial" panose="020B0604020202020204" pitchFamily="34" charset="0"/>
+              <a:buChar char="•"/>
             </a:pPr>
             <a:r>
               <a:rPr lang="nl-NL" dirty="0" err="1">
@@ -5989,7 +7026,7 @@
                   <a:schemeClr val="bg1"/>
                 </a:solidFill>
               </a:rPr>
-              <a:t>DbSet</a:t>
+              <a:t>Sensitive</a:t>
             </a:r>
             <a:r>
               <a:rPr lang="nl-NL" dirty="0">
@@ -5997,29 +7034,13 @@
                   <a:schemeClr val="bg1"/>
                 </a:solidFill>
               </a:rPr>
-              <a:t>&lt;</a:t>
-            </a:r>
-            <a:r>
-              <a:rPr lang="nl-NL" dirty="0" err="1">
-                <a:solidFill>
-                  <a:schemeClr val="bg1"/>
-                </a:solidFill>
-              </a:rPr>
-              <a:t>Entity</a:t>
-            </a:r>
-            <a:r>
-              <a:rPr lang="nl-NL" dirty="0">
-                <a:solidFill>
-                  <a:schemeClr val="bg1"/>
-                </a:solidFill>
-              </a:rPr>
-              <a:t>&gt;</a:t>
+              <a:t> Data Exposure</a:t>
             </a:r>
           </a:p>
           <a:p>
             <a:pPr marL="342900" indent="-342900" algn="l">
-              <a:buFontTx/>
-              <a:buChar char="-"/>
+              <a:buFont typeface="Arial" panose="020B0604020202020204" pitchFamily="34" charset="0"/>
+              <a:buChar char="•"/>
             </a:pPr>
             <a:endParaRPr lang="nl-NL" dirty="0">
               <a:solidFill>
@@ -6027,13 +7048,6 @@
               </a:solidFill>
             </a:endParaRPr>
           </a:p>
-          <a:p>
-            <a:endParaRPr lang="nl-NL" dirty="0">
-              <a:solidFill>
-                <a:schemeClr val="bg1"/>
-              </a:solidFill>
-            </a:endParaRPr>
-          </a:p>
         </p:txBody>
       </p:sp>
       <p:sp>
@@ -6070,67 +7084,15 @@
                   <a:schemeClr val="bg1"/>
                 </a:solidFill>
               </a:rPr>
-              <a:t>Hoe werkt het </a:t>
-            </a:r>
-            <a:r>
-              <a:rPr lang="nl-NL" sz="3600" dirty="0" err="1">
-                <a:solidFill>
-                  <a:schemeClr val="bg1"/>
-                </a:solidFill>
-              </a:rPr>
-              <a:t>Entity</a:t>
-            </a:r>
-            <a:r>
-              <a:rPr lang="nl-NL" sz="3600" dirty="0">
-                <a:solidFill>
-                  <a:schemeClr val="bg1"/>
-                </a:solidFill>
-              </a:rPr>
-              <a:t> Framework</a:t>
-            </a:r>
-          </a:p>
-        </p:txBody>
-      </p:sp>
-      <p:pic>
-        <p:nvPicPr>
-          <p:cNvPr id="3" name="Afbeelding 2">
-            <a:extLst>
-              <a:ext uri="{FF2B5EF4-FFF2-40B4-BE49-F238E27FC236}">
-                <a16:creationId xmlns:a16="http://schemas.microsoft.com/office/drawing/2014/main" id="{BE5D99FD-5DCC-419B-A5D5-0F53B3EB8072}"/>
-              </a:ext>
-            </a:extLst>
-          </p:cNvPr>
-          <p:cNvPicPr>
-            <a:picLocks noChangeAspect="1"/>
-          </p:cNvPicPr>
-          <p:nvPr/>
-        </p:nvPicPr>
-        <p:blipFill>
-          <a:blip r:embed="rId3">
-            <a:extLst>
-              <a:ext uri="{28A0092B-C50C-407E-A947-70E740481C1C}">
-                <a14:useLocalDpi xmlns:a14="http://schemas.microsoft.com/office/drawing/2010/main" val="0"/>
-              </a:ext>
-            </a:extLst>
-          </a:blip>
-          <a:stretch>
-            <a:fillRect/>
-          </a:stretch>
-        </p:blipFill>
-        <p:spPr>
-          <a:xfrm>
-            <a:off x="6581775" y="2548462"/>
-            <a:ext cx="4848225" cy="1743075"/>
-          </a:xfrm>
-          <a:prstGeom prst="rect">
-            <a:avLst/>
-          </a:prstGeom>
-        </p:spPr>
-      </p:pic>
+              <a:t>Inhoud</a:t>
+            </a:r>
+          </a:p>
+        </p:txBody>
+      </p:sp>
     </p:spTree>
     <p:extLst>
       <p:ext uri="{BB962C8B-B14F-4D97-AF65-F5344CB8AC3E}">
-        <p14:creationId xmlns:p14="http://schemas.microsoft.com/office/powerpoint/2010/main" val="923178870"/>
+        <p14:creationId xmlns:p14="http://schemas.microsoft.com/office/powerpoint/2010/main" val="77825839"/>
       </p:ext>
     </p:extLst>
   </p:cSld>
@@ -6165,6 +7127,31 @@
           <a:chExt cx="0" cy="0"/>
         </a:xfrm>
       </p:grpSpPr>
+      <p:sp>
+        <p:nvSpPr>
+          <p:cNvPr id="3" name="Ondertitel 2">
+            <a:extLst>
+              <a:ext uri="{FF2B5EF4-FFF2-40B4-BE49-F238E27FC236}">
+                <a16:creationId xmlns:a16="http://schemas.microsoft.com/office/drawing/2014/main" id="{E33BA47F-E0B6-48B8-9B6E-CE089A774A2F}"/>
+              </a:ext>
+            </a:extLst>
+          </p:cNvPr>
+          <p:cNvSpPr>
+            <a:spLocks noGrp="1"/>
+          </p:cNvSpPr>
+          <p:nvPr>
+            <p:ph type="subTitle" idx="1"/>
+          </p:nvPr>
+        </p:nvSpPr>
+        <p:spPr/>
+        <p:txBody>
+          <a:bodyPr/>
+          <a:lstStyle/>
+          <a:p>
+            <a:endParaRPr lang="nl-NL"/>
+          </a:p>
+        </p:txBody>
+      </p:sp>
       <p:pic>
         <p:nvPicPr>
           <p:cNvPr id="6" name="Afbeelding 5">
@@ -6203,318 +7190,48 @@
       </p:pic>
       <p:sp>
         <p:nvSpPr>
-          <p:cNvPr id="7" name="Ondertitel 2">
-            <a:extLst>
-              <a:ext uri="{FF2B5EF4-FFF2-40B4-BE49-F238E27FC236}">
-                <a16:creationId xmlns:a16="http://schemas.microsoft.com/office/drawing/2014/main" id="{C8A7217A-CA09-4F92-BB8B-040FAE5EF125}"/>
-              </a:ext>
-            </a:extLst>
-          </p:cNvPr>
-          <p:cNvSpPr txBox="1">
-            <a:spLocks/>
-          </p:cNvSpPr>
-          <p:nvPr/>
-        </p:nvSpPr>
-        <p:spPr>
-          <a:xfrm>
-            <a:off x="1524000" y="2127380"/>
-            <a:ext cx="9144000" cy="3107093"/>
-          </a:xfrm>
-          <a:prstGeom prst="rect">
-            <a:avLst/>
-          </a:prstGeom>
-        </p:spPr>
-        <p:txBody>
-          <a:bodyPr vert="horz" lIns="91440" tIns="45720" rIns="91440" bIns="45720" rtlCol="0">
-            <a:normAutofit/>
-          </a:bodyPr>
-          <a:lstStyle>
-            <a:lvl1pPr marL="0" indent="0" algn="ctr" defTabSz="914400" rtl="0" eaLnBrk="1" latinLnBrk="0" hangingPunct="1">
-              <a:lnSpc>
-                <a:spcPct val="90000"/>
-              </a:lnSpc>
-              <a:spcBef>
-                <a:spcPts val="1000"/>
-              </a:spcBef>
-              <a:buFont typeface="Arial" panose="020B0604020202020204" pitchFamily="34" charset="0"/>
-              <a:buNone/>
-              <a:defRPr sz="2400" kern="1200">
-                <a:solidFill>
-                  <a:schemeClr val="tx1"/>
-                </a:solidFill>
-                <a:latin typeface="+mn-lt"/>
-                <a:ea typeface="+mn-ea"/>
-                <a:cs typeface="+mn-cs"/>
-              </a:defRPr>
-            </a:lvl1pPr>
-            <a:lvl2pPr marL="457200" indent="0" algn="ctr" defTabSz="914400" rtl="0" eaLnBrk="1" latinLnBrk="0" hangingPunct="1">
-              <a:lnSpc>
-                <a:spcPct val="90000"/>
-              </a:lnSpc>
-              <a:spcBef>
-                <a:spcPts val="500"/>
-              </a:spcBef>
-              <a:buFont typeface="Arial" panose="020B0604020202020204" pitchFamily="34" charset="0"/>
-              <a:buNone/>
-              <a:defRPr sz="2000" kern="1200">
-                <a:solidFill>
-                  <a:schemeClr val="tx1"/>
-                </a:solidFill>
-                <a:latin typeface="+mn-lt"/>
-                <a:ea typeface="+mn-ea"/>
-                <a:cs typeface="+mn-cs"/>
-              </a:defRPr>
-            </a:lvl2pPr>
-            <a:lvl3pPr marL="914400" indent="0" algn="ctr" defTabSz="914400" rtl="0" eaLnBrk="1" latinLnBrk="0" hangingPunct="1">
-              <a:lnSpc>
-                <a:spcPct val="90000"/>
-              </a:lnSpc>
-              <a:spcBef>
-                <a:spcPts val="500"/>
-              </a:spcBef>
-              <a:buFont typeface="Arial" panose="020B0604020202020204" pitchFamily="34" charset="0"/>
-              <a:buNone/>
-              <a:defRPr sz="1800" kern="1200">
-                <a:solidFill>
-                  <a:schemeClr val="tx1"/>
-                </a:solidFill>
-                <a:latin typeface="+mn-lt"/>
-                <a:ea typeface="+mn-ea"/>
-                <a:cs typeface="+mn-cs"/>
-              </a:defRPr>
-            </a:lvl3pPr>
-            <a:lvl4pPr marL="1371600" indent="0" algn="ctr" defTabSz="914400" rtl="0" eaLnBrk="1" latinLnBrk="0" hangingPunct="1">
-              <a:lnSpc>
-                <a:spcPct val="90000"/>
-              </a:lnSpc>
-              <a:spcBef>
-                <a:spcPts val="500"/>
-              </a:spcBef>
-              <a:buFont typeface="Arial" panose="020B0604020202020204" pitchFamily="34" charset="0"/>
-              <a:buNone/>
-              <a:defRPr sz="1600" kern="1200">
-                <a:solidFill>
-                  <a:schemeClr val="tx1"/>
-                </a:solidFill>
-                <a:latin typeface="+mn-lt"/>
-                <a:ea typeface="+mn-ea"/>
-                <a:cs typeface="+mn-cs"/>
-              </a:defRPr>
-            </a:lvl4pPr>
-            <a:lvl5pPr marL="1828800" indent="0" algn="ctr" defTabSz="914400" rtl="0" eaLnBrk="1" latinLnBrk="0" hangingPunct="1">
-              <a:lnSpc>
-                <a:spcPct val="90000"/>
-              </a:lnSpc>
-              <a:spcBef>
-                <a:spcPts val="500"/>
-              </a:spcBef>
-              <a:buFont typeface="Arial" panose="020B0604020202020204" pitchFamily="34" charset="0"/>
-              <a:buNone/>
-              <a:defRPr sz="1600" kern="1200">
-                <a:solidFill>
-                  <a:schemeClr val="tx1"/>
-                </a:solidFill>
-                <a:latin typeface="+mn-lt"/>
-                <a:ea typeface="+mn-ea"/>
-                <a:cs typeface="+mn-cs"/>
-              </a:defRPr>
-            </a:lvl5pPr>
-            <a:lvl6pPr marL="2286000" indent="0" algn="ctr" defTabSz="914400" rtl="0" eaLnBrk="1" latinLnBrk="0" hangingPunct="1">
-              <a:lnSpc>
-                <a:spcPct val="90000"/>
-              </a:lnSpc>
-              <a:spcBef>
-                <a:spcPts val="500"/>
-              </a:spcBef>
-              <a:buFont typeface="Arial" panose="020B0604020202020204" pitchFamily="34" charset="0"/>
-              <a:buNone/>
-              <a:defRPr sz="1600" kern="1200">
-                <a:solidFill>
-                  <a:schemeClr val="tx1"/>
-                </a:solidFill>
-                <a:latin typeface="+mn-lt"/>
-                <a:ea typeface="+mn-ea"/>
-                <a:cs typeface="+mn-cs"/>
-              </a:defRPr>
-            </a:lvl6pPr>
-            <a:lvl7pPr marL="2743200" indent="0" algn="ctr" defTabSz="914400" rtl="0" eaLnBrk="1" latinLnBrk="0" hangingPunct="1">
-              <a:lnSpc>
-                <a:spcPct val="90000"/>
-              </a:lnSpc>
-              <a:spcBef>
-                <a:spcPts val="500"/>
-              </a:spcBef>
-              <a:buFont typeface="Arial" panose="020B0604020202020204" pitchFamily="34" charset="0"/>
-              <a:buNone/>
-              <a:defRPr sz="1600" kern="1200">
-                <a:solidFill>
-                  <a:schemeClr val="tx1"/>
-                </a:solidFill>
-                <a:latin typeface="+mn-lt"/>
-                <a:ea typeface="+mn-ea"/>
-                <a:cs typeface="+mn-cs"/>
-              </a:defRPr>
-            </a:lvl7pPr>
-            <a:lvl8pPr marL="3200400" indent="0" algn="ctr" defTabSz="914400" rtl="0" eaLnBrk="1" latinLnBrk="0" hangingPunct="1">
-              <a:lnSpc>
-                <a:spcPct val="90000"/>
-              </a:lnSpc>
-              <a:spcBef>
-                <a:spcPts val="500"/>
-              </a:spcBef>
-              <a:buFont typeface="Arial" panose="020B0604020202020204" pitchFamily="34" charset="0"/>
-              <a:buNone/>
-              <a:defRPr sz="1600" kern="1200">
-                <a:solidFill>
-                  <a:schemeClr val="tx1"/>
-                </a:solidFill>
-                <a:latin typeface="+mn-lt"/>
-                <a:ea typeface="+mn-ea"/>
-                <a:cs typeface="+mn-cs"/>
-              </a:defRPr>
-            </a:lvl8pPr>
-            <a:lvl9pPr marL="3657600" indent="0" algn="ctr" defTabSz="914400" rtl="0" eaLnBrk="1" latinLnBrk="0" hangingPunct="1">
-              <a:lnSpc>
-                <a:spcPct val="90000"/>
-              </a:lnSpc>
-              <a:spcBef>
-                <a:spcPts val="500"/>
-              </a:spcBef>
-              <a:buFont typeface="Arial" panose="020B0604020202020204" pitchFamily="34" charset="0"/>
-              <a:buNone/>
-              <a:defRPr sz="1600" kern="1200">
-                <a:solidFill>
-                  <a:schemeClr val="tx1"/>
-                </a:solidFill>
-                <a:latin typeface="+mn-lt"/>
-                <a:ea typeface="+mn-ea"/>
-                <a:cs typeface="+mn-cs"/>
-              </a:defRPr>
-            </a:lvl9pPr>
-          </a:lstStyle>
-          <a:p>
-            <a:pPr marL="342900" indent="-342900" algn="l">
-              <a:buFontTx/>
-              <a:buChar char="-"/>
-            </a:pPr>
+          <p:cNvPr id="2" name="Titel 1">
+            <a:extLst>
+              <a:ext uri="{FF2B5EF4-FFF2-40B4-BE49-F238E27FC236}">
+                <a16:creationId xmlns:a16="http://schemas.microsoft.com/office/drawing/2014/main" id="{D3C07CC0-B426-4FA1-ACA6-C10A83758EA0}"/>
+              </a:ext>
+            </a:extLst>
+          </p:cNvPr>
+          <p:cNvSpPr>
+            <a:spLocks noGrp="1"/>
+          </p:cNvSpPr>
+          <p:nvPr>
+            <p:ph type="ctrTitle"/>
+          </p:nvPr>
+        </p:nvSpPr>
+        <p:spPr/>
+        <p:txBody>
+          <a:bodyPr/>
+          <a:lstStyle/>
+          <a:p>
+            <a:r>
+              <a:rPr lang="nl-NL" dirty="0" err="1">
+                <a:solidFill>
+                  <a:schemeClr val="bg1"/>
+                </a:solidFill>
+              </a:rPr>
+              <a:t>Entity</a:t>
+            </a:r>
             <a:r>
               <a:rPr lang="nl-NL" dirty="0">
                 <a:solidFill>
                   <a:schemeClr val="bg1"/>
                 </a:solidFill>
               </a:rPr>
-              <a:t>LINQ</a:t>
-            </a:r>
-          </a:p>
-          <a:p>
-            <a:pPr marL="342900" indent="-342900" algn="l">
-              <a:buFontTx/>
-              <a:buChar char="-"/>
-            </a:pPr>
-            <a:endParaRPr lang="nl-NL" dirty="0">
-              <a:solidFill>
-                <a:schemeClr val="bg1"/>
-              </a:solidFill>
-            </a:endParaRPr>
-          </a:p>
-          <a:p>
-            <a:pPr marL="342900" indent="-342900" algn="l">
-              <a:buFontTx/>
-              <a:buChar char="-"/>
-            </a:pPr>
-            <a:r>
-              <a:rPr lang="nl-NL" dirty="0" err="1">
-                <a:solidFill>
-                  <a:schemeClr val="bg1"/>
-                </a:solidFill>
-              </a:rPr>
-              <a:t>Conceptual</a:t>
-            </a:r>
-            <a:r>
-              <a:rPr lang="nl-NL" dirty="0">
-                <a:solidFill>
-                  <a:schemeClr val="bg1"/>
-                </a:solidFill>
-              </a:rPr>
-              <a:t> model</a:t>
-            </a:r>
-          </a:p>
-          <a:p>
-            <a:pPr marL="342900" indent="-342900" algn="l">
-              <a:buFontTx/>
-              <a:buChar char="-"/>
-            </a:pPr>
-            <a:r>
-              <a:rPr lang="nl-NL" dirty="0">
-                <a:solidFill>
-                  <a:schemeClr val="bg1"/>
-                </a:solidFill>
-              </a:rPr>
-              <a:t>Storage model</a:t>
-            </a:r>
-          </a:p>
-          <a:p>
-            <a:pPr marL="342900" indent="-342900" algn="l">
-              <a:buFontTx/>
-              <a:buChar char="-"/>
-            </a:pPr>
-            <a:r>
-              <a:rPr lang="nl-NL" dirty="0" err="1">
-                <a:solidFill>
-                  <a:schemeClr val="bg1"/>
-                </a:solidFill>
-              </a:rPr>
-              <a:t>Mappings</a:t>
-            </a:r>
-            <a:endParaRPr lang="nl-NL" dirty="0">
-              <a:solidFill>
-                <a:schemeClr val="bg1"/>
-              </a:solidFill>
-            </a:endParaRPr>
-          </a:p>
-          <a:p>
-            <a:endParaRPr lang="nl-NL" dirty="0">
-              <a:solidFill>
-                <a:schemeClr val="bg1"/>
-              </a:solidFill>
-            </a:endParaRPr>
-          </a:p>
-        </p:txBody>
-      </p:sp>
-      <p:pic>
-        <p:nvPicPr>
-          <p:cNvPr id="4" name="Afbeelding 3">
-            <a:extLst>
-              <a:ext uri="{FF2B5EF4-FFF2-40B4-BE49-F238E27FC236}">
-                <a16:creationId xmlns:a16="http://schemas.microsoft.com/office/drawing/2014/main" id="{3DA69691-1E83-4A53-AC23-4BC33E36A145}"/>
-              </a:ext>
-            </a:extLst>
-          </p:cNvPr>
-          <p:cNvPicPr>
-            <a:picLocks noChangeAspect="1"/>
-          </p:cNvPicPr>
-          <p:nvPr/>
-        </p:nvPicPr>
-        <p:blipFill>
-          <a:blip r:embed="rId3"/>
-          <a:stretch>
-            <a:fillRect/>
-          </a:stretch>
-        </p:blipFill>
-        <p:spPr>
-          <a:xfrm>
-            <a:off x="5234670" y="1431957"/>
-            <a:ext cx="6305978" cy="3994086"/>
-          </a:xfrm>
-          <a:prstGeom prst="rect">
-            <a:avLst/>
-          </a:prstGeom>
-        </p:spPr>
-      </p:pic>
+              <a:t> Framework</a:t>
+            </a:r>
+          </a:p>
+        </p:txBody>
+      </p:sp>
     </p:spTree>
     <p:extLst>
       <p:ext uri="{BB962C8B-B14F-4D97-AF65-F5344CB8AC3E}">
-        <p14:creationId xmlns:p14="http://schemas.microsoft.com/office/powerpoint/2010/main" val="615585785"/>
+        <p14:creationId xmlns:p14="http://schemas.microsoft.com/office/powerpoint/2010/main" val="3895889470"/>
       </p:ext>
     </p:extLst>
   </p:cSld>
@@ -6587,65 +7304,10 @@
       </p:pic>
       <p:sp>
         <p:nvSpPr>
-          <p:cNvPr id="10" name="Titel 1">
-            <a:extLst>
-              <a:ext uri="{FF2B5EF4-FFF2-40B4-BE49-F238E27FC236}">
-                <a16:creationId xmlns:a16="http://schemas.microsoft.com/office/drawing/2014/main" id="{F5A54F81-B54C-4D4D-BD79-C7DB99EFF519}"/>
-              </a:ext>
-            </a:extLst>
-          </p:cNvPr>
-          <p:cNvSpPr>
-            <a:spLocks noGrp="1"/>
-          </p:cNvSpPr>
-          <p:nvPr>
-            <p:ph type="ctrTitle"/>
-          </p:nvPr>
-        </p:nvSpPr>
-        <p:spPr>
-          <a:xfrm>
-            <a:off x="1524000" y="1122363"/>
-            <a:ext cx="9144000" cy="137270"/>
-          </a:xfrm>
-        </p:spPr>
-        <p:txBody>
-          <a:bodyPr>
-            <a:noAutofit/>
-          </a:bodyPr>
-          <a:lstStyle/>
-          <a:p>
-            <a:r>
-              <a:rPr lang="nl-NL" sz="3600" dirty="0">
-                <a:solidFill>
-                  <a:schemeClr val="bg1"/>
-                </a:solidFill>
-              </a:rPr>
-              <a:t>Workshop </a:t>
-            </a:r>
-            <a:r>
-              <a:rPr lang="nl-NL" sz="3600" dirty="0" err="1">
-                <a:solidFill>
-                  <a:schemeClr val="bg1"/>
-                </a:solidFill>
-              </a:rPr>
-              <a:t>Entity</a:t>
-            </a:r>
-            <a:r>
-              <a:rPr lang="nl-NL" sz="3600" dirty="0">
-                <a:solidFill>
-                  <a:schemeClr val="bg1"/>
-                </a:solidFill>
-              </a:rPr>
-              <a:t> Framework</a:t>
-            </a:r>
-          </a:p>
-        </p:txBody>
-      </p:sp>
-      <p:sp>
-        <p:nvSpPr>
-          <p:cNvPr id="4" name="Ondertitel 2">
-            <a:extLst>
-              <a:ext uri="{FF2B5EF4-FFF2-40B4-BE49-F238E27FC236}">
-                <a16:creationId xmlns:a16="http://schemas.microsoft.com/office/drawing/2014/main" id="{E95FCFA9-8A95-4489-9969-28601EEAE3F7}"/>
+          <p:cNvPr id="7" name="Ondertitel 2">
+            <a:extLst>
+              <a:ext uri="{FF2B5EF4-FFF2-40B4-BE49-F238E27FC236}">
+                <a16:creationId xmlns:a16="http://schemas.microsoft.com/office/drawing/2014/main" id="{C8A7217A-CA09-4F92-BB8B-040FAE5EF125}"/>
               </a:ext>
             </a:extLst>
           </p:cNvPr>
@@ -6832,6 +7494,34 @@
             </a:lvl9pPr>
           </a:lstStyle>
           <a:p>
+            <a:pPr marL="342900" indent="-342900" algn="l">
+              <a:buFontTx/>
+              <a:buChar char="-"/>
+            </a:pPr>
+            <a:r>
+              <a:rPr lang="nl-NL" dirty="0" err="1">
+                <a:solidFill>
+                  <a:schemeClr val="bg1"/>
+                </a:solidFill>
+              </a:rPr>
+              <a:t>Persistence</a:t>
+            </a:r>
+            <a:r>
+              <a:rPr lang="nl-NL" dirty="0">
+                <a:solidFill>
+                  <a:schemeClr val="bg1"/>
+                </a:solidFill>
+              </a:rPr>
+              <a:t> </a:t>
+            </a:r>
+            <a:r>
+              <a:rPr lang="nl-NL" dirty="0" err="1">
+                <a:solidFill>
+                  <a:schemeClr val="bg1"/>
+                </a:solidFill>
+              </a:rPr>
+              <a:t>framework</a:t>
+            </a:r>
             <a:endParaRPr lang="nl-NL" dirty="0">
               <a:solidFill>
                 <a:schemeClr val="bg1"/>
@@ -6839,6 +7529,7 @@
             </a:endParaRPr>
           </a:p>
           <a:p>
+            <a:pPr algn="l"/>
             <a:endParaRPr lang="nl-NL" dirty="0">
               <a:solidFill>
                 <a:schemeClr val="bg1"/>
@@ -6846,21 +7537,205 @@
             </a:endParaRPr>
           </a:p>
           <a:p>
-            <a:r>
-              <a:rPr lang="nl-NL" sz="4000" dirty="0">
-                <a:solidFill>
-                  <a:schemeClr val="bg1"/>
-                </a:solidFill>
-              </a:rPr>
-              <a:t>http://tiny.cc/EntityWorkshop</a:t>
-            </a:r>
-          </a:p>
-        </p:txBody>
-      </p:sp>
+            <a:pPr marL="342900" indent="-342900" algn="l">
+              <a:buFontTx/>
+              <a:buChar char="-"/>
+            </a:pPr>
+            <a:r>
+              <a:rPr lang="nl-NL" dirty="0">
+                <a:solidFill>
+                  <a:schemeClr val="bg1"/>
+                </a:solidFill>
+              </a:rPr>
+              <a:t>Object </a:t>
+            </a:r>
+            <a:r>
+              <a:rPr lang="nl-NL" dirty="0" err="1">
+                <a:solidFill>
+                  <a:schemeClr val="bg1"/>
+                </a:solidFill>
+              </a:rPr>
+              <a:t>Relational</a:t>
+            </a:r>
+            <a:r>
+              <a:rPr lang="nl-NL" dirty="0">
+                <a:solidFill>
+                  <a:schemeClr val="bg1"/>
+                </a:solidFill>
+              </a:rPr>
+              <a:t> </a:t>
+            </a:r>
+            <a:r>
+              <a:rPr lang="nl-NL" dirty="0" err="1">
+                <a:solidFill>
+                  <a:schemeClr val="bg1"/>
+                </a:solidFill>
+              </a:rPr>
+              <a:t>Mapping</a:t>
+            </a:r>
+            <a:r>
+              <a:rPr lang="nl-NL" dirty="0">
+                <a:solidFill>
+                  <a:schemeClr val="bg1"/>
+                </a:solidFill>
+              </a:rPr>
+              <a:t> Framework</a:t>
+            </a:r>
+          </a:p>
+          <a:p>
+            <a:pPr marL="342900" indent="-342900" algn="l">
+              <a:buFontTx/>
+              <a:buChar char="-"/>
+            </a:pPr>
+            <a:endParaRPr lang="nl-NL" dirty="0">
+              <a:solidFill>
+                <a:schemeClr val="bg1"/>
+              </a:solidFill>
+            </a:endParaRPr>
+          </a:p>
+          <a:p>
+            <a:pPr marL="342900" indent="-342900" algn="l">
+              <a:buFontTx/>
+              <a:buChar char="-"/>
+            </a:pPr>
+            <a:r>
+              <a:rPr lang="nl-NL" dirty="0">
+                <a:solidFill>
+                  <a:schemeClr val="bg1"/>
+                </a:solidFill>
+              </a:rPr>
+              <a:t>ADO.NET</a:t>
+            </a:r>
+          </a:p>
+          <a:p>
+            <a:pPr marL="342900" indent="-342900" algn="l">
+              <a:buFontTx/>
+              <a:buChar char="-"/>
+            </a:pPr>
+            <a:r>
+              <a:rPr lang="nl-NL" dirty="0">
+                <a:solidFill>
+                  <a:schemeClr val="bg1"/>
+                </a:solidFill>
+              </a:rPr>
+              <a:t>Tijd besparen</a:t>
+            </a:r>
+          </a:p>
+          <a:p>
+            <a:pPr marL="342900" indent="-342900" algn="l">
+              <a:buFontTx/>
+              <a:buChar char="-"/>
+            </a:pPr>
+            <a:endParaRPr lang="nl-NL" dirty="0">
+              <a:solidFill>
+                <a:schemeClr val="bg1"/>
+              </a:solidFill>
+            </a:endParaRPr>
+          </a:p>
+          <a:p>
+            <a:endParaRPr lang="nl-NL" dirty="0">
+              <a:solidFill>
+                <a:schemeClr val="bg1"/>
+              </a:solidFill>
+            </a:endParaRPr>
+          </a:p>
+        </p:txBody>
+      </p:sp>
+      <p:sp>
+        <p:nvSpPr>
+          <p:cNvPr id="10" name="Titel 1">
+            <a:extLst>
+              <a:ext uri="{FF2B5EF4-FFF2-40B4-BE49-F238E27FC236}">
+                <a16:creationId xmlns:a16="http://schemas.microsoft.com/office/drawing/2014/main" id="{F5A54F81-B54C-4D4D-BD79-C7DB99EFF519}"/>
+              </a:ext>
+            </a:extLst>
+          </p:cNvPr>
+          <p:cNvSpPr>
+            <a:spLocks noGrp="1"/>
+          </p:cNvSpPr>
+          <p:nvPr>
+            <p:ph type="ctrTitle"/>
+          </p:nvPr>
+        </p:nvSpPr>
+        <p:spPr>
+          <a:xfrm>
+            <a:off x="1524000" y="1122363"/>
+            <a:ext cx="9144000" cy="137270"/>
+          </a:xfrm>
+        </p:spPr>
+        <p:txBody>
+          <a:bodyPr>
+            <a:noAutofit/>
+          </a:bodyPr>
+          <a:lstStyle/>
+          <a:p>
+            <a:r>
+              <a:rPr lang="nl-NL" sz="3600" dirty="0">
+                <a:solidFill>
+                  <a:schemeClr val="bg1"/>
+                </a:solidFill>
+              </a:rPr>
+              <a:t>Wat is het </a:t>
+            </a:r>
+            <a:r>
+              <a:rPr lang="nl-NL" sz="3600" dirty="0" err="1">
+                <a:solidFill>
+                  <a:schemeClr val="bg1"/>
+                </a:solidFill>
+              </a:rPr>
+              <a:t>Entity</a:t>
+            </a:r>
+            <a:r>
+              <a:rPr lang="nl-NL" sz="3600" dirty="0">
+                <a:solidFill>
+                  <a:schemeClr val="bg1"/>
+                </a:solidFill>
+              </a:rPr>
+              <a:t> Framework</a:t>
+            </a:r>
+          </a:p>
+        </p:txBody>
+      </p:sp>
+      <p:pic>
+        <p:nvPicPr>
+          <p:cNvPr id="12" name="Afbeelding 11">
+            <a:extLst>
+              <a:ext uri="{FF2B5EF4-FFF2-40B4-BE49-F238E27FC236}">
+                <a16:creationId xmlns:a16="http://schemas.microsoft.com/office/drawing/2014/main" id="{F4178FC4-C44A-4953-938A-14FD69D7388E}"/>
+              </a:ext>
+            </a:extLst>
+          </p:cNvPr>
+          <p:cNvPicPr>
+            <a:picLocks noChangeAspect="1"/>
+          </p:cNvPicPr>
+          <p:nvPr/>
+        </p:nvPicPr>
+        <p:blipFill>
+          <a:blip r:embed="rId3">
+            <a:extLst>
+              <a:ext uri="{28A0092B-C50C-407E-A947-70E740481C1C}">
+                <a14:useLocalDpi xmlns:a14="http://schemas.microsoft.com/office/drawing/2010/main" val="0"/>
+              </a:ext>
+            </a:extLst>
+          </a:blip>
+          <a:stretch>
+            <a:fillRect/>
+          </a:stretch>
+        </p:blipFill>
+        <p:spPr>
+          <a:xfrm>
+            <a:off x="8043785" y="1623527"/>
+            <a:ext cx="3139712" cy="3612193"/>
+          </a:xfrm>
+          <a:prstGeom prst="rect">
+            <a:avLst/>
+          </a:prstGeom>
+        </p:spPr>
+      </p:pic>
     </p:spTree>
     <p:extLst>
       <p:ext uri="{BB962C8B-B14F-4D97-AF65-F5344CB8AC3E}">
-        <p14:creationId xmlns:p14="http://schemas.microsoft.com/office/powerpoint/2010/main" val="393157219"/>
+        <p14:creationId xmlns:p14="http://schemas.microsoft.com/office/powerpoint/2010/main" val="3290435246"/>
       </p:ext>
     </p:extLst>
   </p:cSld>
@@ -6895,31 +7770,6 @@
           <a:chExt cx="0" cy="0"/>
         </a:xfrm>
       </p:grpSpPr>
-      <p:sp>
-        <p:nvSpPr>
-          <p:cNvPr id="3" name="Ondertitel 2">
-            <a:extLst>
-              <a:ext uri="{FF2B5EF4-FFF2-40B4-BE49-F238E27FC236}">
-                <a16:creationId xmlns:a16="http://schemas.microsoft.com/office/drawing/2014/main" id="{E33BA47F-E0B6-48B8-9B6E-CE089A774A2F}"/>
-              </a:ext>
-            </a:extLst>
-          </p:cNvPr>
-          <p:cNvSpPr>
-            <a:spLocks noGrp="1"/>
-          </p:cNvSpPr>
-          <p:nvPr>
-            <p:ph type="subTitle" idx="1"/>
-          </p:nvPr>
-        </p:nvSpPr>
-        <p:spPr/>
-        <p:txBody>
-          <a:bodyPr/>
-          <a:lstStyle/>
-          <a:p>
-            <a:endParaRPr lang="nl-NL"/>
-          </a:p>
-        </p:txBody>
-      </p:sp>
       <p:pic>
         <p:nvPicPr>
           <p:cNvPr id="6" name="Afbeelding 5">
@@ -6958,61 +7808,403 @@
       </p:pic>
       <p:sp>
         <p:nvSpPr>
-          <p:cNvPr id="2" name="Titel 1">
-            <a:extLst>
-              <a:ext uri="{FF2B5EF4-FFF2-40B4-BE49-F238E27FC236}">
-                <a16:creationId xmlns:a16="http://schemas.microsoft.com/office/drawing/2014/main" id="{D3C07CC0-B426-4FA1-ACA6-C10A83758EA0}"/>
-              </a:ext>
-            </a:extLst>
-          </p:cNvPr>
-          <p:cNvSpPr>
-            <a:spLocks noGrp="1"/>
-          </p:cNvSpPr>
-          <p:nvPr>
-            <p:ph type="ctrTitle"/>
-          </p:nvPr>
-        </p:nvSpPr>
-        <p:spPr/>
-        <p:txBody>
-          <a:bodyPr/>
-          <a:lstStyle/>
-          <a:p>
-            <a:r>
-              <a:rPr lang="nl-NL" dirty="0" err="1">
-                <a:solidFill>
-                  <a:schemeClr val="bg1"/>
-                </a:solidFill>
-              </a:rPr>
-              <a:t>Repository</a:t>
-            </a:r>
+          <p:cNvPr id="7" name="Ondertitel 2">
+            <a:extLst>
+              <a:ext uri="{FF2B5EF4-FFF2-40B4-BE49-F238E27FC236}">
+                <a16:creationId xmlns:a16="http://schemas.microsoft.com/office/drawing/2014/main" id="{C8A7217A-CA09-4F92-BB8B-040FAE5EF125}"/>
+              </a:ext>
+            </a:extLst>
+          </p:cNvPr>
+          <p:cNvSpPr txBox="1">
+            <a:spLocks/>
+          </p:cNvSpPr>
+          <p:nvPr/>
+        </p:nvSpPr>
+        <p:spPr>
+          <a:xfrm>
+            <a:off x="1524000" y="2127380"/>
+            <a:ext cx="9144000" cy="3107093"/>
+          </a:xfrm>
+          <a:prstGeom prst="rect">
+            <a:avLst/>
+          </a:prstGeom>
+        </p:spPr>
+        <p:txBody>
+          <a:bodyPr vert="horz" lIns="91440" tIns="45720" rIns="91440" bIns="45720" rtlCol="0">
+            <a:normAutofit/>
+          </a:bodyPr>
+          <a:lstStyle>
+            <a:lvl1pPr marL="0" indent="0" algn="ctr" defTabSz="914400" rtl="0" eaLnBrk="1" latinLnBrk="0" hangingPunct="1">
+              <a:lnSpc>
+                <a:spcPct val="90000"/>
+              </a:lnSpc>
+              <a:spcBef>
+                <a:spcPts val="1000"/>
+              </a:spcBef>
+              <a:buFont typeface="Arial" panose="020B0604020202020204" pitchFamily="34" charset="0"/>
+              <a:buNone/>
+              <a:defRPr sz="2400" kern="1200">
+                <a:solidFill>
+                  <a:schemeClr val="tx1"/>
+                </a:solidFill>
+                <a:latin typeface="+mn-lt"/>
+                <a:ea typeface="+mn-ea"/>
+                <a:cs typeface="+mn-cs"/>
+              </a:defRPr>
+            </a:lvl1pPr>
+            <a:lvl2pPr marL="457200" indent="0" algn="ctr" defTabSz="914400" rtl="0" eaLnBrk="1" latinLnBrk="0" hangingPunct="1">
+              <a:lnSpc>
+                <a:spcPct val="90000"/>
+              </a:lnSpc>
+              <a:spcBef>
+                <a:spcPts val="500"/>
+              </a:spcBef>
+              <a:buFont typeface="Arial" panose="020B0604020202020204" pitchFamily="34" charset="0"/>
+              <a:buNone/>
+              <a:defRPr sz="2000" kern="1200">
+                <a:solidFill>
+                  <a:schemeClr val="tx1"/>
+                </a:solidFill>
+                <a:latin typeface="+mn-lt"/>
+                <a:ea typeface="+mn-ea"/>
+                <a:cs typeface="+mn-cs"/>
+              </a:defRPr>
+            </a:lvl2pPr>
+            <a:lvl3pPr marL="914400" indent="0" algn="ctr" defTabSz="914400" rtl="0" eaLnBrk="1" latinLnBrk="0" hangingPunct="1">
+              <a:lnSpc>
+                <a:spcPct val="90000"/>
+              </a:lnSpc>
+              <a:spcBef>
+                <a:spcPts val="500"/>
+              </a:spcBef>
+              <a:buFont typeface="Arial" panose="020B0604020202020204" pitchFamily="34" charset="0"/>
+              <a:buNone/>
+              <a:defRPr sz="1800" kern="1200">
+                <a:solidFill>
+                  <a:schemeClr val="tx1"/>
+                </a:solidFill>
+                <a:latin typeface="+mn-lt"/>
+                <a:ea typeface="+mn-ea"/>
+                <a:cs typeface="+mn-cs"/>
+              </a:defRPr>
+            </a:lvl3pPr>
+            <a:lvl4pPr marL="1371600" indent="0" algn="ctr" defTabSz="914400" rtl="0" eaLnBrk="1" latinLnBrk="0" hangingPunct="1">
+              <a:lnSpc>
+                <a:spcPct val="90000"/>
+              </a:lnSpc>
+              <a:spcBef>
+                <a:spcPts val="500"/>
+              </a:spcBef>
+              <a:buFont typeface="Arial" panose="020B0604020202020204" pitchFamily="34" charset="0"/>
+              <a:buNone/>
+              <a:defRPr sz="1600" kern="1200">
+                <a:solidFill>
+                  <a:schemeClr val="tx1"/>
+                </a:solidFill>
+                <a:latin typeface="+mn-lt"/>
+                <a:ea typeface="+mn-ea"/>
+                <a:cs typeface="+mn-cs"/>
+              </a:defRPr>
+            </a:lvl4pPr>
+            <a:lvl5pPr marL="1828800" indent="0" algn="ctr" defTabSz="914400" rtl="0" eaLnBrk="1" latinLnBrk="0" hangingPunct="1">
+              <a:lnSpc>
+                <a:spcPct val="90000"/>
+              </a:lnSpc>
+              <a:spcBef>
+                <a:spcPts val="500"/>
+              </a:spcBef>
+              <a:buFont typeface="Arial" panose="020B0604020202020204" pitchFamily="34" charset="0"/>
+              <a:buNone/>
+              <a:defRPr sz="1600" kern="1200">
+                <a:solidFill>
+                  <a:schemeClr val="tx1"/>
+                </a:solidFill>
+                <a:latin typeface="+mn-lt"/>
+                <a:ea typeface="+mn-ea"/>
+                <a:cs typeface="+mn-cs"/>
+              </a:defRPr>
+            </a:lvl5pPr>
+            <a:lvl6pPr marL="2286000" indent="0" algn="ctr" defTabSz="914400" rtl="0" eaLnBrk="1" latinLnBrk="0" hangingPunct="1">
+              <a:lnSpc>
+                <a:spcPct val="90000"/>
+              </a:lnSpc>
+              <a:spcBef>
+                <a:spcPts val="500"/>
+              </a:spcBef>
+              <a:buFont typeface="Arial" panose="020B0604020202020204" pitchFamily="34" charset="0"/>
+              <a:buNone/>
+              <a:defRPr sz="1600" kern="1200">
+                <a:solidFill>
+                  <a:schemeClr val="tx1"/>
+                </a:solidFill>
+                <a:latin typeface="+mn-lt"/>
+                <a:ea typeface="+mn-ea"/>
+                <a:cs typeface="+mn-cs"/>
+              </a:defRPr>
+            </a:lvl6pPr>
+            <a:lvl7pPr marL="2743200" indent="0" algn="ctr" defTabSz="914400" rtl="0" eaLnBrk="1" latinLnBrk="0" hangingPunct="1">
+              <a:lnSpc>
+                <a:spcPct val="90000"/>
+              </a:lnSpc>
+              <a:spcBef>
+                <a:spcPts val="500"/>
+              </a:spcBef>
+              <a:buFont typeface="Arial" panose="020B0604020202020204" pitchFamily="34" charset="0"/>
+              <a:buNone/>
+              <a:defRPr sz="1600" kern="1200">
+                <a:solidFill>
+                  <a:schemeClr val="tx1"/>
+                </a:solidFill>
+                <a:latin typeface="+mn-lt"/>
+                <a:ea typeface="+mn-ea"/>
+                <a:cs typeface="+mn-cs"/>
+              </a:defRPr>
+            </a:lvl7pPr>
+            <a:lvl8pPr marL="3200400" indent="0" algn="ctr" defTabSz="914400" rtl="0" eaLnBrk="1" latinLnBrk="0" hangingPunct="1">
+              <a:lnSpc>
+                <a:spcPct val="90000"/>
+              </a:lnSpc>
+              <a:spcBef>
+                <a:spcPts val="500"/>
+              </a:spcBef>
+              <a:buFont typeface="Arial" panose="020B0604020202020204" pitchFamily="34" charset="0"/>
+              <a:buNone/>
+              <a:defRPr sz="1600" kern="1200">
+                <a:solidFill>
+                  <a:schemeClr val="tx1"/>
+                </a:solidFill>
+                <a:latin typeface="+mn-lt"/>
+                <a:ea typeface="+mn-ea"/>
+                <a:cs typeface="+mn-cs"/>
+              </a:defRPr>
+            </a:lvl8pPr>
+            <a:lvl9pPr marL="3657600" indent="0" algn="ctr" defTabSz="914400" rtl="0" eaLnBrk="1" latinLnBrk="0" hangingPunct="1">
+              <a:lnSpc>
+                <a:spcPct val="90000"/>
+              </a:lnSpc>
+              <a:spcBef>
+                <a:spcPts val="500"/>
+              </a:spcBef>
+              <a:buFont typeface="Arial" panose="020B0604020202020204" pitchFamily="34" charset="0"/>
+              <a:buNone/>
+              <a:defRPr sz="1600" kern="1200">
+                <a:solidFill>
+                  <a:schemeClr val="tx1"/>
+                </a:solidFill>
+                <a:latin typeface="+mn-lt"/>
+                <a:ea typeface="+mn-ea"/>
+                <a:cs typeface="+mn-cs"/>
+              </a:defRPr>
+            </a:lvl9pPr>
+          </a:lstStyle>
+          <a:p>
+            <a:pPr marL="342900" indent="-342900" algn="l">
+              <a:buFontTx/>
+              <a:buChar char="-"/>
+            </a:pPr>
             <a:r>
               <a:rPr lang="nl-NL" dirty="0">
                 <a:solidFill>
                   <a:schemeClr val="bg1"/>
                 </a:solidFill>
               </a:rPr>
-              <a:t> </a:t>
-            </a:r>
-            <a:r>
-              <a:rPr lang="nl-NL" dirty="0" err="1">
-                <a:solidFill>
-                  <a:schemeClr val="bg1"/>
-                </a:solidFill>
-              </a:rPr>
-              <a:t>Pattern</a:t>
-            </a:r>
+              <a:t>Context classes mappen</a:t>
+            </a:r>
+          </a:p>
+          <a:p>
+            <a:pPr marL="342900" indent="-342900" algn="l">
+              <a:buFontTx/>
+              <a:buChar char="-"/>
+            </a:pPr>
             <a:endParaRPr lang="nl-NL" dirty="0">
               <a:solidFill>
                 <a:schemeClr val="bg1"/>
               </a:solidFill>
             </a:endParaRPr>
           </a:p>
-        </p:txBody>
-      </p:sp>
+          <a:p>
+            <a:pPr marL="342900" indent="-342900" algn="l">
+              <a:buFontTx/>
+              <a:buChar char="-"/>
+            </a:pPr>
+            <a:r>
+              <a:rPr lang="nl-NL" dirty="0" err="1">
+                <a:solidFill>
+                  <a:schemeClr val="bg1"/>
+                </a:solidFill>
+              </a:rPr>
+              <a:t>Entity</a:t>
+            </a:r>
+            <a:endParaRPr lang="nl-NL" dirty="0">
+              <a:solidFill>
+                <a:schemeClr val="bg1"/>
+              </a:solidFill>
+            </a:endParaRPr>
+          </a:p>
+          <a:p>
+            <a:pPr marL="342900" indent="-342900" algn="l">
+              <a:buFontTx/>
+              <a:buChar char="-"/>
+            </a:pPr>
+            <a:endParaRPr lang="nl-NL" dirty="0">
+              <a:solidFill>
+                <a:schemeClr val="bg1"/>
+              </a:solidFill>
+            </a:endParaRPr>
+          </a:p>
+          <a:p>
+            <a:pPr marL="342900" indent="-342900" algn="l">
+              <a:buFontTx/>
+              <a:buChar char="-"/>
+            </a:pPr>
+            <a:r>
+              <a:rPr lang="nl-NL" dirty="0" err="1">
+                <a:solidFill>
+                  <a:schemeClr val="bg1"/>
+                </a:solidFill>
+              </a:rPr>
+              <a:t>DbSet</a:t>
+            </a:r>
+            <a:r>
+              <a:rPr lang="nl-NL" dirty="0">
+                <a:solidFill>
+                  <a:schemeClr val="bg1"/>
+                </a:solidFill>
+              </a:rPr>
+              <a:t>&lt;</a:t>
+            </a:r>
+            <a:r>
+              <a:rPr lang="nl-NL" dirty="0" err="1">
+                <a:solidFill>
+                  <a:schemeClr val="bg1"/>
+                </a:solidFill>
+              </a:rPr>
+              <a:t>Entity</a:t>
+            </a:r>
+            <a:r>
+              <a:rPr lang="nl-NL" dirty="0">
+                <a:solidFill>
+                  <a:schemeClr val="bg1"/>
+                </a:solidFill>
+              </a:rPr>
+              <a:t>&gt;</a:t>
+            </a:r>
+          </a:p>
+          <a:p>
+            <a:pPr marL="342900" indent="-342900" algn="l">
+              <a:buFontTx/>
+              <a:buChar char="-"/>
+            </a:pPr>
+            <a:endParaRPr lang="nl-NL" dirty="0">
+              <a:solidFill>
+                <a:schemeClr val="bg1"/>
+              </a:solidFill>
+            </a:endParaRPr>
+          </a:p>
+          <a:p>
+            <a:endParaRPr lang="nl-NL" dirty="0">
+              <a:solidFill>
+                <a:schemeClr val="bg1"/>
+              </a:solidFill>
+            </a:endParaRPr>
+          </a:p>
+        </p:txBody>
+      </p:sp>
+      <p:sp>
+        <p:nvSpPr>
+          <p:cNvPr id="10" name="Titel 1">
+            <a:extLst>
+              <a:ext uri="{FF2B5EF4-FFF2-40B4-BE49-F238E27FC236}">
+                <a16:creationId xmlns:a16="http://schemas.microsoft.com/office/drawing/2014/main" id="{F5A54F81-B54C-4D4D-BD79-C7DB99EFF519}"/>
+              </a:ext>
+            </a:extLst>
+          </p:cNvPr>
+          <p:cNvSpPr>
+            <a:spLocks noGrp="1"/>
+          </p:cNvSpPr>
+          <p:nvPr>
+            <p:ph type="ctrTitle"/>
+          </p:nvPr>
+        </p:nvSpPr>
+        <p:spPr>
+          <a:xfrm>
+            <a:off x="1524000" y="1122363"/>
+            <a:ext cx="9144000" cy="137270"/>
+          </a:xfrm>
+        </p:spPr>
+        <p:txBody>
+          <a:bodyPr>
+            <a:noAutofit/>
+          </a:bodyPr>
+          <a:lstStyle/>
+          <a:p>
+            <a:r>
+              <a:rPr lang="nl-NL" sz="3600" dirty="0">
+                <a:solidFill>
+                  <a:schemeClr val="bg1"/>
+                </a:solidFill>
+              </a:rPr>
+              <a:t>Hoe werkt het </a:t>
+            </a:r>
+            <a:r>
+              <a:rPr lang="nl-NL" sz="3600" dirty="0" err="1">
+                <a:solidFill>
+                  <a:schemeClr val="bg1"/>
+                </a:solidFill>
+              </a:rPr>
+              <a:t>Entity</a:t>
+            </a:r>
+            <a:r>
+              <a:rPr lang="nl-NL" sz="3600" dirty="0">
+                <a:solidFill>
+                  <a:schemeClr val="bg1"/>
+                </a:solidFill>
+              </a:rPr>
+              <a:t> Framework</a:t>
+            </a:r>
+          </a:p>
+        </p:txBody>
+      </p:sp>
+      <p:pic>
+        <p:nvPicPr>
+          <p:cNvPr id="3" name="Afbeelding 2">
+            <a:extLst>
+              <a:ext uri="{FF2B5EF4-FFF2-40B4-BE49-F238E27FC236}">
+                <a16:creationId xmlns:a16="http://schemas.microsoft.com/office/drawing/2014/main" id="{BE5D99FD-5DCC-419B-A5D5-0F53B3EB8072}"/>
+              </a:ext>
+            </a:extLst>
+          </p:cNvPr>
+          <p:cNvPicPr>
+            <a:picLocks noChangeAspect="1"/>
+          </p:cNvPicPr>
+          <p:nvPr/>
+        </p:nvPicPr>
+        <p:blipFill>
+          <a:blip r:embed="rId3">
+            <a:extLst>
+              <a:ext uri="{28A0092B-C50C-407E-A947-70E740481C1C}">
+                <a14:useLocalDpi xmlns:a14="http://schemas.microsoft.com/office/drawing/2010/main" val="0"/>
+              </a:ext>
+            </a:extLst>
+          </a:blip>
+          <a:stretch>
+            <a:fillRect/>
+          </a:stretch>
+        </p:blipFill>
+        <p:spPr>
+          <a:xfrm>
+            <a:off x="6581775" y="2548462"/>
+            <a:ext cx="4848225" cy="1743075"/>
+          </a:xfrm>
+          <a:prstGeom prst="rect">
+            <a:avLst/>
+          </a:prstGeom>
+        </p:spPr>
+      </p:pic>
     </p:spTree>
     <p:extLst>
       <p:ext uri="{BB962C8B-B14F-4D97-AF65-F5344CB8AC3E}">
-        <p14:creationId xmlns:p14="http://schemas.microsoft.com/office/powerpoint/2010/main" val="1437376380"/>
+        <p14:creationId xmlns:p14="http://schemas.microsoft.com/office/powerpoint/2010/main" val="923178870"/>
       </p:ext>
     </p:extLst>
   </p:cSld>
@@ -7285,7 +8477,7 @@
                   <a:schemeClr val="bg1"/>
                 </a:solidFill>
               </a:rPr>
-              <a:t>Voorkomt duplicatie data access logica</a:t>
+              <a:t>LINQ</a:t>
             </a:r>
           </a:p>
           <a:p>
@@ -7305,12 +8497,20 @@
               <a:buChar char="-"/>
             </a:pPr>
             <a:r>
+              <a:rPr lang="nl-NL" dirty="0" err="1">
+                <a:solidFill>
+                  <a:schemeClr val="bg1"/>
+                </a:solidFill>
+              </a:rPr>
+              <a:t>Conceptual</a:t>
+            </a:r>
+            <a:r>
               <a:rPr lang="nl-NL" dirty="0">
                 <a:solidFill>
                   <a:schemeClr val="bg1"/>
                 </a:solidFill>
               </a:rPr>
-              <a:t>Ontkoppelt applicatie van ORM</a:t>
+              <a:t> model</a:t>
             </a:r>
           </a:p>
           <a:p>
@@ -7318,6 +8518,28 @@
               <a:buFontTx/>
               <a:buChar char="-"/>
             </a:pPr>
+            <a:r>
+              <a:rPr lang="nl-NL" dirty="0">
+                <a:solidFill>
+                  <a:schemeClr val="bg1"/>
+                </a:solidFill>
+              </a:rPr>
+              <a:t>Storage model</a:t>
+            </a:r>
+          </a:p>
+          <a:p>
+            <a:pPr marL="342900" indent="-342900" algn="l">
+              <a:buFontTx/>
+              <a:buChar char="-"/>
+            </a:pPr>
+            <a:r>
+              <a:rPr lang="nl-NL" dirty="0" err="1">
+                <a:solidFill>
+                  <a:schemeClr val="bg1"/>
+                </a:solidFill>
+              </a:rPr>
+              <a:t>Mappings</a:t>
+            </a:r>
             <a:endParaRPr lang="nl-NL" dirty="0">
               <a:solidFill>
                 <a:schemeClr val="bg1"/>
@@ -7325,113 +8547,48 @@
             </a:endParaRPr>
           </a:p>
           <a:p>
-            <a:pPr marL="342900" indent="-342900" algn="l">
-              <a:buFontTx/>
-              <a:buChar char="-"/>
-            </a:pPr>
-            <a:r>
-              <a:rPr lang="nl-NL" dirty="0">
-                <a:solidFill>
-                  <a:schemeClr val="bg1"/>
-                </a:solidFill>
-              </a:rPr>
-              <a:t>Applicatie beter </a:t>
-            </a:r>
-            <a:r>
-              <a:rPr lang="nl-NL" dirty="0" err="1">
-                <a:solidFill>
-                  <a:schemeClr val="bg1"/>
-                </a:solidFill>
-              </a:rPr>
-              <a:t>testbaar</a:t>
-            </a:r>
             <a:endParaRPr lang="nl-NL" dirty="0">
               <a:solidFill>
                 <a:schemeClr val="bg1"/>
               </a:solidFill>
             </a:endParaRPr>
           </a:p>
-          <a:p>
-            <a:endParaRPr lang="nl-NL" dirty="0">
-              <a:solidFill>
-                <a:schemeClr val="bg1"/>
-              </a:solidFill>
-            </a:endParaRPr>
-          </a:p>
-        </p:txBody>
-      </p:sp>
-      <p:sp>
-        <p:nvSpPr>
-          <p:cNvPr id="10" name="Titel 1">
-            <a:extLst>
-              <a:ext uri="{FF2B5EF4-FFF2-40B4-BE49-F238E27FC236}">
-                <a16:creationId xmlns:a16="http://schemas.microsoft.com/office/drawing/2014/main" id="{F5A54F81-B54C-4D4D-BD79-C7DB99EFF519}"/>
-              </a:ext>
-            </a:extLst>
-          </p:cNvPr>
-          <p:cNvSpPr>
-            <a:spLocks noGrp="1"/>
-          </p:cNvSpPr>
-          <p:nvPr>
-            <p:ph type="ctrTitle"/>
-          </p:nvPr>
-        </p:nvSpPr>
+        </p:txBody>
+      </p:sp>
+      <p:pic>
+        <p:nvPicPr>
+          <p:cNvPr id="4" name="Afbeelding 3">
+            <a:extLst>
+              <a:ext uri="{FF2B5EF4-FFF2-40B4-BE49-F238E27FC236}">
+                <a16:creationId xmlns:a16="http://schemas.microsoft.com/office/drawing/2014/main" id="{3DA69691-1E83-4A53-AC23-4BC33E36A145}"/>
+              </a:ext>
+            </a:extLst>
+          </p:cNvPr>
+          <p:cNvPicPr>
+            <a:picLocks noChangeAspect="1"/>
+          </p:cNvPicPr>
+          <p:nvPr/>
+        </p:nvPicPr>
+        <p:blipFill>
+          <a:blip r:embed="rId3"/>
+          <a:stretch>
+            <a:fillRect/>
+          </a:stretch>
+        </p:blipFill>
         <p:spPr>
           <a:xfrm>
-            <a:off x="1524000" y="1122363"/>
-            <a:ext cx="9144000" cy="137270"/>
+            <a:off x="5234670" y="1431957"/>
+            <a:ext cx="6305978" cy="3994086"/>
           </a:xfrm>
+          <a:prstGeom prst="rect">
+            <a:avLst/>
+          </a:prstGeom>
         </p:spPr>
-        <p:txBody>
-          <a:bodyPr>
-            <a:noAutofit/>
-          </a:bodyPr>
-          <a:lstStyle/>
-          <a:p>
-            <a:r>
-              <a:rPr lang="nl-NL" sz="3600" dirty="0">
-                <a:solidFill>
-                  <a:schemeClr val="bg1"/>
-                </a:solidFill>
-              </a:rPr>
-              <a:t>Wat is het </a:t>
-            </a:r>
-            <a:r>
-              <a:rPr lang="nl-NL" sz="3600" dirty="0" err="1">
-                <a:solidFill>
-                  <a:schemeClr val="bg1"/>
-                </a:solidFill>
-              </a:rPr>
-              <a:t>Repository</a:t>
-            </a:r>
-            <a:r>
-              <a:rPr lang="nl-NL" sz="3600" dirty="0">
-                <a:solidFill>
-                  <a:schemeClr val="bg1"/>
-                </a:solidFill>
-              </a:rPr>
-              <a:t> </a:t>
-            </a:r>
-            <a:r>
-              <a:rPr lang="nl-NL" sz="3600" dirty="0" err="1">
-                <a:solidFill>
-                  <a:schemeClr val="bg1"/>
-                </a:solidFill>
-              </a:rPr>
-              <a:t>Pattern</a:t>
-            </a:r>
-            <a:endParaRPr lang="nl-NL" sz="3600" dirty="0">
-              <a:solidFill>
-                <a:schemeClr val="bg1"/>
-              </a:solidFill>
-            </a:endParaRPr>
-          </a:p>
-        </p:txBody>
-      </p:sp>
+      </p:pic>
     </p:spTree>
     <p:extLst>
       <p:ext uri="{BB962C8B-B14F-4D97-AF65-F5344CB8AC3E}">
-        <p14:creationId xmlns:p14="http://schemas.microsoft.com/office/powerpoint/2010/main" val="2679252519"/>
+        <p14:creationId xmlns:p14="http://schemas.microsoft.com/office/powerpoint/2010/main" val="615585785"/>
       </p:ext>
     </p:extLst>
   </p:cSld>
@@ -7504,10 +8661,65 @@
       </p:pic>
       <p:sp>
         <p:nvSpPr>
-          <p:cNvPr id="7" name="Ondertitel 2">
-            <a:extLst>
-              <a:ext uri="{FF2B5EF4-FFF2-40B4-BE49-F238E27FC236}">
-                <a16:creationId xmlns:a16="http://schemas.microsoft.com/office/drawing/2014/main" id="{C8A7217A-CA09-4F92-BB8B-040FAE5EF125}"/>
+          <p:cNvPr id="10" name="Titel 1">
+            <a:extLst>
+              <a:ext uri="{FF2B5EF4-FFF2-40B4-BE49-F238E27FC236}">
+                <a16:creationId xmlns:a16="http://schemas.microsoft.com/office/drawing/2014/main" id="{F5A54F81-B54C-4D4D-BD79-C7DB99EFF519}"/>
+              </a:ext>
+            </a:extLst>
+          </p:cNvPr>
+          <p:cNvSpPr>
+            <a:spLocks noGrp="1"/>
+          </p:cNvSpPr>
+          <p:nvPr>
+            <p:ph type="ctrTitle"/>
+          </p:nvPr>
+        </p:nvSpPr>
+        <p:spPr>
+          <a:xfrm>
+            <a:off x="1524000" y="1122363"/>
+            <a:ext cx="9144000" cy="137270"/>
+          </a:xfrm>
+        </p:spPr>
+        <p:txBody>
+          <a:bodyPr>
+            <a:noAutofit/>
+          </a:bodyPr>
+          <a:lstStyle/>
+          <a:p>
+            <a:r>
+              <a:rPr lang="nl-NL" sz="3600" dirty="0">
+                <a:solidFill>
+                  <a:schemeClr val="bg1"/>
+                </a:solidFill>
+              </a:rPr>
+              <a:t>Workshop </a:t>
+            </a:r>
+            <a:r>
+              <a:rPr lang="nl-NL" sz="3600" dirty="0" err="1">
+                <a:solidFill>
+                  <a:schemeClr val="bg1"/>
+                </a:solidFill>
+              </a:rPr>
+              <a:t>Entity</a:t>
+            </a:r>
+            <a:r>
+              <a:rPr lang="nl-NL" sz="3600" dirty="0">
+                <a:solidFill>
+                  <a:schemeClr val="bg1"/>
+                </a:solidFill>
+              </a:rPr>
+              <a:t> Framework</a:t>
+            </a:r>
+          </a:p>
+        </p:txBody>
+      </p:sp>
+      <p:sp>
+        <p:nvSpPr>
+          <p:cNvPr id="4" name="Ondertitel 2">
+            <a:extLst>
+              <a:ext uri="{FF2B5EF4-FFF2-40B4-BE49-F238E27FC236}">
+                <a16:creationId xmlns:a16="http://schemas.microsoft.com/office/drawing/2014/main" id="{E95FCFA9-8A95-4489-9969-28601EEAE3F7}"/>
               </a:ext>
             </a:extLst>
           </p:cNvPr>
@@ -7694,167 +8906,35 @@
             </a:lvl9pPr>
           </a:lstStyle>
           <a:p>
-            <a:pPr algn="l"/>
-            <a:r>
-              <a:rPr lang="nl-NL" dirty="0">
-                <a:solidFill>
-                  <a:schemeClr val="bg1"/>
-                </a:solidFill>
-              </a:rPr>
-              <a:t>-    Een extra abstracte laag over de data access laag (</a:t>
-            </a:r>
-            <a:r>
-              <a:rPr lang="nl-NL" dirty="0" err="1">
-                <a:solidFill>
-                  <a:schemeClr val="bg1"/>
-                </a:solidFill>
-              </a:rPr>
-              <a:t>Entity</a:t>
-            </a:r>
-            <a:r>
-              <a:rPr lang="nl-NL" dirty="0">
-                <a:solidFill>
-                  <a:schemeClr val="bg1"/>
-                </a:solidFill>
-              </a:rPr>
-              <a:t> Framework) </a:t>
-            </a:r>
-          </a:p>
-          <a:p>
-            <a:pPr marL="342900" indent="-342900" algn="l">
-              <a:buFontTx/>
-              <a:buChar char="-"/>
-            </a:pPr>
-            <a:r>
-              <a:rPr lang="nl-NL" dirty="0">
-                <a:solidFill>
-                  <a:schemeClr val="bg1"/>
-                </a:solidFill>
-              </a:rPr>
-              <a:t>ORM kan gemakkelijk vervangen worden</a:t>
-            </a:r>
-          </a:p>
-          <a:p>
-            <a:pPr marL="342900" indent="-342900" algn="l">
-              <a:buFontTx/>
-              <a:buChar char="-"/>
-            </a:pPr>
             <a:endParaRPr lang="nl-NL" dirty="0">
               <a:solidFill>
                 <a:schemeClr val="bg1"/>
               </a:solidFill>
             </a:endParaRPr>
           </a:p>
-        </p:txBody>
-      </p:sp>
-      <p:sp>
-        <p:nvSpPr>
-          <p:cNvPr id="10" name="Titel 1">
-            <a:extLst>
-              <a:ext uri="{FF2B5EF4-FFF2-40B4-BE49-F238E27FC236}">
-                <a16:creationId xmlns:a16="http://schemas.microsoft.com/office/drawing/2014/main" id="{F5A54F81-B54C-4D4D-BD79-C7DB99EFF519}"/>
-              </a:ext>
-            </a:extLst>
-          </p:cNvPr>
-          <p:cNvSpPr>
-            <a:spLocks noGrp="1"/>
-          </p:cNvSpPr>
-          <p:nvPr>
-            <p:ph type="ctrTitle"/>
-          </p:nvPr>
-        </p:nvSpPr>
-        <p:spPr>
-          <a:xfrm>
-            <a:off x="1524000" y="1122363"/>
-            <a:ext cx="9144000" cy="137270"/>
-          </a:xfrm>
-        </p:spPr>
-        <p:txBody>
-          <a:bodyPr>
-            <a:noAutofit/>
-          </a:bodyPr>
-          <a:lstStyle/>
-          <a:p>
-            <a:r>
-              <a:rPr lang="nl-NL" sz="3600" dirty="0">
-                <a:solidFill>
-                  <a:schemeClr val="bg1"/>
-                </a:solidFill>
-              </a:rPr>
-              <a:t>Hoe werkt het </a:t>
-            </a:r>
-            <a:r>
-              <a:rPr lang="nl-NL" sz="3600" dirty="0" err="1">
-                <a:solidFill>
-                  <a:schemeClr val="bg1"/>
-                </a:solidFill>
-              </a:rPr>
-              <a:t>Repository</a:t>
-            </a:r>
-            <a:r>
-              <a:rPr lang="nl-NL" sz="3600" dirty="0">
-                <a:solidFill>
-                  <a:schemeClr val="bg1"/>
-                </a:solidFill>
-              </a:rPr>
-              <a:t> </a:t>
-            </a:r>
-            <a:r>
-              <a:rPr lang="nl-NL" sz="3600" dirty="0" err="1">
-                <a:solidFill>
-                  <a:schemeClr val="bg1"/>
-                </a:solidFill>
-              </a:rPr>
-              <a:t>Pattern</a:t>
-            </a:r>
-            <a:endParaRPr lang="nl-NL" sz="3600" dirty="0">
+          <a:p>
+            <a:endParaRPr lang="nl-NL" dirty="0">
               <a:solidFill>
                 <a:schemeClr val="bg1"/>
               </a:solidFill>
             </a:endParaRPr>
           </a:p>
-        </p:txBody>
-      </p:sp>
-      <p:pic>
-        <p:nvPicPr>
-          <p:cNvPr id="4" name="Afbeelding 3">
-            <a:extLst>
-              <a:ext uri="{FF2B5EF4-FFF2-40B4-BE49-F238E27FC236}">
-                <a16:creationId xmlns:a16="http://schemas.microsoft.com/office/drawing/2014/main" id="{9E16554D-B87D-4077-A250-FFD08F2DB3E1}"/>
-              </a:ext>
-            </a:extLst>
-          </p:cNvPr>
-          <p:cNvPicPr>
-            <a:picLocks noChangeAspect="1"/>
-          </p:cNvPicPr>
-          <p:nvPr/>
-        </p:nvPicPr>
-        <p:blipFill>
-          <a:blip r:embed="rId3">
-            <a:extLst>
-              <a:ext uri="{28A0092B-C50C-407E-A947-70E740481C1C}">
-                <a14:useLocalDpi xmlns:a14="http://schemas.microsoft.com/office/drawing/2010/main" val="0"/>
-              </a:ext>
-            </a:extLst>
-          </a:blip>
-          <a:stretch>
-            <a:fillRect/>
-          </a:stretch>
-        </p:blipFill>
-        <p:spPr>
-          <a:xfrm>
-            <a:off x="1386413" y="3228552"/>
-            <a:ext cx="9428548" cy="3349805"/>
-          </a:xfrm>
-          <a:prstGeom prst="rect">
-            <a:avLst/>
-          </a:prstGeom>
-        </p:spPr>
-      </p:pic>
+          <a:p>
+            <a:r>
+              <a:rPr lang="nl-NL" sz="4000" dirty="0">
+                <a:solidFill>
+                  <a:schemeClr val="bg1"/>
+                </a:solidFill>
+              </a:rPr>
+              <a:t>http://tiny.cc/EntityWorkshop</a:t>
+            </a:r>
+          </a:p>
+        </p:txBody>
+      </p:sp>
     </p:spTree>
     <p:extLst>
       <p:ext uri="{BB962C8B-B14F-4D97-AF65-F5344CB8AC3E}">
-        <p14:creationId xmlns:p14="http://schemas.microsoft.com/office/powerpoint/2010/main" val="3356779962"/>
+        <p14:creationId xmlns:p14="http://schemas.microsoft.com/office/powerpoint/2010/main" val="393157219"/>
       </p:ext>
     </p:extLst>
   </p:cSld>
@@ -7889,6 +8969,31 @@
           <a:chExt cx="0" cy="0"/>
         </a:xfrm>
       </p:grpSpPr>
+      <p:sp>
+        <p:nvSpPr>
+          <p:cNvPr id="3" name="Ondertitel 2">
+            <a:extLst>
+              <a:ext uri="{FF2B5EF4-FFF2-40B4-BE49-F238E27FC236}">
+                <a16:creationId xmlns:a16="http://schemas.microsoft.com/office/drawing/2014/main" id="{E33BA47F-E0B6-48B8-9B6E-CE089A774A2F}"/>
+              </a:ext>
+            </a:extLst>
+          </p:cNvPr>
+          <p:cNvSpPr>
+            <a:spLocks noGrp="1"/>
+          </p:cNvSpPr>
+          <p:nvPr>
+            <p:ph type="subTitle" idx="1"/>
+          </p:nvPr>
+        </p:nvSpPr>
+        <p:spPr/>
+        <p:txBody>
+          <a:bodyPr/>
+          <a:lstStyle/>
+          <a:p>
+            <a:endParaRPr lang="nl-NL"/>
+          </a:p>
+        </p:txBody>
+      </p:sp>
       <p:pic>
         <p:nvPicPr>
           <p:cNvPr id="6" name="Afbeelding 5">
@@ -7927,10 +9032,10 @@
       </p:pic>
       <p:sp>
         <p:nvSpPr>
-          <p:cNvPr id="10" name="Titel 1">
-            <a:extLst>
-              <a:ext uri="{FF2B5EF4-FFF2-40B4-BE49-F238E27FC236}">
-                <a16:creationId xmlns:a16="http://schemas.microsoft.com/office/drawing/2014/main" id="{F5A54F81-B54C-4D4D-BD79-C7DB99EFF519}"/>
+          <p:cNvPr id="2" name="Titel 1">
+            <a:extLst>
+              <a:ext uri="{FF2B5EF4-FFF2-40B4-BE49-F238E27FC236}">
+                <a16:creationId xmlns:a16="http://schemas.microsoft.com/office/drawing/2014/main" id="{D3C07CC0-B426-4FA1-ACA6-C10A83758EA0}"/>
               </a:ext>
             </a:extLst>
           </p:cNvPr>
@@ -7941,28 +9046,13 @@
             <p:ph type="ctrTitle"/>
           </p:nvPr>
         </p:nvSpPr>
-        <p:spPr>
-          <a:xfrm>
-            <a:off x="1524000" y="1122363"/>
-            <a:ext cx="9144000" cy="137270"/>
-          </a:xfrm>
-        </p:spPr>
-        <p:txBody>
-          <a:bodyPr>
-            <a:noAutofit/>
-          </a:bodyPr>
+        <p:spPr/>
+        <p:txBody>
+          <a:bodyPr/>
           <a:lstStyle/>
           <a:p>
             <a:r>
-              <a:rPr lang="nl-NL" sz="3600" dirty="0">
-                <a:solidFill>
-                  <a:schemeClr val="bg1"/>
-                </a:solidFill>
-              </a:rPr>
-              <a:t>Workshop </a:t>
-            </a:r>
-            <a:r>
-              <a:rPr lang="nl-NL" sz="3600" dirty="0" err="1">
+              <a:rPr lang="nl-NL" dirty="0" err="1">
                 <a:solidFill>
                   <a:schemeClr val="bg1"/>
                 </a:solidFill>
@@ -7970,7 +9060,7 @@
               <a:t>Repository</a:t>
             </a:r>
             <a:r>
-              <a:rPr lang="nl-NL" sz="3600" dirty="0">
+              <a:rPr lang="nl-NL" dirty="0">
                 <a:solidFill>
                   <a:schemeClr val="bg1"/>
                 </a:solidFill>
@@ -7978,242 +9068,25 @@
               <a:t> </a:t>
             </a:r>
             <a:r>
-              <a:rPr lang="nl-NL" sz="3600" dirty="0" err="1">
+              <a:rPr lang="nl-NL" dirty="0" err="1">
                 <a:solidFill>
                   <a:schemeClr val="bg1"/>
                 </a:solidFill>
               </a:rPr>
               <a:t>Pattern</a:t>
             </a:r>
-            <a:endParaRPr lang="nl-NL" sz="3600" dirty="0">
-              <a:solidFill>
-                <a:schemeClr val="bg1"/>
-              </a:solidFill>
-            </a:endParaRPr>
-          </a:p>
-        </p:txBody>
-      </p:sp>
-      <p:sp>
-        <p:nvSpPr>
-          <p:cNvPr id="8" name="Ondertitel 2">
-            <a:extLst>
-              <a:ext uri="{FF2B5EF4-FFF2-40B4-BE49-F238E27FC236}">
-                <a16:creationId xmlns:a16="http://schemas.microsoft.com/office/drawing/2014/main" id="{FE99BAE3-324F-4920-97B9-054AF50D2EAD}"/>
-              </a:ext>
-            </a:extLst>
-          </p:cNvPr>
-          <p:cNvSpPr txBox="1">
-            <a:spLocks/>
-          </p:cNvSpPr>
-          <p:nvPr/>
-        </p:nvSpPr>
-        <p:spPr>
-          <a:xfrm>
-            <a:off x="1524000" y="2127380"/>
-            <a:ext cx="9144000" cy="3107093"/>
-          </a:xfrm>
-          <a:prstGeom prst="rect">
-            <a:avLst/>
-          </a:prstGeom>
-        </p:spPr>
-        <p:txBody>
-          <a:bodyPr vert="horz" lIns="91440" tIns="45720" rIns="91440" bIns="45720" rtlCol="0">
-            <a:normAutofit/>
-          </a:bodyPr>
-          <a:lstStyle>
-            <a:lvl1pPr marL="0" indent="0" algn="ctr" defTabSz="914400" rtl="0" eaLnBrk="1" latinLnBrk="0" hangingPunct="1">
-              <a:lnSpc>
-                <a:spcPct val="90000"/>
-              </a:lnSpc>
-              <a:spcBef>
-                <a:spcPts val="1000"/>
-              </a:spcBef>
-              <a:buFont typeface="Arial" panose="020B0604020202020204" pitchFamily="34" charset="0"/>
-              <a:buNone/>
-              <a:defRPr sz="2400" kern="1200">
-                <a:solidFill>
-                  <a:schemeClr val="tx1"/>
-                </a:solidFill>
-                <a:latin typeface="+mn-lt"/>
-                <a:ea typeface="+mn-ea"/>
-                <a:cs typeface="+mn-cs"/>
-              </a:defRPr>
-            </a:lvl1pPr>
-            <a:lvl2pPr marL="457200" indent="0" algn="ctr" defTabSz="914400" rtl="0" eaLnBrk="1" latinLnBrk="0" hangingPunct="1">
-              <a:lnSpc>
-                <a:spcPct val="90000"/>
-              </a:lnSpc>
-              <a:spcBef>
-                <a:spcPts val="500"/>
-              </a:spcBef>
-              <a:buFont typeface="Arial" panose="020B0604020202020204" pitchFamily="34" charset="0"/>
-              <a:buNone/>
-              <a:defRPr sz="2000" kern="1200">
-                <a:solidFill>
-                  <a:schemeClr val="tx1"/>
-                </a:solidFill>
-                <a:latin typeface="+mn-lt"/>
-                <a:ea typeface="+mn-ea"/>
-                <a:cs typeface="+mn-cs"/>
-              </a:defRPr>
-            </a:lvl2pPr>
-            <a:lvl3pPr marL="914400" indent="0" algn="ctr" defTabSz="914400" rtl="0" eaLnBrk="1" latinLnBrk="0" hangingPunct="1">
-              <a:lnSpc>
-                <a:spcPct val="90000"/>
-              </a:lnSpc>
-              <a:spcBef>
-                <a:spcPts val="500"/>
-              </a:spcBef>
-              <a:buFont typeface="Arial" panose="020B0604020202020204" pitchFamily="34" charset="0"/>
-              <a:buNone/>
-              <a:defRPr sz="1800" kern="1200">
-                <a:solidFill>
-                  <a:schemeClr val="tx1"/>
-                </a:solidFill>
-                <a:latin typeface="+mn-lt"/>
-                <a:ea typeface="+mn-ea"/>
-                <a:cs typeface="+mn-cs"/>
-              </a:defRPr>
-            </a:lvl3pPr>
-            <a:lvl4pPr marL="1371600" indent="0" algn="ctr" defTabSz="914400" rtl="0" eaLnBrk="1" latinLnBrk="0" hangingPunct="1">
-              <a:lnSpc>
-                <a:spcPct val="90000"/>
-              </a:lnSpc>
-              <a:spcBef>
-                <a:spcPts val="500"/>
-              </a:spcBef>
-              <a:buFont typeface="Arial" panose="020B0604020202020204" pitchFamily="34" charset="0"/>
-              <a:buNone/>
-              <a:defRPr sz="1600" kern="1200">
-                <a:solidFill>
-                  <a:schemeClr val="tx1"/>
-                </a:solidFill>
-                <a:latin typeface="+mn-lt"/>
-                <a:ea typeface="+mn-ea"/>
-                <a:cs typeface="+mn-cs"/>
-              </a:defRPr>
-            </a:lvl4pPr>
-            <a:lvl5pPr marL="1828800" indent="0" algn="ctr" defTabSz="914400" rtl="0" eaLnBrk="1" latinLnBrk="0" hangingPunct="1">
-              <a:lnSpc>
-                <a:spcPct val="90000"/>
-              </a:lnSpc>
-              <a:spcBef>
-                <a:spcPts val="500"/>
-              </a:spcBef>
-              <a:buFont typeface="Arial" panose="020B0604020202020204" pitchFamily="34" charset="0"/>
-              <a:buNone/>
-              <a:defRPr sz="1600" kern="1200">
-                <a:solidFill>
-                  <a:schemeClr val="tx1"/>
-                </a:solidFill>
-                <a:latin typeface="+mn-lt"/>
-                <a:ea typeface="+mn-ea"/>
-                <a:cs typeface="+mn-cs"/>
-              </a:defRPr>
-            </a:lvl5pPr>
-            <a:lvl6pPr marL="2286000" indent="0" algn="ctr" defTabSz="914400" rtl="0" eaLnBrk="1" latinLnBrk="0" hangingPunct="1">
-              <a:lnSpc>
-                <a:spcPct val="90000"/>
-              </a:lnSpc>
-              <a:spcBef>
-                <a:spcPts val="500"/>
-              </a:spcBef>
-              <a:buFont typeface="Arial" panose="020B0604020202020204" pitchFamily="34" charset="0"/>
-              <a:buNone/>
-              <a:defRPr sz="1600" kern="1200">
-                <a:solidFill>
-                  <a:schemeClr val="tx1"/>
-                </a:solidFill>
-                <a:latin typeface="+mn-lt"/>
-                <a:ea typeface="+mn-ea"/>
-                <a:cs typeface="+mn-cs"/>
-              </a:defRPr>
-            </a:lvl6pPr>
-            <a:lvl7pPr marL="2743200" indent="0" algn="ctr" defTabSz="914400" rtl="0" eaLnBrk="1" latinLnBrk="0" hangingPunct="1">
-              <a:lnSpc>
-                <a:spcPct val="90000"/>
-              </a:lnSpc>
-              <a:spcBef>
-                <a:spcPts val="500"/>
-              </a:spcBef>
-              <a:buFont typeface="Arial" panose="020B0604020202020204" pitchFamily="34" charset="0"/>
-              <a:buNone/>
-              <a:defRPr sz="1600" kern="1200">
-                <a:solidFill>
-                  <a:schemeClr val="tx1"/>
-                </a:solidFill>
-                <a:latin typeface="+mn-lt"/>
-                <a:ea typeface="+mn-ea"/>
-                <a:cs typeface="+mn-cs"/>
-              </a:defRPr>
-            </a:lvl7pPr>
-            <a:lvl8pPr marL="3200400" indent="0" algn="ctr" defTabSz="914400" rtl="0" eaLnBrk="1" latinLnBrk="0" hangingPunct="1">
-              <a:lnSpc>
-                <a:spcPct val="90000"/>
-              </a:lnSpc>
-              <a:spcBef>
-                <a:spcPts val="500"/>
-              </a:spcBef>
-              <a:buFont typeface="Arial" panose="020B0604020202020204" pitchFamily="34" charset="0"/>
-              <a:buNone/>
-              <a:defRPr sz="1600" kern="1200">
-                <a:solidFill>
-                  <a:schemeClr val="tx1"/>
-                </a:solidFill>
-                <a:latin typeface="+mn-lt"/>
-                <a:ea typeface="+mn-ea"/>
-                <a:cs typeface="+mn-cs"/>
-              </a:defRPr>
-            </a:lvl8pPr>
-            <a:lvl9pPr marL="3657600" indent="0" algn="ctr" defTabSz="914400" rtl="0" eaLnBrk="1" latinLnBrk="0" hangingPunct="1">
-              <a:lnSpc>
-                <a:spcPct val="90000"/>
-              </a:lnSpc>
-              <a:spcBef>
-                <a:spcPts val="500"/>
-              </a:spcBef>
-              <a:buFont typeface="Arial" panose="020B0604020202020204" pitchFamily="34" charset="0"/>
-              <a:buNone/>
-              <a:defRPr sz="1600" kern="1200">
-                <a:solidFill>
-                  <a:schemeClr val="tx1"/>
-                </a:solidFill>
-                <a:latin typeface="+mn-lt"/>
-                <a:ea typeface="+mn-ea"/>
-                <a:cs typeface="+mn-cs"/>
-              </a:defRPr>
-            </a:lvl9pPr>
-          </a:lstStyle>
-          <a:p>
             <a:endParaRPr lang="nl-NL" dirty="0">
               <a:solidFill>
                 <a:schemeClr val="bg1"/>
               </a:solidFill>
             </a:endParaRPr>
           </a:p>
-          <a:p>
-            <a:endParaRPr lang="nl-NL" dirty="0">
-              <a:solidFill>
-                <a:schemeClr val="bg1"/>
-              </a:solidFill>
-            </a:endParaRPr>
-          </a:p>
-          <a:p>
-            <a:r>
-              <a:rPr lang="nl-NL" sz="4000" dirty="0">
-                <a:solidFill>
-                  <a:schemeClr val="bg1"/>
-                </a:solidFill>
-              </a:rPr>
-              <a:t>http://tiny.cc/RepositoryWorkshop</a:t>
-            </a:r>
-          </a:p>
         </p:txBody>
       </p:sp>
     </p:spTree>
     <p:extLst>
       <p:ext uri="{BB962C8B-B14F-4D97-AF65-F5344CB8AC3E}">
-        <p14:creationId xmlns:p14="http://schemas.microsoft.com/office/powerpoint/2010/main" val="3361551235"/>
+        <p14:creationId xmlns:p14="http://schemas.microsoft.com/office/powerpoint/2010/main" val="1437376380"/>
       </p:ext>
     </p:extLst>
   </p:cSld>

--- a/slides/Framework_presentatie.pptx
+++ b/slides/Framework_presentatie.pptx
@@ -6,8 +6,8 @@
   </p:sldMasterIdLst>
   <p:sldIdLst>
     <p:sldId id="277" r:id="rId2"/>
-    <p:sldId id="278" r:id="rId3"/>
-    <p:sldId id="279" r:id="rId4"/>
+    <p:sldId id="279" r:id="rId3"/>
+    <p:sldId id="278" r:id="rId4"/>
     <p:sldId id="256" r:id="rId5"/>
     <p:sldId id="264" r:id="rId6"/>
     <p:sldId id="265" r:id="rId7"/>
@@ -443,7 +443,7 @@
           <a:p>
             <a:fld id="{AD661F1D-CE94-482A-A334-E21065C3B5BF}" type="datetimeFigureOut">
               <a:rPr lang="nl-NL" smtClean="0"/>
-              <a:t>28-11-2019</a:t>
+              <a:t>29-11-2019</a:t>
             </a:fld>
             <a:endParaRPr lang="nl-NL"/>
           </a:p>
@@ -641,7 +641,7 @@
           <a:p>
             <a:fld id="{AD661F1D-CE94-482A-A334-E21065C3B5BF}" type="datetimeFigureOut">
               <a:rPr lang="nl-NL" smtClean="0"/>
-              <a:t>28-11-2019</a:t>
+              <a:t>29-11-2019</a:t>
             </a:fld>
             <a:endParaRPr lang="nl-NL"/>
           </a:p>
@@ -849,7 +849,7 @@
           <a:p>
             <a:fld id="{AD661F1D-CE94-482A-A334-E21065C3B5BF}" type="datetimeFigureOut">
               <a:rPr lang="nl-NL" smtClean="0"/>
-              <a:t>28-11-2019</a:t>
+              <a:t>29-11-2019</a:t>
             </a:fld>
             <a:endParaRPr lang="nl-NL"/>
           </a:p>
@@ -1047,7 +1047,7 @@
           <a:p>
             <a:fld id="{AD661F1D-CE94-482A-A334-E21065C3B5BF}" type="datetimeFigureOut">
               <a:rPr lang="nl-NL" smtClean="0"/>
-              <a:t>28-11-2019</a:t>
+              <a:t>29-11-2019</a:t>
             </a:fld>
             <a:endParaRPr lang="nl-NL"/>
           </a:p>
@@ -1322,7 +1322,7 @@
           <a:p>
             <a:fld id="{AD661F1D-CE94-482A-A334-E21065C3B5BF}" type="datetimeFigureOut">
               <a:rPr lang="nl-NL" smtClean="0"/>
-              <a:t>28-11-2019</a:t>
+              <a:t>29-11-2019</a:t>
             </a:fld>
             <a:endParaRPr lang="nl-NL"/>
           </a:p>
@@ -1587,7 +1587,7 @@
           <a:p>
             <a:fld id="{AD661F1D-CE94-482A-A334-E21065C3B5BF}" type="datetimeFigureOut">
               <a:rPr lang="nl-NL" smtClean="0"/>
-              <a:t>28-11-2019</a:t>
+              <a:t>29-11-2019</a:t>
             </a:fld>
             <a:endParaRPr lang="nl-NL"/>
           </a:p>
@@ -1999,7 +1999,7 @@
           <a:p>
             <a:fld id="{AD661F1D-CE94-482A-A334-E21065C3B5BF}" type="datetimeFigureOut">
               <a:rPr lang="nl-NL" smtClean="0"/>
-              <a:t>28-11-2019</a:t>
+              <a:t>29-11-2019</a:t>
             </a:fld>
             <a:endParaRPr lang="nl-NL"/>
           </a:p>
@@ -2140,7 +2140,7 @@
           <a:p>
             <a:fld id="{AD661F1D-CE94-482A-A334-E21065C3B5BF}" type="datetimeFigureOut">
               <a:rPr lang="nl-NL" smtClean="0"/>
-              <a:t>28-11-2019</a:t>
+              <a:t>29-11-2019</a:t>
             </a:fld>
             <a:endParaRPr lang="nl-NL"/>
           </a:p>
@@ -2253,7 +2253,7 @@
           <a:p>
             <a:fld id="{AD661F1D-CE94-482A-A334-E21065C3B5BF}" type="datetimeFigureOut">
               <a:rPr lang="nl-NL" smtClean="0"/>
-              <a:t>28-11-2019</a:t>
+              <a:t>29-11-2019</a:t>
             </a:fld>
             <a:endParaRPr lang="nl-NL"/>
           </a:p>
@@ -2564,7 +2564,7 @@
           <a:p>
             <a:fld id="{AD661F1D-CE94-482A-A334-E21065C3B5BF}" type="datetimeFigureOut">
               <a:rPr lang="nl-NL" smtClean="0"/>
-              <a:t>28-11-2019</a:t>
+              <a:t>29-11-2019</a:t>
             </a:fld>
             <a:endParaRPr lang="nl-NL"/>
           </a:p>
@@ -2852,7 +2852,7 @@
           <a:p>
             <a:fld id="{AD661F1D-CE94-482A-A334-E21065C3B5BF}" type="datetimeFigureOut">
               <a:rPr lang="nl-NL" smtClean="0"/>
-              <a:t>28-11-2019</a:t>
+              <a:t>29-11-2019</a:t>
             </a:fld>
             <a:endParaRPr lang="nl-NL"/>
           </a:p>
@@ -3093,7 +3093,7 @@
           <a:p>
             <a:fld id="{AD661F1D-CE94-482A-A334-E21065C3B5BF}" type="datetimeFigureOut">
               <a:rPr lang="nl-NL" smtClean="0"/>
-              <a:t>28-11-2019</a:t>
+              <a:t>29-11-2019</a:t>
             </a:fld>
             <a:endParaRPr lang="nl-NL"/>
           </a:p>
@@ -6388,36 +6388,6 @@
           <a:chExt cx="0" cy="0"/>
         </a:xfrm>
       </p:grpSpPr>
-      <p:sp>
-        <p:nvSpPr>
-          <p:cNvPr id="3" name="Ondertitel 2">
-            <a:extLst>
-              <a:ext uri="{FF2B5EF4-FFF2-40B4-BE49-F238E27FC236}">
-                <a16:creationId xmlns:a16="http://schemas.microsoft.com/office/drawing/2014/main" id="{E33BA47F-E0B6-48B8-9B6E-CE089A774A2F}"/>
-              </a:ext>
-            </a:extLst>
-          </p:cNvPr>
-          <p:cNvSpPr>
-            <a:spLocks noGrp="1"/>
-          </p:cNvSpPr>
-          <p:nvPr>
-            <p:ph type="subTitle" idx="1"/>
-          </p:nvPr>
-        </p:nvSpPr>
-        <p:spPr>
-          <a:xfrm>
-            <a:off x="1524000" y="3602038"/>
-            <a:ext cx="9144000" cy="1655762"/>
-          </a:xfrm>
-        </p:spPr>
-        <p:txBody>
-          <a:bodyPr/>
-          <a:lstStyle/>
-          <a:p>
-            <a:endParaRPr lang="nl-NL"/>
-          </a:p>
-        </p:txBody>
-      </p:sp>
       <p:pic>
         <p:nvPicPr>
           <p:cNvPr id="6" name="Afbeelding 5">
@@ -6456,71 +6426,202 @@
       </p:pic>
       <p:sp>
         <p:nvSpPr>
-          <p:cNvPr id="2" name="Titel 1">
-            <a:extLst>
-              <a:ext uri="{FF2B5EF4-FFF2-40B4-BE49-F238E27FC236}">
-                <a16:creationId xmlns:a16="http://schemas.microsoft.com/office/drawing/2014/main" id="{D3C07CC0-B426-4FA1-ACA6-C10A83758EA0}"/>
-              </a:ext>
-            </a:extLst>
-          </p:cNvPr>
-          <p:cNvSpPr>
-            <a:spLocks noGrp="1"/>
-          </p:cNvSpPr>
-          <p:nvPr>
-            <p:ph type="ctrTitle"/>
-          </p:nvPr>
+          <p:cNvPr id="7" name="Ondertitel 2">
+            <a:extLst>
+              <a:ext uri="{FF2B5EF4-FFF2-40B4-BE49-F238E27FC236}">
+                <a16:creationId xmlns:a16="http://schemas.microsoft.com/office/drawing/2014/main" id="{C8A7217A-CA09-4F92-BB8B-040FAE5EF125}"/>
+              </a:ext>
+            </a:extLst>
+          </p:cNvPr>
+          <p:cNvSpPr txBox="1">
+            <a:spLocks/>
+          </p:cNvSpPr>
+          <p:nvPr/>
         </p:nvSpPr>
         <p:spPr>
           <a:xfrm>
-            <a:off x="1524000" y="607219"/>
-            <a:ext cx="9144000" cy="2387600"/>
-          </a:xfrm>
-        </p:spPr>
-        <p:txBody>
-          <a:bodyPr/>
-          <a:lstStyle/>
-          <a:p>
-            <a:r>
-              <a:rPr lang="nl-NL" dirty="0">
-                <a:solidFill>
-                  <a:schemeClr val="bg1"/>
-                </a:solidFill>
-              </a:rPr>
-              <a:t>Doelen</a:t>
-            </a:r>
-          </a:p>
-        </p:txBody>
-      </p:sp>
-      <p:sp>
-        <p:nvSpPr>
-          <p:cNvPr id="4" name="Tekstvak 3">
-            <a:extLst>
-              <a:ext uri="{FF2B5EF4-FFF2-40B4-BE49-F238E27FC236}">
-                <a16:creationId xmlns:a16="http://schemas.microsoft.com/office/drawing/2014/main" id="{489E2ABD-4449-4674-9407-12EC98C5BA5D}"/>
-              </a:ext>
-            </a:extLst>
-          </p:cNvPr>
-          <p:cNvSpPr txBox="1"/>
-          <p:nvPr/>
-        </p:nvSpPr>
-        <p:spPr>
-          <a:xfrm>
-            <a:off x="1524000" y="3602038"/>
-            <a:ext cx="9144000" cy="1508105"/>
+            <a:off x="1524000" y="2127380"/>
+            <a:ext cx="9144000" cy="3107093"/>
           </a:xfrm>
           <a:prstGeom prst="rect">
             <a:avLst/>
           </a:prstGeom>
-          <a:noFill/>
         </p:spPr>
         <p:txBody>
-          <a:bodyPr wrap="square" rtlCol="0">
-            <a:spAutoFit/>
+          <a:bodyPr vert="horz" lIns="91440" tIns="45720" rIns="91440" bIns="45720" rtlCol="0">
+            <a:normAutofit/>
           </a:bodyPr>
-          <a:lstStyle/>
-          <a:p>
-            <a:r>
-              <a:rPr lang="nl-NL" sz="2000" dirty="0" err="1">
+          <a:lstStyle>
+            <a:lvl1pPr marL="0" indent="0" algn="ctr" defTabSz="914400" rtl="0" eaLnBrk="1" latinLnBrk="0" hangingPunct="1">
+              <a:lnSpc>
+                <a:spcPct val="90000"/>
+              </a:lnSpc>
+              <a:spcBef>
+                <a:spcPts val="1000"/>
+              </a:spcBef>
+              <a:buFont typeface="Arial" panose="020B0604020202020204" pitchFamily="34" charset="0"/>
+              <a:buNone/>
+              <a:defRPr sz="2400" kern="1200">
+                <a:solidFill>
+                  <a:schemeClr val="tx1"/>
+                </a:solidFill>
+                <a:latin typeface="+mn-lt"/>
+                <a:ea typeface="+mn-ea"/>
+                <a:cs typeface="+mn-cs"/>
+              </a:defRPr>
+            </a:lvl1pPr>
+            <a:lvl2pPr marL="457200" indent="0" algn="ctr" defTabSz="914400" rtl="0" eaLnBrk="1" latinLnBrk="0" hangingPunct="1">
+              <a:lnSpc>
+                <a:spcPct val="90000"/>
+              </a:lnSpc>
+              <a:spcBef>
+                <a:spcPts val="500"/>
+              </a:spcBef>
+              <a:buFont typeface="Arial" panose="020B0604020202020204" pitchFamily="34" charset="0"/>
+              <a:buNone/>
+              <a:defRPr sz="2000" kern="1200">
+                <a:solidFill>
+                  <a:schemeClr val="tx1"/>
+                </a:solidFill>
+                <a:latin typeface="+mn-lt"/>
+                <a:ea typeface="+mn-ea"/>
+                <a:cs typeface="+mn-cs"/>
+              </a:defRPr>
+            </a:lvl2pPr>
+            <a:lvl3pPr marL="914400" indent="0" algn="ctr" defTabSz="914400" rtl="0" eaLnBrk="1" latinLnBrk="0" hangingPunct="1">
+              <a:lnSpc>
+                <a:spcPct val="90000"/>
+              </a:lnSpc>
+              <a:spcBef>
+                <a:spcPts val="500"/>
+              </a:spcBef>
+              <a:buFont typeface="Arial" panose="020B0604020202020204" pitchFamily="34" charset="0"/>
+              <a:buNone/>
+              <a:defRPr sz="1800" kern="1200">
+                <a:solidFill>
+                  <a:schemeClr val="tx1"/>
+                </a:solidFill>
+                <a:latin typeface="+mn-lt"/>
+                <a:ea typeface="+mn-ea"/>
+                <a:cs typeface="+mn-cs"/>
+              </a:defRPr>
+            </a:lvl3pPr>
+            <a:lvl4pPr marL="1371600" indent="0" algn="ctr" defTabSz="914400" rtl="0" eaLnBrk="1" latinLnBrk="0" hangingPunct="1">
+              <a:lnSpc>
+                <a:spcPct val="90000"/>
+              </a:lnSpc>
+              <a:spcBef>
+                <a:spcPts val="500"/>
+              </a:spcBef>
+              <a:buFont typeface="Arial" panose="020B0604020202020204" pitchFamily="34" charset="0"/>
+              <a:buNone/>
+              <a:defRPr sz="1600" kern="1200">
+                <a:solidFill>
+                  <a:schemeClr val="tx1"/>
+                </a:solidFill>
+                <a:latin typeface="+mn-lt"/>
+                <a:ea typeface="+mn-ea"/>
+                <a:cs typeface="+mn-cs"/>
+              </a:defRPr>
+            </a:lvl4pPr>
+            <a:lvl5pPr marL="1828800" indent="0" algn="ctr" defTabSz="914400" rtl="0" eaLnBrk="1" latinLnBrk="0" hangingPunct="1">
+              <a:lnSpc>
+                <a:spcPct val="90000"/>
+              </a:lnSpc>
+              <a:spcBef>
+                <a:spcPts val="500"/>
+              </a:spcBef>
+              <a:buFont typeface="Arial" panose="020B0604020202020204" pitchFamily="34" charset="0"/>
+              <a:buNone/>
+              <a:defRPr sz="1600" kern="1200">
+                <a:solidFill>
+                  <a:schemeClr val="tx1"/>
+                </a:solidFill>
+                <a:latin typeface="+mn-lt"/>
+                <a:ea typeface="+mn-ea"/>
+                <a:cs typeface="+mn-cs"/>
+              </a:defRPr>
+            </a:lvl5pPr>
+            <a:lvl6pPr marL="2286000" indent="0" algn="ctr" defTabSz="914400" rtl="0" eaLnBrk="1" latinLnBrk="0" hangingPunct="1">
+              <a:lnSpc>
+                <a:spcPct val="90000"/>
+              </a:lnSpc>
+              <a:spcBef>
+                <a:spcPts val="500"/>
+              </a:spcBef>
+              <a:buFont typeface="Arial" panose="020B0604020202020204" pitchFamily="34" charset="0"/>
+              <a:buNone/>
+              <a:defRPr sz="1600" kern="1200">
+                <a:solidFill>
+                  <a:schemeClr val="tx1"/>
+                </a:solidFill>
+                <a:latin typeface="+mn-lt"/>
+                <a:ea typeface="+mn-ea"/>
+                <a:cs typeface="+mn-cs"/>
+              </a:defRPr>
+            </a:lvl6pPr>
+            <a:lvl7pPr marL="2743200" indent="0" algn="ctr" defTabSz="914400" rtl="0" eaLnBrk="1" latinLnBrk="0" hangingPunct="1">
+              <a:lnSpc>
+                <a:spcPct val="90000"/>
+              </a:lnSpc>
+              <a:spcBef>
+                <a:spcPts val="500"/>
+              </a:spcBef>
+              <a:buFont typeface="Arial" panose="020B0604020202020204" pitchFamily="34" charset="0"/>
+              <a:buNone/>
+              <a:defRPr sz="1600" kern="1200">
+                <a:solidFill>
+                  <a:schemeClr val="tx1"/>
+                </a:solidFill>
+                <a:latin typeface="+mn-lt"/>
+                <a:ea typeface="+mn-ea"/>
+                <a:cs typeface="+mn-cs"/>
+              </a:defRPr>
+            </a:lvl7pPr>
+            <a:lvl8pPr marL="3200400" indent="0" algn="ctr" defTabSz="914400" rtl="0" eaLnBrk="1" latinLnBrk="0" hangingPunct="1">
+              <a:lnSpc>
+                <a:spcPct val="90000"/>
+              </a:lnSpc>
+              <a:spcBef>
+                <a:spcPts val="500"/>
+              </a:spcBef>
+              <a:buFont typeface="Arial" panose="020B0604020202020204" pitchFamily="34" charset="0"/>
+              <a:buNone/>
+              <a:defRPr sz="1600" kern="1200">
+                <a:solidFill>
+                  <a:schemeClr val="tx1"/>
+                </a:solidFill>
+                <a:latin typeface="+mn-lt"/>
+                <a:ea typeface="+mn-ea"/>
+                <a:cs typeface="+mn-cs"/>
+              </a:defRPr>
+            </a:lvl8pPr>
+            <a:lvl9pPr marL="3657600" indent="0" algn="ctr" defTabSz="914400" rtl="0" eaLnBrk="1" latinLnBrk="0" hangingPunct="1">
+              <a:lnSpc>
+                <a:spcPct val="90000"/>
+              </a:lnSpc>
+              <a:spcBef>
+                <a:spcPts val="500"/>
+              </a:spcBef>
+              <a:buFont typeface="Arial" panose="020B0604020202020204" pitchFamily="34" charset="0"/>
+              <a:buNone/>
+              <a:defRPr sz="1600" kern="1200">
+                <a:solidFill>
+                  <a:schemeClr val="tx1"/>
+                </a:solidFill>
+                <a:latin typeface="+mn-lt"/>
+                <a:ea typeface="+mn-ea"/>
+                <a:cs typeface="+mn-cs"/>
+              </a:defRPr>
+            </a:lvl9pPr>
+          </a:lstStyle>
+          <a:p>
+            <a:pPr marL="342900" indent="-342900" algn="l">
+              <a:buFont typeface="Arial" panose="020B0604020202020204" pitchFamily="34" charset="0"/>
+              <a:buChar char="•"/>
+            </a:pPr>
+            <a:r>
+              <a:rPr lang="nl-NL" dirty="0" err="1">
                 <a:solidFill>
                   <a:schemeClr val="bg1"/>
                 </a:solidFill>
@@ -6528,63 +6629,19 @@
               <a:t>Entity</a:t>
             </a:r>
             <a:r>
-              <a:rPr lang="nl-NL" sz="2000" dirty="0">
-                <a:solidFill>
-                  <a:schemeClr val="bg1"/>
-                </a:solidFill>
-              </a:rPr>
-              <a:t> </a:t>
-            </a:r>
-            <a:r>
-              <a:rPr lang="nl-NL" sz="2000" dirty="0" err="1">
-                <a:solidFill>
-                  <a:schemeClr val="bg1"/>
-                </a:solidFill>
-              </a:rPr>
-              <a:t>framework</a:t>
-            </a:r>
-            <a:r>
-              <a:rPr lang="nl-NL" sz="2000" dirty="0">
-                <a:solidFill>
-                  <a:schemeClr val="bg1"/>
-                </a:solidFill>
-              </a:rPr>
-              <a:t> &amp; </a:t>
-            </a:r>
-            <a:r>
-              <a:rPr lang="nl-NL" sz="2000" dirty="0" err="1">
-                <a:solidFill>
-                  <a:schemeClr val="bg1"/>
-                </a:solidFill>
-              </a:rPr>
-              <a:t>Repository</a:t>
-            </a:r>
-            <a:r>
-              <a:rPr lang="nl-NL" sz="2000" dirty="0">
-                <a:solidFill>
-                  <a:schemeClr val="bg1"/>
-                </a:solidFill>
-              </a:rPr>
-              <a:t> </a:t>
-            </a:r>
-            <a:r>
-              <a:rPr lang="nl-NL" sz="2000" dirty="0" err="1">
-                <a:solidFill>
-                  <a:schemeClr val="bg1"/>
-                </a:solidFill>
-              </a:rPr>
-              <a:t>pattern</a:t>
-            </a:r>
-            <a:r>
               <a:rPr lang="nl-NL" dirty="0">
                 <a:solidFill>
                   <a:schemeClr val="bg1"/>
                 </a:solidFill>
               </a:rPr>
-              <a:t>	</a:t>
-            </a:r>
-          </a:p>
-          <a:p>
+              <a:t> Framework</a:t>
+            </a:r>
+          </a:p>
+          <a:p>
+            <a:pPr marL="342900" indent="-342900" algn="l">
+              <a:buFont typeface="Arial" panose="020B0604020202020204" pitchFamily="34" charset="0"/>
+              <a:buChar char="•"/>
+            </a:pPr>
             <a:endParaRPr lang="nl-NL" dirty="0">
               <a:solidFill>
                 <a:schemeClr val="bg1"/>
@@ -6592,81 +6649,121 @@
             </a:endParaRPr>
           </a:p>
           <a:p>
+            <a:pPr marL="342900" indent="-342900" algn="l">
+              <a:buFont typeface="Arial" panose="020B0604020202020204" pitchFamily="34" charset="0"/>
+              <a:buChar char="•"/>
+            </a:pPr>
+            <a:r>
+              <a:rPr lang="nl-NL" dirty="0" err="1">
+                <a:solidFill>
+                  <a:schemeClr val="bg1"/>
+                </a:solidFill>
+              </a:rPr>
+              <a:t>Repository</a:t>
+            </a:r>
             <a:r>
               <a:rPr lang="nl-NL" dirty="0">
                 <a:solidFill>
                   <a:schemeClr val="bg1"/>
                 </a:solidFill>
               </a:rPr>
-              <a:t>              Wat zijn deze onderwerpen				Wat is dit</a:t>
-            </a:r>
-          </a:p>
-          <a:p>
+              <a:t> </a:t>
+            </a:r>
+            <a:r>
+              <a:rPr lang="nl-NL" dirty="0" err="1">
+                <a:solidFill>
+                  <a:schemeClr val="bg1"/>
+                </a:solidFill>
+              </a:rPr>
+              <a:t>pattern</a:t>
+            </a:r>
+            <a:endParaRPr lang="nl-NL" dirty="0">
+              <a:solidFill>
+                <a:schemeClr val="bg1"/>
+              </a:solidFill>
+            </a:endParaRPr>
+          </a:p>
+          <a:p>
+            <a:pPr marL="342900" indent="-342900" algn="l">
+              <a:buFont typeface="Arial" panose="020B0604020202020204" pitchFamily="34" charset="0"/>
+              <a:buChar char="•"/>
+            </a:pPr>
+            <a:endParaRPr lang="nl-NL" dirty="0">
+              <a:solidFill>
+                <a:schemeClr val="bg1"/>
+              </a:solidFill>
+            </a:endParaRPr>
+          </a:p>
+          <a:p>
+            <a:pPr marL="342900" indent="-342900" algn="l">
+              <a:buFont typeface="Arial" panose="020B0604020202020204" pitchFamily="34" charset="0"/>
+              <a:buChar char="•"/>
+            </a:pPr>
+            <a:r>
+              <a:rPr lang="nl-NL" dirty="0" err="1">
+                <a:solidFill>
+                  <a:schemeClr val="bg1"/>
+                </a:solidFill>
+              </a:rPr>
+              <a:t>Sensitive</a:t>
+            </a:r>
             <a:r>
               <a:rPr lang="nl-NL" dirty="0">
                 <a:solidFill>
                   <a:schemeClr val="bg1"/>
                 </a:solidFill>
               </a:rPr>
-              <a:t>	                  &amp;					       &amp;</a:t>
-            </a:r>
-          </a:p>
-          <a:p>
-            <a:r>
-              <a:rPr lang="nl-NL" dirty="0">
-                <a:solidFill>
-                  <a:schemeClr val="bg1"/>
-                </a:solidFill>
-              </a:rPr>
-              <a:t>               Hoe implementeer ik deze			          Hoe voorkom ik dit</a:t>
-            </a:r>
-          </a:p>
-        </p:txBody>
-      </p:sp>
-      <p:sp>
-        <p:nvSpPr>
-          <p:cNvPr id="7" name="Tekstvak 6">
-            <a:extLst>
-              <a:ext uri="{FF2B5EF4-FFF2-40B4-BE49-F238E27FC236}">
-                <a16:creationId xmlns:a16="http://schemas.microsoft.com/office/drawing/2014/main" id="{52FA46D1-5F5E-45F6-97A5-5D4EC36A8921}"/>
-              </a:ext>
-            </a:extLst>
-          </p:cNvPr>
-          <p:cNvSpPr txBox="1"/>
-          <p:nvPr/>
+              <a:t> Data Exposure</a:t>
+            </a:r>
+          </a:p>
+          <a:p>
+            <a:pPr marL="342900" indent="-342900" algn="l">
+              <a:buFont typeface="Arial" panose="020B0604020202020204" pitchFamily="34" charset="0"/>
+              <a:buChar char="•"/>
+            </a:pPr>
+            <a:endParaRPr lang="nl-NL" dirty="0">
+              <a:solidFill>
+                <a:schemeClr val="bg1"/>
+              </a:solidFill>
+            </a:endParaRPr>
+          </a:p>
+        </p:txBody>
+      </p:sp>
+      <p:sp>
+        <p:nvSpPr>
+          <p:cNvPr id="10" name="Titel 1">
+            <a:extLst>
+              <a:ext uri="{FF2B5EF4-FFF2-40B4-BE49-F238E27FC236}">
+                <a16:creationId xmlns:a16="http://schemas.microsoft.com/office/drawing/2014/main" id="{F5A54F81-B54C-4D4D-BD79-C7DB99EFF519}"/>
+              </a:ext>
+            </a:extLst>
+          </p:cNvPr>
+          <p:cNvSpPr>
+            <a:spLocks noGrp="1"/>
+          </p:cNvSpPr>
+          <p:nvPr>
+            <p:ph type="ctrTitle"/>
+          </p:nvPr>
         </p:nvSpPr>
         <p:spPr>
           <a:xfrm>
-            <a:off x="1524000" y="3602038"/>
-            <a:ext cx="8478253" cy="461665"/>
+            <a:off x="1524000" y="1122363"/>
+            <a:ext cx="9144000" cy="137270"/>
           </a:xfrm>
-          <a:prstGeom prst="rect">
-            <a:avLst/>
-          </a:prstGeom>
-          <a:noFill/>
         </p:spPr>
         <p:txBody>
-          <a:bodyPr wrap="square" rtlCol="0">
-            <a:spAutoFit/>
+          <a:bodyPr>
+            <a:noAutofit/>
           </a:bodyPr>
           <a:lstStyle/>
           <a:p>
-            <a:pPr algn="r"/>
-            <a:r>
-              <a:rPr lang="nl-NL" sz="2400" dirty="0" err="1">
-                <a:solidFill>
-                  <a:schemeClr val="bg1"/>
-                </a:solidFill>
-              </a:rPr>
-              <a:t>Sensitive</a:t>
-            </a:r>
-            <a:r>
-              <a:rPr lang="nl-NL" sz="2400" dirty="0">
-                <a:solidFill>
-                  <a:schemeClr val="bg1"/>
-                </a:solidFill>
-              </a:rPr>
-              <a:t> Data Exposure</a:t>
+            <a:r>
+              <a:rPr lang="nl-NL" sz="3600" dirty="0">
+                <a:solidFill>
+                  <a:schemeClr val="bg1"/>
+                </a:solidFill>
+              </a:rPr>
+              <a:t>Inhoud</a:t>
             </a:r>
           </a:p>
         </p:txBody>
@@ -6674,7 +6771,7 @@
     </p:spTree>
     <p:extLst>
       <p:ext uri="{BB962C8B-B14F-4D97-AF65-F5344CB8AC3E}">
-        <p14:creationId xmlns:p14="http://schemas.microsoft.com/office/powerpoint/2010/main" val="4129991484"/>
+        <p14:creationId xmlns:p14="http://schemas.microsoft.com/office/powerpoint/2010/main" val="77825839"/>
       </p:ext>
     </p:extLst>
   </p:cSld>
@@ -6709,6 +6806,36 @@
           <a:chExt cx="0" cy="0"/>
         </a:xfrm>
       </p:grpSpPr>
+      <p:sp>
+        <p:nvSpPr>
+          <p:cNvPr id="3" name="Ondertitel 2">
+            <a:extLst>
+              <a:ext uri="{FF2B5EF4-FFF2-40B4-BE49-F238E27FC236}">
+                <a16:creationId xmlns:a16="http://schemas.microsoft.com/office/drawing/2014/main" id="{E33BA47F-E0B6-48B8-9B6E-CE089A774A2F}"/>
+              </a:ext>
+            </a:extLst>
+          </p:cNvPr>
+          <p:cNvSpPr>
+            <a:spLocks noGrp="1"/>
+          </p:cNvSpPr>
+          <p:nvPr>
+            <p:ph type="subTitle" idx="1"/>
+          </p:nvPr>
+        </p:nvSpPr>
+        <p:spPr>
+          <a:xfrm>
+            <a:off x="1524000" y="3602038"/>
+            <a:ext cx="9144000" cy="1655762"/>
+          </a:xfrm>
+        </p:spPr>
+        <p:txBody>
+          <a:bodyPr/>
+          <a:lstStyle/>
+          <a:p>
+            <a:endParaRPr lang="nl-NL"/>
+          </a:p>
+        </p:txBody>
+      </p:sp>
       <p:pic>
         <p:nvPicPr>
           <p:cNvPr id="6" name="Afbeelding 5">
@@ -6747,202 +6874,71 @@
       </p:pic>
       <p:sp>
         <p:nvSpPr>
-          <p:cNvPr id="7" name="Ondertitel 2">
-            <a:extLst>
-              <a:ext uri="{FF2B5EF4-FFF2-40B4-BE49-F238E27FC236}">
-                <a16:creationId xmlns:a16="http://schemas.microsoft.com/office/drawing/2014/main" id="{C8A7217A-CA09-4F92-BB8B-040FAE5EF125}"/>
-              </a:ext>
-            </a:extLst>
-          </p:cNvPr>
-          <p:cNvSpPr txBox="1">
-            <a:spLocks/>
-          </p:cNvSpPr>
-          <p:nvPr/>
+          <p:cNvPr id="2" name="Titel 1">
+            <a:extLst>
+              <a:ext uri="{FF2B5EF4-FFF2-40B4-BE49-F238E27FC236}">
+                <a16:creationId xmlns:a16="http://schemas.microsoft.com/office/drawing/2014/main" id="{D3C07CC0-B426-4FA1-ACA6-C10A83758EA0}"/>
+              </a:ext>
+            </a:extLst>
+          </p:cNvPr>
+          <p:cNvSpPr>
+            <a:spLocks noGrp="1"/>
+          </p:cNvSpPr>
+          <p:nvPr>
+            <p:ph type="ctrTitle"/>
+          </p:nvPr>
         </p:nvSpPr>
         <p:spPr>
           <a:xfrm>
-            <a:off x="1524000" y="2127380"/>
-            <a:ext cx="9144000" cy="3107093"/>
+            <a:off x="1524000" y="607219"/>
+            <a:ext cx="9144000" cy="2387600"/>
+          </a:xfrm>
+        </p:spPr>
+        <p:txBody>
+          <a:bodyPr/>
+          <a:lstStyle/>
+          <a:p>
+            <a:r>
+              <a:rPr lang="nl-NL" dirty="0">
+                <a:solidFill>
+                  <a:schemeClr val="bg1"/>
+                </a:solidFill>
+              </a:rPr>
+              <a:t>Doelen</a:t>
+            </a:r>
+          </a:p>
+        </p:txBody>
+      </p:sp>
+      <p:sp>
+        <p:nvSpPr>
+          <p:cNvPr id="4" name="Tekstvak 3">
+            <a:extLst>
+              <a:ext uri="{FF2B5EF4-FFF2-40B4-BE49-F238E27FC236}">
+                <a16:creationId xmlns:a16="http://schemas.microsoft.com/office/drawing/2014/main" id="{489E2ABD-4449-4674-9407-12EC98C5BA5D}"/>
+              </a:ext>
+            </a:extLst>
+          </p:cNvPr>
+          <p:cNvSpPr txBox="1"/>
+          <p:nvPr/>
+        </p:nvSpPr>
+        <p:spPr>
+          <a:xfrm>
+            <a:off x="1524000" y="3602038"/>
+            <a:ext cx="9144000" cy="1508105"/>
           </a:xfrm>
           <a:prstGeom prst="rect">
             <a:avLst/>
           </a:prstGeom>
+          <a:noFill/>
         </p:spPr>
         <p:txBody>
-          <a:bodyPr vert="horz" lIns="91440" tIns="45720" rIns="91440" bIns="45720" rtlCol="0">
-            <a:normAutofit/>
+          <a:bodyPr wrap="square" rtlCol="0">
+            <a:spAutoFit/>
           </a:bodyPr>
-          <a:lstStyle>
-            <a:lvl1pPr marL="0" indent="0" algn="ctr" defTabSz="914400" rtl="0" eaLnBrk="1" latinLnBrk="0" hangingPunct="1">
-              <a:lnSpc>
-                <a:spcPct val="90000"/>
-              </a:lnSpc>
-              <a:spcBef>
-                <a:spcPts val="1000"/>
-              </a:spcBef>
-              <a:buFont typeface="Arial" panose="020B0604020202020204" pitchFamily="34" charset="0"/>
-              <a:buNone/>
-              <a:defRPr sz="2400" kern="1200">
-                <a:solidFill>
-                  <a:schemeClr val="tx1"/>
-                </a:solidFill>
-                <a:latin typeface="+mn-lt"/>
-                <a:ea typeface="+mn-ea"/>
-                <a:cs typeface="+mn-cs"/>
-              </a:defRPr>
-            </a:lvl1pPr>
-            <a:lvl2pPr marL="457200" indent="0" algn="ctr" defTabSz="914400" rtl="0" eaLnBrk="1" latinLnBrk="0" hangingPunct="1">
-              <a:lnSpc>
-                <a:spcPct val="90000"/>
-              </a:lnSpc>
-              <a:spcBef>
-                <a:spcPts val="500"/>
-              </a:spcBef>
-              <a:buFont typeface="Arial" panose="020B0604020202020204" pitchFamily="34" charset="0"/>
-              <a:buNone/>
-              <a:defRPr sz="2000" kern="1200">
-                <a:solidFill>
-                  <a:schemeClr val="tx1"/>
-                </a:solidFill>
-                <a:latin typeface="+mn-lt"/>
-                <a:ea typeface="+mn-ea"/>
-                <a:cs typeface="+mn-cs"/>
-              </a:defRPr>
-            </a:lvl2pPr>
-            <a:lvl3pPr marL="914400" indent="0" algn="ctr" defTabSz="914400" rtl="0" eaLnBrk="1" latinLnBrk="0" hangingPunct="1">
-              <a:lnSpc>
-                <a:spcPct val="90000"/>
-              </a:lnSpc>
-              <a:spcBef>
-                <a:spcPts val="500"/>
-              </a:spcBef>
-              <a:buFont typeface="Arial" panose="020B0604020202020204" pitchFamily="34" charset="0"/>
-              <a:buNone/>
-              <a:defRPr sz="1800" kern="1200">
-                <a:solidFill>
-                  <a:schemeClr val="tx1"/>
-                </a:solidFill>
-                <a:latin typeface="+mn-lt"/>
-                <a:ea typeface="+mn-ea"/>
-                <a:cs typeface="+mn-cs"/>
-              </a:defRPr>
-            </a:lvl3pPr>
-            <a:lvl4pPr marL="1371600" indent="0" algn="ctr" defTabSz="914400" rtl="0" eaLnBrk="1" latinLnBrk="0" hangingPunct="1">
-              <a:lnSpc>
-                <a:spcPct val="90000"/>
-              </a:lnSpc>
-              <a:spcBef>
-                <a:spcPts val="500"/>
-              </a:spcBef>
-              <a:buFont typeface="Arial" panose="020B0604020202020204" pitchFamily="34" charset="0"/>
-              <a:buNone/>
-              <a:defRPr sz="1600" kern="1200">
-                <a:solidFill>
-                  <a:schemeClr val="tx1"/>
-                </a:solidFill>
-                <a:latin typeface="+mn-lt"/>
-                <a:ea typeface="+mn-ea"/>
-                <a:cs typeface="+mn-cs"/>
-              </a:defRPr>
-            </a:lvl4pPr>
-            <a:lvl5pPr marL="1828800" indent="0" algn="ctr" defTabSz="914400" rtl="0" eaLnBrk="1" latinLnBrk="0" hangingPunct="1">
-              <a:lnSpc>
-                <a:spcPct val="90000"/>
-              </a:lnSpc>
-              <a:spcBef>
-                <a:spcPts val="500"/>
-              </a:spcBef>
-              <a:buFont typeface="Arial" panose="020B0604020202020204" pitchFamily="34" charset="0"/>
-              <a:buNone/>
-              <a:defRPr sz="1600" kern="1200">
-                <a:solidFill>
-                  <a:schemeClr val="tx1"/>
-                </a:solidFill>
-                <a:latin typeface="+mn-lt"/>
-                <a:ea typeface="+mn-ea"/>
-                <a:cs typeface="+mn-cs"/>
-              </a:defRPr>
-            </a:lvl5pPr>
-            <a:lvl6pPr marL="2286000" indent="0" algn="ctr" defTabSz="914400" rtl="0" eaLnBrk="1" latinLnBrk="0" hangingPunct="1">
-              <a:lnSpc>
-                <a:spcPct val="90000"/>
-              </a:lnSpc>
-              <a:spcBef>
-                <a:spcPts val="500"/>
-              </a:spcBef>
-              <a:buFont typeface="Arial" panose="020B0604020202020204" pitchFamily="34" charset="0"/>
-              <a:buNone/>
-              <a:defRPr sz="1600" kern="1200">
-                <a:solidFill>
-                  <a:schemeClr val="tx1"/>
-                </a:solidFill>
-                <a:latin typeface="+mn-lt"/>
-                <a:ea typeface="+mn-ea"/>
-                <a:cs typeface="+mn-cs"/>
-              </a:defRPr>
-            </a:lvl6pPr>
-            <a:lvl7pPr marL="2743200" indent="0" algn="ctr" defTabSz="914400" rtl="0" eaLnBrk="1" latinLnBrk="0" hangingPunct="1">
-              <a:lnSpc>
-                <a:spcPct val="90000"/>
-              </a:lnSpc>
-              <a:spcBef>
-                <a:spcPts val="500"/>
-              </a:spcBef>
-              <a:buFont typeface="Arial" panose="020B0604020202020204" pitchFamily="34" charset="0"/>
-              <a:buNone/>
-              <a:defRPr sz="1600" kern="1200">
-                <a:solidFill>
-                  <a:schemeClr val="tx1"/>
-                </a:solidFill>
-                <a:latin typeface="+mn-lt"/>
-                <a:ea typeface="+mn-ea"/>
-                <a:cs typeface="+mn-cs"/>
-              </a:defRPr>
-            </a:lvl7pPr>
-            <a:lvl8pPr marL="3200400" indent="0" algn="ctr" defTabSz="914400" rtl="0" eaLnBrk="1" latinLnBrk="0" hangingPunct="1">
-              <a:lnSpc>
-                <a:spcPct val="90000"/>
-              </a:lnSpc>
-              <a:spcBef>
-                <a:spcPts val="500"/>
-              </a:spcBef>
-              <a:buFont typeface="Arial" panose="020B0604020202020204" pitchFamily="34" charset="0"/>
-              <a:buNone/>
-              <a:defRPr sz="1600" kern="1200">
-                <a:solidFill>
-                  <a:schemeClr val="tx1"/>
-                </a:solidFill>
-                <a:latin typeface="+mn-lt"/>
-                <a:ea typeface="+mn-ea"/>
-                <a:cs typeface="+mn-cs"/>
-              </a:defRPr>
-            </a:lvl8pPr>
-            <a:lvl9pPr marL="3657600" indent="0" algn="ctr" defTabSz="914400" rtl="0" eaLnBrk="1" latinLnBrk="0" hangingPunct="1">
-              <a:lnSpc>
-                <a:spcPct val="90000"/>
-              </a:lnSpc>
-              <a:spcBef>
-                <a:spcPts val="500"/>
-              </a:spcBef>
-              <a:buFont typeface="Arial" panose="020B0604020202020204" pitchFamily="34" charset="0"/>
-              <a:buNone/>
-              <a:defRPr sz="1600" kern="1200">
-                <a:solidFill>
-                  <a:schemeClr val="tx1"/>
-                </a:solidFill>
-                <a:latin typeface="+mn-lt"/>
-                <a:ea typeface="+mn-ea"/>
-                <a:cs typeface="+mn-cs"/>
-              </a:defRPr>
-            </a:lvl9pPr>
-          </a:lstStyle>
-          <a:p>
-            <a:pPr marL="342900" indent="-342900" algn="l">
-              <a:buFont typeface="Arial" panose="020B0604020202020204" pitchFamily="34" charset="0"/>
-              <a:buChar char="•"/>
-            </a:pPr>
-            <a:r>
-              <a:rPr lang="nl-NL" dirty="0" err="1">
+          <a:lstStyle/>
+          <a:p>
+            <a:r>
+              <a:rPr lang="nl-NL" sz="2000" dirty="0" err="1">
                 <a:solidFill>
                   <a:schemeClr val="bg1"/>
                 </a:solidFill>
@@ -6950,19 +6946,63 @@
               <a:t>Entity</a:t>
             </a:r>
             <a:r>
+              <a:rPr lang="nl-NL" sz="2000" dirty="0">
+                <a:solidFill>
+                  <a:schemeClr val="bg1"/>
+                </a:solidFill>
+              </a:rPr>
+              <a:t> </a:t>
+            </a:r>
+            <a:r>
+              <a:rPr lang="nl-NL" sz="2000" dirty="0" err="1">
+                <a:solidFill>
+                  <a:schemeClr val="bg1"/>
+                </a:solidFill>
+              </a:rPr>
+              <a:t>framework</a:t>
+            </a:r>
+            <a:r>
+              <a:rPr lang="nl-NL" sz="2000" dirty="0">
+                <a:solidFill>
+                  <a:schemeClr val="bg1"/>
+                </a:solidFill>
+              </a:rPr>
+              <a:t> &amp; </a:t>
+            </a:r>
+            <a:r>
+              <a:rPr lang="nl-NL" sz="2000" dirty="0" err="1">
+                <a:solidFill>
+                  <a:schemeClr val="bg1"/>
+                </a:solidFill>
+              </a:rPr>
+              <a:t>Repository</a:t>
+            </a:r>
+            <a:r>
+              <a:rPr lang="nl-NL" sz="2000" dirty="0">
+                <a:solidFill>
+                  <a:schemeClr val="bg1"/>
+                </a:solidFill>
+              </a:rPr>
+              <a:t> </a:t>
+            </a:r>
+            <a:r>
+              <a:rPr lang="nl-NL" sz="2000" dirty="0" err="1">
+                <a:solidFill>
+                  <a:schemeClr val="bg1"/>
+                </a:solidFill>
+              </a:rPr>
+              <a:t>pattern</a:t>
+            </a:r>
+            <a:r>
               <a:rPr lang="nl-NL" dirty="0">
                 <a:solidFill>
                   <a:schemeClr val="bg1"/>
                 </a:solidFill>
               </a:rPr>
-              <a:t> Framework</a:t>
-            </a:r>
-          </a:p>
-          <a:p>
-            <a:pPr marL="342900" indent="-342900" algn="l">
-              <a:buFont typeface="Arial" panose="020B0604020202020204" pitchFamily="34" charset="0"/>
-              <a:buChar char="•"/>
-            </a:pPr>
+              <a:t>	</a:t>
+            </a:r>
+          </a:p>
+          <a:p>
             <a:endParaRPr lang="nl-NL" dirty="0">
               <a:solidFill>
                 <a:schemeClr val="bg1"/>
@@ -6970,121 +7010,81 @@
             </a:endParaRPr>
           </a:p>
           <a:p>
-            <a:pPr marL="342900" indent="-342900" algn="l">
-              <a:buFont typeface="Arial" panose="020B0604020202020204" pitchFamily="34" charset="0"/>
-              <a:buChar char="•"/>
-            </a:pPr>
-            <a:r>
-              <a:rPr lang="nl-NL" dirty="0" err="1">
-                <a:solidFill>
-                  <a:schemeClr val="bg1"/>
-                </a:solidFill>
-              </a:rPr>
-              <a:t>Repository</a:t>
-            </a:r>
             <a:r>
               <a:rPr lang="nl-NL" dirty="0">
                 <a:solidFill>
                   <a:schemeClr val="bg1"/>
                 </a:solidFill>
               </a:rPr>
-              <a:t> </a:t>
-            </a:r>
-            <a:r>
-              <a:rPr lang="nl-NL" dirty="0" err="1">
-                <a:solidFill>
-                  <a:schemeClr val="bg1"/>
-                </a:solidFill>
-              </a:rPr>
-              <a:t>pattern</a:t>
-            </a:r>
-            <a:endParaRPr lang="nl-NL" dirty="0">
-              <a:solidFill>
-                <a:schemeClr val="bg1"/>
-              </a:solidFill>
-            </a:endParaRPr>
-          </a:p>
-          <a:p>
-            <a:pPr marL="342900" indent="-342900" algn="l">
-              <a:buFont typeface="Arial" panose="020B0604020202020204" pitchFamily="34" charset="0"/>
-              <a:buChar char="•"/>
-            </a:pPr>
-            <a:endParaRPr lang="nl-NL" dirty="0">
-              <a:solidFill>
-                <a:schemeClr val="bg1"/>
-              </a:solidFill>
-            </a:endParaRPr>
-          </a:p>
-          <a:p>
-            <a:pPr marL="342900" indent="-342900" algn="l">
-              <a:buFont typeface="Arial" panose="020B0604020202020204" pitchFamily="34" charset="0"/>
-              <a:buChar char="•"/>
-            </a:pPr>
-            <a:r>
-              <a:rPr lang="nl-NL" dirty="0" err="1">
-                <a:solidFill>
-                  <a:schemeClr val="bg1"/>
-                </a:solidFill>
-              </a:rPr>
-              <a:t>Sensitive</a:t>
-            </a:r>
+              <a:t>              Wat zijn deze onderwerpen				Wat is het</a:t>
+            </a:r>
+          </a:p>
+          <a:p>
             <a:r>
               <a:rPr lang="nl-NL" dirty="0">
                 <a:solidFill>
                   <a:schemeClr val="bg1"/>
                 </a:solidFill>
               </a:rPr>
-              <a:t> Data Exposure</a:t>
-            </a:r>
-          </a:p>
-          <a:p>
-            <a:pPr marL="342900" indent="-342900" algn="l">
-              <a:buFont typeface="Arial" panose="020B0604020202020204" pitchFamily="34" charset="0"/>
-              <a:buChar char="•"/>
-            </a:pPr>
-            <a:endParaRPr lang="nl-NL" dirty="0">
-              <a:solidFill>
-                <a:schemeClr val="bg1"/>
-              </a:solidFill>
-            </a:endParaRPr>
-          </a:p>
-        </p:txBody>
-      </p:sp>
-      <p:sp>
-        <p:nvSpPr>
-          <p:cNvPr id="10" name="Titel 1">
-            <a:extLst>
-              <a:ext uri="{FF2B5EF4-FFF2-40B4-BE49-F238E27FC236}">
-                <a16:creationId xmlns:a16="http://schemas.microsoft.com/office/drawing/2014/main" id="{F5A54F81-B54C-4D4D-BD79-C7DB99EFF519}"/>
-              </a:ext>
-            </a:extLst>
-          </p:cNvPr>
-          <p:cNvSpPr>
-            <a:spLocks noGrp="1"/>
-          </p:cNvSpPr>
-          <p:nvPr>
-            <p:ph type="ctrTitle"/>
-          </p:nvPr>
+              <a:t>	                  &amp;					       &amp;</a:t>
+            </a:r>
+          </a:p>
+          <a:p>
+            <a:r>
+              <a:rPr lang="nl-NL" dirty="0">
+                <a:solidFill>
+                  <a:schemeClr val="bg1"/>
+                </a:solidFill>
+              </a:rPr>
+              <a:t>               Hoe implementeer ik deze			          Hoe voorkom ik het</a:t>
+            </a:r>
+          </a:p>
+        </p:txBody>
+      </p:sp>
+      <p:sp>
+        <p:nvSpPr>
+          <p:cNvPr id="7" name="Tekstvak 6">
+            <a:extLst>
+              <a:ext uri="{FF2B5EF4-FFF2-40B4-BE49-F238E27FC236}">
+                <a16:creationId xmlns:a16="http://schemas.microsoft.com/office/drawing/2014/main" id="{52FA46D1-5F5E-45F6-97A5-5D4EC36A8921}"/>
+              </a:ext>
+            </a:extLst>
+          </p:cNvPr>
+          <p:cNvSpPr txBox="1"/>
+          <p:nvPr/>
         </p:nvSpPr>
         <p:spPr>
           <a:xfrm>
-            <a:off x="1524000" y="1122363"/>
-            <a:ext cx="9144000" cy="137270"/>
+            <a:off x="1524000" y="3602038"/>
+            <a:ext cx="8478253" cy="461665"/>
           </a:xfrm>
+          <a:prstGeom prst="rect">
+            <a:avLst/>
+          </a:prstGeom>
+          <a:noFill/>
         </p:spPr>
         <p:txBody>
-          <a:bodyPr>
-            <a:noAutofit/>
+          <a:bodyPr wrap="square" rtlCol="0">
+            <a:spAutoFit/>
           </a:bodyPr>
           <a:lstStyle/>
           <a:p>
-            <a:r>
-              <a:rPr lang="nl-NL" sz="3600" dirty="0">
-                <a:solidFill>
-                  <a:schemeClr val="bg1"/>
-                </a:solidFill>
-              </a:rPr>
-              <a:t>Inhoud</a:t>
+            <a:pPr algn="r"/>
+            <a:r>
+              <a:rPr lang="nl-NL" sz="2400" dirty="0" err="1">
+                <a:solidFill>
+                  <a:schemeClr val="bg1"/>
+                </a:solidFill>
+              </a:rPr>
+              <a:t>Sensitive</a:t>
+            </a:r>
+            <a:r>
+              <a:rPr lang="nl-NL" sz="2400" dirty="0">
+                <a:solidFill>
+                  <a:schemeClr val="bg1"/>
+                </a:solidFill>
+              </a:rPr>
+              <a:t> Data Exposure</a:t>
             </a:r>
           </a:p>
         </p:txBody>
@@ -7092,7 +7092,7 @@
     </p:spTree>
     <p:extLst>
       <p:ext uri="{BB962C8B-B14F-4D97-AF65-F5344CB8AC3E}">
-        <p14:creationId xmlns:p14="http://schemas.microsoft.com/office/powerpoint/2010/main" val="77825839"/>
+        <p14:creationId xmlns:p14="http://schemas.microsoft.com/office/powerpoint/2010/main" val="4129991484"/>
       </p:ext>
     </p:extLst>
   </p:cSld>
@@ -8502,7 +8502,7 @@
                   <a:schemeClr val="bg1"/>
                 </a:solidFill>
               </a:rPr>
-              <a:t>Conceptual</a:t>
+              <a:t>Entity</a:t>
             </a:r>
             <a:r>
               <a:rPr lang="nl-NL" dirty="0">
@@ -8510,41 +8510,8 @@
                   <a:schemeClr val="bg1"/>
                 </a:solidFill>
               </a:rPr>
-              <a:t> model</a:t>
-            </a:r>
-          </a:p>
-          <a:p>
-            <a:pPr marL="342900" indent="-342900" algn="l">
-              <a:buFontTx/>
-              <a:buChar char="-"/>
-            </a:pPr>
-            <a:r>
-              <a:rPr lang="nl-NL" dirty="0">
-                <a:solidFill>
-                  <a:schemeClr val="bg1"/>
-                </a:solidFill>
-              </a:rPr>
-              <a:t>Storage model</a:t>
-            </a:r>
-          </a:p>
-          <a:p>
-            <a:pPr marL="342900" indent="-342900" algn="l">
-              <a:buFontTx/>
-              <a:buChar char="-"/>
-            </a:pPr>
-            <a:r>
-              <a:rPr lang="nl-NL" dirty="0" err="1">
-                <a:solidFill>
-                  <a:schemeClr val="bg1"/>
-                </a:solidFill>
-              </a:rPr>
-              <a:t>Mappings</a:t>
-            </a:r>
-            <a:endParaRPr lang="nl-NL" dirty="0">
-              <a:solidFill>
-                <a:schemeClr val="bg1"/>
-              </a:solidFill>
-            </a:endParaRPr>
+              <a:t> Data Model</a:t>
+            </a:r>
           </a:p>
           <a:p>
             <a:endParaRPr lang="nl-NL" dirty="0">
@@ -8926,7 +8893,7 @@
                   <a:schemeClr val="bg1"/>
                 </a:solidFill>
               </a:rPr>
-              <a:t>http://tiny.cc/EntityWorkshop</a:t>
+              <a:t>http://tiny.cc/Entity-Workshop</a:t>
             </a:r>
           </a:p>
         </p:txBody>
